--- a/Cyclistic visualizations .pptx
+++ b/Cyclistic visualizations .pptx
@@ -2,7 +2,7 @@
 <file path=ppt/presentation.xml><?xml version="1.0" encoding="utf-8"?>
 <p:presentation xmlns:a="http://schemas.openxmlformats.org/drawingml/2006/main" xmlns:r="http://schemas.openxmlformats.org/officeDocument/2006/relationships" xmlns:p="http://schemas.openxmlformats.org/presentationml/2006/main" saveSubsetFonts="1" autoCompressPictures="0">
   <p:sldMasterIdLst>
-    <p:sldMasterId id="2147483673" r:id="rId1"/>
+    <p:sldMasterId id="2147483674" r:id="rId1"/>
   </p:sldMasterIdLst>
   <p:sldIdLst>
     <p:sldId id="256" r:id="rId2"/>
@@ -25,7 +25,7 @@
   <p:notesSz cx="6858000" cy="9144000"/>
   <p:defaultTextStyle>
     <a:defPPr>
-      <a:defRPr lang="en-KZ"/>
+      <a:defRPr lang="en-US"/>
     </a:defPPr>
     <a:lvl1pPr marL="0" algn="l" defTabSz="914400" rtl="0" eaLnBrk="1" latinLnBrk="0" hangingPunct="1">
       <a:defRPr sz="1800" kern="1200">
@@ -118,6 +118,11 @@
       </a:defRPr>
     </a:lvl9pPr>
   </p:defaultTextStyle>
+  <p:extLst>
+    <p:ext uri="{EFAFB233-063F-42B5-8137-9DF3F51BA10A}">
+      <p15:sldGuideLst xmlns:p15="http://schemas.microsoft.com/office/powerpoint/2012/main"/>
+    </p:ext>
+  </p:extLst>
 </p:presentation>
 </file>
 
@@ -1191,9 +1196,9 @@
   </dgm:ptLst>
   <dgm:cxnLst>
     <dgm:cxn modelId="{02608321-01C5-364C-891F-0CABAE2008DB}" srcId="{8A3D114F-D9B9-0841-8751-577ECC5D9A33}" destId="{5D11A964-D934-A14F-9775-88462C54F8D8}" srcOrd="2" destOrd="0" parTransId="{46ECE09F-8DA8-F347-97BF-461754D9E6D6}" sibTransId="{DBCDCD12-C656-7B40-9AB8-7E82058CE5D7}"/>
-    <dgm:cxn modelId="{5C80654F-3CC7-D740-B1FE-693F12FDB61D}" srcId="{8A3D114F-D9B9-0841-8751-577ECC5D9A33}" destId="{9075B23A-55CB-8E40-B3C6-5C9A5367D429}" srcOrd="0" destOrd="0" parTransId="{32F01A73-90BF-374F-BCE8-67F991362FDF}" sibTransId="{36693BC0-97E7-E145-9EB1-8C11CFA97BB1}"/>
     <dgm:cxn modelId="{4C15FB5F-2408-614B-B2D3-063C8621996B}" type="presOf" srcId="{5D11A964-D934-A14F-9775-88462C54F8D8}" destId="{3DB6905C-C79E-1F4A-B06D-FA1ACFA6D342}" srcOrd="0" destOrd="0" presId="urn:microsoft.com/office/officeart/2009/layout/CircleArrowProcess"/>
     <dgm:cxn modelId="{65039260-86FD-FC4D-A278-840F8252EFB2}" type="presOf" srcId="{6B2A1F56-2A17-C648-931C-322C977ACE83}" destId="{C7C5E672-75EF-9C41-8660-837E82950FCF}" srcOrd="0" destOrd="0" presId="urn:microsoft.com/office/officeart/2009/layout/CircleArrowProcess"/>
+    <dgm:cxn modelId="{5C80654F-3CC7-D740-B1FE-693F12FDB61D}" srcId="{8A3D114F-D9B9-0841-8751-577ECC5D9A33}" destId="{9075B23A-55CB-8E40-B3C6-5C9A5367D429}" srcOrd="0" destOrd="0" parTransId="{32F01A73-90BF-374F-BCE8-67F991362FDF}" sibTransId="{36693BC0-97E7-E145-9EB1-8C11CFA97BB1}"/>
     <dgm:cxn modelId="{8CCDF689-FFD2-594A-82DD-C8FE73DD7376}" srcId="{8A3D114F-D9B9-0841-8751-577ECC5D9A33}" destId="{6B2A1F56-2A17-C648-931C-322C977ACE83}" srcOrd="1" destOrd="0" parTransId="{CB66920C-DFB9-E24B-84D3-A5BA307BC11F}" sibTransId="{1B73EDAF-0C98-D347-AD3B-64E37F1CAC6E}"/>
     <dgm:cxn modelId="{9F1B21DC-2B1A-6E41-9F40-77FE59648101}" type="presOf" srcId="{9075B23A-55CB-8E40-B3C6-5C9A5367D429}" destId="{64156DF6-6DB8-5142-86E1-560DE1DB1F41}" srcOrd="0" destOrd="0" presId="urn:microsoft.com/office/officeart/2009/layout/CircleArrowProcess"/>
     <dgm:cxn modelId="{F26DEEFB-73B7-F64F-A059-E4996742451C}" type="presOf" srcId="{8A3D114F-D9B9-0841-8751-577ECC5D9A33}" destId="{ADB18E1D-E24E-C04F-B8EB-D5C0751717C5}" srcOrd="0" destOrd="0" presId="urn:microsoft.com/office/officeart/2009/layout/CircleArrowProcess"/>
@@ -1253,7 +1258,7 @@
             <a:alphaOff val="0"/>
           </a:schemeClr>
         </a:solidFill>
-        <a:ln w="12700" cap="flat" cmpd="sng" algn="ctr">
+        <a:ln w="19050" cap="flat" cmpd="sng" algn="ctr">
           <a:solidFill>
             <a:schemeClr val="lt1">
               <a:hueOff val="0"/>
@@ -1365,13 +1370,13 @@
         <a:solidFill>
           <a:schemeClr val="accent1">
             <a:shade val="50000"/>
-            <a:hueOff val="-52505"/>
-            <a:satOff val="673"/>
-            <a:lumOff val="25650"/>
+            <a:hueOff val="393099"/>
+            <a:satOff val="-41319"/>
+            <a:lumOff val="35655"/>
             <a:alphaOff val="0"/>
           </a:schemeClr>
         </a:solidFill>
-        <a:ln w="12700" cap="flat" cmpd="sng" algn="ctr">
+        <a:ln w="19050" cap="flat" cmpd="sng" algn="ctr">
           <a:solidFill>
             <a:schemeClr val="lt1">
               <a:hueOff val="0"/>
@@ -1489,13 +1494,13 @@
         <a:solidFill>
           <a:schemeClr val="accent1">
             <a:shade val="50000"/>
-            <a:hueOff val="-52505"/>
-            <a:satOff val="673"/>
-            <a:lumOff val="25650"/>
+            <a:hueOff val="393099"/>
+            <a:satOff val="-41319"/>
+            <a:lumOff val="35655"/>
             <a:alphaOff val="0"/>
           </a:schemeClr>
         </a:solidFill>
-        <a:ln w="12700" cap="flat" cmpd="sng" algn="ctr">
+        <a:ln w="19050" cap="flat" cmpd="sng" algn="ctr">
           <a:solidFill>
             <a:schemeClr val="lt1">
               <a:hueOff val="0"/>
@@ -4718,168 +4723,10 @@
       </p:grpSpPr>
       <p:sp>
         <p:nvSpPr>
-          <p:cNvPr id="49" name="Rectangle 48">
-            <a:extLst>
-              <a:ext uri="{FF2B5EF4-FFF2-40B4-BE49-F238E27FC236}">
-                <a16:creationId xmlns:a16="http://schemas.microsoft.com/office/drawing/2014/main" id="{1D227D51-204B-ED48-AF9A-0BE9633FE04A}"/>
-              </a:ext>
-            </a:extLst>
-          </p:cNvPr>
-          <p:cNvSpPr/>
-          <p:nvPr/>
-        </p:nvSpPr>
-        <p:spPr>
-          <a:xfrm>
-            <a:off x="5224243" y="1096772"/>
-            <a:ext cx="6503180" cy="5761228"/>
-          </a:xfrm>
-          <a:prstGeom prst="rect">
-            <a:avLst/>
-          </a:prstGeom>
-          <a:solidFill>
-            <a:schemeClr val="bg2"/>
-          </a:solidFill>
-          <a:ln>
-            <a:noFill/>
-          </a:ln>
-        </p:spPr>
-        <p:style>
-          <a:lnRef idx="2">
-            <a:schemeClr val="accent1">
-              <a:shade val="50000"/>
-            </a:schemeClr>
-          </a:lnRef>
-          <a:fillRef idx="1">
-            <a:schemeClr val="accent1"/>
-          </a:fillRef>
-          <a:effectRef idx="0">
-            <a:schemeClr val="accent1"/>
-          </a:effectRef>
-          <a:fontRef idx="minor">
-            <a:schemeClr val="lt1"/>
-          </a:fontRef>
-        </p:style>
-        <p:txBody>
-          <a:bodyPr rtlCol="0" anchor="ctr"/>
-          <a:lstStyle/>
-          <a:p>
-            <a:pPr algn="ctr"/>
-            <a:endParaRPr lang="en-US"/>
-          </a:p>
-        </p:txBody>
-      </p:sp>
-      <p:sp>
-        <p:nvSpPr>
-          <p:cNvPr id="50" name="Cross 49">
-            <a:extLst>
-              <a:ext uri="{FF2B5EF4-FFF2-40B4-BE49-F238E27FC236}">
-                <a16:creationId xmlns:a16="http://schemas.microsoft.com/office/drawing/2014/main" id="{57A23F45-CDAE-8A40-8DE7-92A0BBC119B7}"/>
-              </a:ext>
-            </a:extLst>
-          </p:cNvPr>
-          <p:cNvSpPr/>
-          <p:nvPr/>
-        </p:nvSpPr>
-        <p:spPr>
-          <a:xfrm>
-            <a:off x="5016811" y="5624450"/>
-            <a:ext cx="524933" cy="524933"/>
-          </a:xfrm>
-          <a:prstGeom prst="plus">
-            <a:avLst>
-              <a:gd name="adj" fmla="val 39516"/>
-            </a:avLst>
-          </a:prstGeom>
-          <a:solidFill>
-            <a:schemeClr val="tx1"/>
-          </a:solidFill>
-          <a:ln>
-            <a:noFill/>
-          </a:ln>
-        </p:spPr>
-        <p:style>
-          <a:lnRef idx="2">
-            <a:schemeClr val="accent1">
-              <a:shade val="50000"/>
-            </a:schemeClr>
-          </a:lnRef>
-          <a:fillRef idx="1">
-            <a:schemeClr val="accent1"/>
-          </a:fillRef>
-          <a:effectRef idx="0">
-            <a:schemeClr val="accent1"/>
-          </a:effectRef>
-          <a:fontRef idx="minor">
-            <a:schemeClr val="lt1"/>
-          </a:fontRef>
-        </p:style>
-        <p:txBody>
-          <a:bodyPr rtlCol="0" anchor="ctr"/>
-          <a:lstStyle/>
-          <a:p>
-            <a:pPr algn="ctr"/>
-            <a:endParaRPr lang="en-US"/>
-          </a:p>
-        </p:txBody>
-      </p:sp>
-      <p:sp>
-        <p:nvSpPr>
-          <p:cNvPr id="51" name="Rectangle 50">
-            <a:extLst>
-              <a:ext uri="{FF2B5EF4-FFF2-40B4-BE49-F238E27FC236}">
-                <a16:creationId xmlns:a16="http://schemas.microsoft.com/office/drawing/2014/main" id="{68546383-CCC4-544B-B0D8-DE78DE39BB78}"/>
-              </a:ext>
-            </a:extLst>
-          </p:cNvPr>
-          <p:cNvSpPr/>
-          <p:nvPr/>
-        </p:nvSpPr>
-        <p:spPr>
-          <a:xfrm>
-            <a:off x="9881559" y="976630"/>
-            <a:ext cx="1336774" cy="120142"/>
-          </a:xfrm>
-          <a:prstGeom prst="rect">
-            <a:avLst/>
-          </a:prstGeom>
-          <a:solidFill>
-            <a:schemeClr val="tx1"/>
-          </a:solidFill>
-          <a:ln>
-            <a:noFill/>
-          </a:ln>
-        </p:spPr>
-        <p:style>
-          <a:lnRef idx="2">
-            <a:schemeClr val="accent1">
-              <a:shade val="50000"/>
-            </a:schemeClr>
-          </a:lnRef>
-          <a:fillRef idx="1">
-            <a:schemeClr val="accent1"/>
-          </a:fillRef>
-          <a:effectRef idx="0">
-            <a:schemeClr val="accent1"/>
-          </a:effectRef>
-          <a:fontRef idx="minor">
-            <a:schemeClr val="lt1"/>
-          </a:fontRef>
-        </p:style>
-        <p:txBody>
-          <a:bodyPr rtlCol="0" anchor="ctr"/>
-          <a:lstStyle/>
-          <a:p>
-            <a:pPr algn="ctr"/>
-            <a:endParaRPr lang="en-US"/>
-          </a:p>
-        </p:txBody>
-      </p:sp>
-      <p:sp>
-        <p:nvSpPr>
           <p:cNvPr id="2" name="Title 1">
             <a:extLst>
               <a:ext uri="{FF2B5EF4-FFF2-40B4-BE49-F238E27FC236}">
-                <a16:creationId xmlns:a16="http://schemas.microsoft.com/office/drawing/2014/main" id="{BA5D1728-714F-2942-A0D1-82FF9419B496}"/>
+                <a16:creationId xmlns:a16="http://schemas.microsoft.com/office/drawing/2014/main" id="{1DA49159-503F-AB84-9DB8-86C3275559A9}"/>
               </a:ext>
             </a:extLst>
           </p:cNvPr>
@@ -4892,22 +4739,23 @@
         </p:nvSpPr>
         <p:spPr>
           <a:xfrm>
-            <a:off x="797106" y="1625608"/>
-            <a:ext cx="8035342" cy="2722164"/>
+            <a:off x="1524000" y="1122363"/>
+            <a:ext cx="9144000" cy="2387600"/>
           </a:xfrm>
         </p:spPr>
         <p:txBody>
           <a:bodyPr anchor="b"/>
           <a:lstStyle>
-            <a:lvl1pPr algn="l">
-              <a:defRPr sz="8000" spc="-150"/>
+            <a:lvl1pPr algn="ctr">
+              <a:defRPr sz="6000"/>
             </a:lvl1pPr>
           </a:lstStyle>
           <a:p>
             <a:r>
-              <a:rPr lang="en-US"/>
+              <a:rPr lang="en-GB"/>
               <a:t>Click to edit Master title style</a:t>
             </a:r>
+            <a:endParaRPr lang="en-US"/>
           </a:p>
         </p:txBody>
       </p:sp>
@@ -4916,7 +4764,7 @@
           <p:cNvPr id="3" name="Subtitle 2">
             <a:extLst>
               <a:ext uri="{FF2B5EF4-FFF2-40B4-BE49-F238E27FC236}">
-                <a16:creationId xmlns:a16="http://schemas.microsoft.com/office/drawing/2014/main" id="{5BD072D4-1496-3347-BBF8-5879DF263BBD}"/>
+                <a16:creationId xmlns:a16="http://schemas.microsoft.com/office/drawing/2014/main" id="{133BC0A2-BA68-A4F9-3E55-45823E9F9C04}"/>
               </a:ext>
             </a:extLst>
           </p:cNvPr>
@@ -4929,14 +4777,14 @@
         </p:nvSpPr>
         <p:spPr>
           <a:xfrm>
-            <a:off x="797106" y="4466845"/>
-            <a:ext cx="8035342" cy="882904"/>
+            <a:off x="1524000" y="3602038"/>
+            <a:ext cx="9144000" cy="1655762"/>
           </a:xfrm>
         </p:spPr>
         <p:txBody>
           <a:bodyPr/>
           <a:lstStyle>
-            <a:lvl1pPr marL="0" indent="0" algn="l">
+            <a:lvl1pPr marL="0" indent="0" algn="ctr">
               <a:buNone/>
               <a:defRPr sz="2400"/>
             </a:lvl1pPr>
@@ -4975,9 +4823,10 @@
           </a:lstStyle>
           <a:p>
             <a:r>
-              <a:rPr lang="en-US" dirty="0"/>
+              <a:rPr lang="en-GB"/>
               <a:t>Click to edit Master subtitle style</a:t>
             </a:r>
+            <a:endParaRPr lang="en-US"/>
           </a:p>
         </p:txBody>
       </p:sp>
@@ -4986,7 +4835,7 @@
           <p:cNvPr id="4" name="Date Placeholder 3">
             <a:extLst>
               <a:ext uri="{FF2B5EF4-FFF2-40B4-BE49-F238E27FC236}">
-                <a16:creationId xmlns:a16="http://schemas.microsoft.com/office/drawing/2014/main" id="{EBEFC724-B499-364B-AEB5-B6517F6AD52B}"/>
+                <a16:creationId xmlns:a16="http://schemas.microsoft.com/office/drawing/2014/main" id="{E7A65E33-47BB-58C7-1A4F-422C899709B1}"/>
               </a:ext>
             </a:extLst>
           </p:cNvPr>
@@ -4997,24 +4846,15 @@
             <p:ph type="dt" sz="half" idx="10"/>
           </p:nvPr>
         </p:nvSpPr>
-        <p:spPr>
-          <a:xfrm>
-            <a:off x="797105" y="5708747"/>
-            <a:ext cx="3882843" cy="365125"/>
-          </a:xfrm>
-        </p:spPr>
+        <p:spPr/>
         <p:txBody>
           <a:bodyPr/>
-          <a:lstStyle>
-            <a:lvl1pPr>
-              <a:defRPr sz="1400"/>
-            </a:lvl1pPr>
-          </a:lstStyle>
+          <a:lstStyle/>
           <a:p>
             <a:fld id="{73C3BD54-29B9-3D42-B178-776ED395AA85}" type="datetimeFigureOut">
               <a:rPr lang="en-US" smtClean="0"/>
               <a:pPr/>
-              <a:t>9/16/23</a:t>
+              <a:t>1/16/2025</a:t>
             </a:fld>
             <a:endParaRPr lang="en-US" sz="1400"/>
           </a:p>
@@ -5025,7 +4865,7 @@
           <p:cNvPr id="5" name="Footer Placeholder 4">
             <a:extLst>
               <a:ext uri="{FF2B5EF4-FFF2-40B4-BE49-F238E27FC236}">
-                <a16:creationId xmlns:a16="http://schemas.microsoft.com/office/drawing/2014/main" id="{8033889C-A4E9-B24E-818F-46A1124C5D26}"/>
+                <a16:creationId xmlns:a16="http://schemas.microsoft.com/office/drawing/2014/main" id="{06861778-1FFB-E636-FEAA-4DDABE88EADE}"/>
               </a:ext>
             </a:extLst>
           </p:cNvPr>
@@ -5050,7 +4890,7 @@
           <p:cNvPr id="6" name="Slide Number Placeholder 5">
             <a:extLst>
               <a:ext uri="{FF2B5EF4-FFF2-40B4-BE49-F238E27FC236}">
-                <a16:creationId xmlns:a16="http://schemas.microsoft.com/office/drawing/2014/main" id="{DA40F50F-250E-6D45-AEBC-2573FED0C310}"/>
+                <a16:creationId xmlns:a16="http://schemas.microsoft.com/office/drawing/2014/main" id="{A66A94A9-0724-EDDB-6B91-D7A65D4F9216}"/>
               </a:ext>
             </a:extLst>
           </p:cNvPr>
@@ -5077,7 +4917,7 @@
     </p:spTree>
     <p:extLst>
       <p:ext uri="{BB962C8B-B14F-4D97-AF65-F5344CB8AC3E}">
-        <p14:creationId xmlns:p14="http://schemas.microsoft.com/office/powerpoint/2010/main" val="1950077476"/>
+        <p14:creationId xmlns:p14="http://schemas.microsoft.com/office/powerpoint/2010/main" val="1917227148"/>
       </p:ext>
     </p:extLst>
   </p:cSld>
@@ -5106,62 +4946,10 @@
       </p:grpSpPr>
       <p:sp>
         <p:nvSpPr>
-          <p:cNvPr id="50" name="Rectangle 49">
-            <a:extLst>
-              <a:ext uri="{FF2B5EF4-FFF2-40B4-BE49-F238E27FC236}">
-                <a16:creationId xmlns:a16="http://schemas.microsoft.com/office/drawing/2014/main" id="{9F6C0E12-251D-EA44-BF81-4ABDFBB94321}"/>
-              </a:ext>
-            </a:extLst>
-          </p:cNvPr>
-          <p:cNvSpPr/>
-          <p:nvPr/>
-        </p:nvSpPr>
-        <p:spPr>
-          <a:xfrm>
-            <a:off x="7087169" y="1096772"/>
-            <a:ext cx="4652226" cy="5761228"/>
-          </a:xfrm>
-          <a:prstGeom prst="rect">
-            <a:avLst/>
-          </a:prstGeom>
-          <a:solidFill>
-            <a:schemeClr val="bg2"/>
-          </a:solidFill>
-          <a:ln>
-            <a:noFill/>
-          </a:ln>
-        </p:spPr>
-        <p:style>
-          <a:lnRef idx="2">
-            <a:schemeClr val="accent1">
-              <a:shade val="50000"/>
-            </a:schemeClr>
-          </a:lnRef>
-          <a:fillRef idx="1">
-            <a:schemeClr val="accent1"/>
-          </a:fillRef>
-          <a:effectRef idx="0">
-            <a:schemeClr val="accent1"/>
-          </a:effectRef>
-          <a:fontRef idx="minor">
-            <a:schemeClr val="lt1"/>
-          </a:fontRef>
-        </p:style>
-        <p:txBody>
-          <a:bodyPr rtlCol="0" anchor="ctr"/>
-          <a:lstStyle/>
-          <a:p>
-            <a:pPr algn="ctr"/>
-            <a:endParaRPr lang="en-US"/>
-          </a:p>
-        </p:txBody>
-      </p:sp>
-      <p:sp>
-        <p:nvSpPr>
           <p:cNvPr id="2" name="Title 1">
             <a:extLst>
               <a:ext uri="{FF2B5EF4-FFF2-40B4-BE49-F238E27FC236}">
-                <a16:creationId xmlns:a16="http://schemas.microsoft.com/office/drawing/2014/main" id="{AEDC5FF4-095A-114E-87B6-73C7ADFF97CD}"/>
+                <a16:creationId xmlns:a16="http://schemas.microsoft.com/office/drawing/2014/main" id="{62511A0E-79EF-8203-19FD-95113979C188}"/>
               </a:ext>
             </a:extLst>
           </p:cNvPr>
@@ -5178,9 +4966,10 @@
           <a:lstStyle/>
           <a:p>
             <a:r>
-              <a:rPr lang="en-US"/>
+              <a:rPr lang="en-GB"/>
               <a:t>Click to edit Master title style</a:t>
             </a:r>
+            <a:endParaRPr lang="en-US"/>
           </a:p>
         </p:txBody>
       </p:sp>
@@ -5189,7 +4978,7 @@
           <p:cNvPr id="3" name="Vertical Text Placeholder 2">
             <a:extLst>
               <a:ext uri="{FF2B5EF4-FFF2-40B4-BE49-F238E27FC236}">
-                <a16:creationId xmlns:a16="http://schemas.microsoft.com/office/drawing/2014/main" id="{A11E6EC9-9650-2042-8581-5B4082F94136}"/>
+                <a16:creationId xmlns:a16="http://schemas.microsoft.com/office/drawing/2014/main" id="{72F8683B-0D80-869F-E826-D07520135012}"/>
               </a:ext>
             </a:extLst>
           </p:cNvPr>
@@ -5207,37 +4996,38 @@
           <a:p>
             <a:pPr lvl="0"/>
             <a:r>
-              <a:rPr lang="en-US"/>
+              <a:rPr lang="en-GB"/>
               <a:t>Click to edit Master text styles</a:t>
             </a:r>
           </a:p>
           <a:p>
             <a:pPr lvl="1"/>
             <a:r>
-              <a:rPr lang="en-US"/>
+              <a:rPr lang="en-GB"/>
               <a:t>Second level</a:t>
             </a:r>
           </a:p>
           <a:p>
             <a:pPr lvl="2"/>
             <a:r>
-              <a:rPr lang="en-US"/>
+              <a:rPr lang="en-GB"/>
               <a:t>Third level</a:t>
             </a:r>
           </a:p>
           <a:p>
             <a:pPr lvl="3"/>
             <a:r>
-              <a:rPr lang="en-US"/>
+              <a:rPr lang="en-GB"/>
               <a:t>Fourth level</a:t>
             </a:r>
           </a:p>
           <a:p>
             <a:pPr lvl="4"/>
             <a:r>
-              <a:rPr lang="en-US"/>
+              <a:rPr lang="en-GB"/>
               <a:t>Fifth level</a:t>
             </a:r>
+            <a:endParaRPr lang="en-US"/>
           </a:p>
         </p:txBody>
       </p:sp>
@@ -5246,7 +5036,7 @@
           <p:cNvPr id="4" name="Date Placeholder 3">
             <a:extLst>
               <a:ext uri="{FF2B5EF4-FFF2-40B4-BE49-F238E27FC236}">
-                <a16:creationId xmlns:a16="http://schemas.microsoft.com/office/drawing/2014/main" id="{0D4A0800-B373-3B40-B187-30AFE44CDD1D}"/>
+                <a16:creationId xmlns:a16="http://schemas.microsoft.com/office/drawing/2014/main" id="{BC9D0D38-ED96-F089-4B0C-D12646F0F421}"/>
               </a:ext>
             </a:extLst>
           </p:cNvPr>
@@ -5264,7 +5054,7 @@
           <a:p>
             <a:fld id="{73C3BD54-29B9-3D42-B178-776ED395AA85}" type="datetimeFigureOut">
               <a:rPr lang="en-US" smtClean="0"/>
-              <a:t>9/16/23</a:t>
+              <a:t>1/16/2025</a:t>
             </a:fld>
             <a:endParaRPr lang="en-US"/>
           </a:p>
@@ -5275,7 +5065,7 @@
           <p:cNvPr id="5" name="Footer Placeholder 4">
             <a:extLst>
               <a:ext uri="{FF2B5EF4-FFF2-40B4-BE49-F238E27FC236}">
-                <a16:creationId xmlns:a16="http://schemas.microsoft.com/office/drawing/2014/main" id="{C10A4C1C-C790-B449-8C06-78E8303F9450}"/>
+                <a16:creationId xmlns:a16="http://schemas.microsoft.com/office/drawing/2014/main" id="{2D5E6689-8D73-DC3F-A6FA-C26B5E6DFB50}"/>
               </a:ext>
             </a:extLst>
           </p:cNvPr>
@@ -5300,7 +5090,7 @@
           <p:cNvPr id="6" name="Slide Number Placeholder 5">
             <a:extLst>
               <a:ext uri="{FF2B5EF4-FFF2-40B4-BE49-F238E27FC236}">
-                <a16:creationId xmlns:a16="http://schemas.microsoft.com/office/drawing/2014/main" id="{8143E620-F86B-F447-AB06-DDAB39192507}"/>
+                <a16:creationId xmlns:a16="http://schemas.microsoft.com/office/drawing/2014/main" id="{EAD76E87-3FDC-E335-2C14-CAAAC68D5854}"/>
               </a:ext>
             </a:extLst>
           </p:cNvPr>
@@ -5324,116 +5114,10 @@
           </a:p>
         </p:txBody>
       </p:sp>
-      <p:sp>
-        <p:nvSpPr>
-          <p:cNvPr id="49" name="Rectangle 48">
-            <a:extLst>
-              <a:ext uri="{FF2B5EF4-FFF2-40B4-BE49-F238E27FC236}">
-                <a16:creationId xmlns:a16="http://schemas.microsoft.com/office/drawing/2014/main" id="{80487CB5-43E0-974C-9DDC-252A8A37107F}"/>
-              </a:ext>
-            </a:extLst>
-          </p:cNvPr>
-          <p:cNvSpPr/>
-          <p:nvPr/>
-        </p:nvSpPr>
-        <p:spPr>
-          <a:xfrm>
-            <a:off x="9881559" y="976630"/>
-            <a:ext cx="1336774" cy="120142"/>
-          </a:xfrm>
-          <a:prstGeom prst="rect">
-            <a:avLst/>
-          </a:prstGeom>
-          <a:solidFill>
-            <a:schemeClr val="tx1"/>
-          </a:solidFill>
-          <a:ln>
-            <a:noFill/>
-          </a:ln>
-        </p:spPr>
-        <p:style>
-          <a:lnRef idx="2">
-            <a:schemeClr val="accent1">
-              <a:shade val="50000"/>
-            </a:schemeClr>
-          </a:lnRef>
-          <a:fillRef idx="1">
-            <a:schemeClr val="accent1"/>
-          </a:fillRef>
-          <a:effectRef idx="0">
-            <a:schemeClr val="accent1"/>
-          </a:effectRef>
-          <a:fontRef idx="minor">
-            <a:schemeClr val="lt1"/>
-          </a:fontRef>
-        </p:style>
-        <p:txBody>
-          <a:bodyPr rtlCol="0" anchor="ctr"/>
-          <a:lstStyle/>
-          <a:p>
-            <a:pPr algn="ctr"/>
-            <a:endParaRPr lang="en-US"/>
-          </a:p>
-        </p:txBody>
-      </p:sp>
-      <p:sp>
-        <p:nvSpPr>
-          <p:cNvPr id="10" name="Cross 9">
-            <a:extLst>
-              <a:ext uri="{FF2B5EF4-FFF2-40B4-BE49-F238E27FC236}">
-                <a16:creationId xmlns:a16="http://schemas.microsoft.com/office/drawing/2014/main" id="{E9CB83EF-4143-5A45-9B3A-9E70DD50253B}"/>
-              </a:ext>
-            </a:extLst>
-          </p:cNvPr>
-          <p:cNvSpPr/>
-          <p:nvPr/>
-        </p:nvSpPr>
-        <p:spPr>
-          <a:xfrm>
-            <a:off x="11415183" y="5618903"/>
-            <a:ext cx="524933" cy="524933"/>
-          </a:xfrm>
-          <a:prstGeom prst="plus">
-            <a:avLst>
-              <a:gd name="adj" fmla="val 39516"/>
-            </a:avLst>
-          </a:prstGeom>
-          <a:solidFill>
-            <a:schemeClr val="tx1"/>
-          </a:solidFill>
-          <a:ln>
-            <a:noFill/>
-          </a:ln>
-        </p:spPr>
-        <p:style>
-          <a:lnRef idx="2">
-            <a:schemeClr val="accent1">
-              <a:shade val="50000"/>
-            </a:schemeClr>
-          </a:lnRef>
-          <a:fillRef idx="1">
-            <a:schemeClr val="accent1"/>
-          </a:fillRef>
-          <a:effectRef idx="0">
-            <a:schemeClr val="accent1"/>
-          </a:effectRef>
-          <a:fontRef idx="minor">
-            <a:schemeClr val="lt1"/>
-          </a:fontRef>
-        </p:style>
-        <p:txBody>
-          <a:bodyPr rtlCol="0" anchor="ctr"/>
-          <a:lstStyle/>
-          <a:p>
-            <a:pPr algn="ctr"/>
-            <a:endParaRPr lang="en-US"/>
-          </a:p>
-        </p:txBody>
-      </p:sp>
     </p:spTree>
     <p:extLst>
       <p:ext uri="{BB962C8B-B14F-4D97-AF65-F5344CB8AC3E}">
-        <p14:creationId xmlns:p14="http://schemas.microsoft.com/office/powerpoint/2010/main" val="3588376645"/>
+        <p14:creationId xmlns:p14="http://schemas.microsoft.com/office/powerpoint/2010/main" val="937827581"/>
       </p:ext>
     </p:extLst>
   </p:cSld>
@@ -5465,7 +5149,7 @@
           <p:cNvPr id="2" name="Vertical Title 1">
             <a:extLst>
               <a:ext uri="{FF2B5EF4-FFF2-40B4-BE49-F238E27FC236}">
-                <a16:creationId xmlns:a16="http://schemas.microsoft.com/office/drawing/2014/main" id="{C09DF801-FF8E-6247-9065-D9304CD6093A}"/>
+                <a16:creationId xmlns:a16="http://schemas.microsoft.com/office/drawing/2014/main" id="{8C8D6866-5FD0-4FA9-7B9F-7A99E03B0017}"/>
               </a:ext>
             </a:extLst>
           </p:cNvPr>
@@ -5478,8 +5162,8 @@
         </p:nvSpPr>
         <p:spPr>
           <a:xfrm>
-            <a:off x="9355667" y="1204722"/>
-            <a:ext cx="1853360" cy="4676648"/>
+            <a:off x="8724900" y="365125"/>
+            <a:ext cx="2628900" cy="5811838"/>
           </a:xfrm>
         </p:spPr>
         <p:txBody>
@@ -5487,9 +5171,10 @@
           <a:lstStyle/>
           <a:p>
             <a:r>
-              <a:rPr lang="en-US"/>
+              <a:rPr lang="en-GB"/>
               <a:t>Click to edit Master title style</a:t>
             </a:r>
+            <a:endParaRPr lang="en-US"/>
           </a:p>
         </p:txBody>
       </p:sp>
@@ -5498,7 +5183,7 @@
           <p:cNvPr id="3" name="Vertical Text Placeholder 2">
             <a:extLst>
               <a:ext uri="{FF2B5EF4-FFF2-40B4-BE49-F238E27FC236}">
-                <a16:creationId xmlns:a16="http://schemas.microsoft.com/office/drawing/2014/main" id="{520E2615-7E4D-AB47-ACE6-236D716D7D24}"/>
+                <a16:creationId xmlns:a16="http://schemas.microsoft.com/office/drawing/2014/main" id="{21329D2F-F5BB-BDC0-E9EE-255FC9646B4A}"/>
               </a:ext>
             </a:extLst>
           </p:cNvPr>
@@ -5511,8 +5196,8 @@
         </p:nvSpPr>
         <p:spPr>
           <a:xfrm>
-            <a:off x="973667" y="1204722"/>
-            <a:ext cx="8274047" cy="4696934"/>
+            <a:off x="838200" y="365125"/>
+            <a:ext cx="7734300" cy="5811838"/>
           </a:xfrm>
         </p:spPr>
         <p:txBody>
@@ -5521,37 +5206,38 @@
           <a:p>
             <a:pPr lvl="0"/>
             <a:r>
-              <a:rPr lang="en-US"/>
+              <a:rPr lang="en-GB"/>
               <a:t>Click to edit Master text styles</a:t>
             </a:r>
           </a:p>
           <a:p>
             <a:pPr lvl="1"/>
             <a:r>
-              <a:rPr lang="en-US"/>
+              <a:rPr lang="en-GB"/>
               <a:t>Second level</a:t>
             </a:r>
           </a:p>
           <a:p>
             <a:pPr lvl="2"/>
             <a:r>
-              <a:rPr lang="en-US"/>
+              <a:rPr lang="en-GB"/>
               <a:t>Third level</a:t>
             </a:r>
           </a:p>
           <a:p>
             <a:pPr lvl="3"/>
             <a:r>
-              <a:rPr lang="en-US"/>
+              <a:rPr lang="en-GB"/>
               <a:t>Fourth level</a:t>
             </a:r>
           </a:p>
           <a:p>
             <a:pPr lvl="4"/>
             <a:r>
-              <a:rPr lang="en-US"/>
+              <a:rPr lang="en-GB"/>
               <a:t>Fifth level</a:t>
             </a:r>
+            <a:endParaRPr lang="en-US"/>
           </a:p>
         </p:txBody>
       </p:sp>
@@ -5560,7 +5246,7 @@
           <p:cNvPr id="4" name="Date Placeholder 3">
             <a:extLst>
               <a:ext uri="{FF2B5EF4-FFF2-40B4-BE49-F238E27FC236}">
-                <a16:creationId xmlns:a16="http://schemas.microsoft.com/office/drawing/2014/main" id="{C91F0223-5AC9-374E-BD0C-344F67E2A85B}"/>
+                <a16:creationId xmlns:a16="http://schemas.microsoft.com/office/drawing/2014/main" id="{EF40617E-B434-9E84-AFD3-E36739BB2FC0}"/>
               </a:ext>
             </a:extLst>
           </p:cNvPr>
@@ -5578,7 +5264,7 @@
           <a:p>
             <a:fld id="{73C3BD54-29B9-3D42-B178-776ED395AA85}" type="datetimeFigureOut">
               <a:rPr lang="en-US" smtClean="0"/>
-              <a:t>9/16/23</a:t>
+              <a:t>1/16/2025</a:t>
             </a:fld>
             <a:endParaRPr lang="en-US"/>
           </a:p>
@@ -5589,7 +5275,7 @@
           <p:cNvPr id="5" name="Footer Placeholder 4">
             <a:extLst>
               <a:ext uri="{FF2B5EF4-FFF2-40B4-BE49-F238E27FC236}">
-                <a16:creationId xmlns:a16="http://schemas.microsoft.com/office/drawing/2014/main" id="{3EBEDD42-54A1-E648-8829-140EC4C57167}"/>
+                <a16:creationId xmlns:a16="http://schemas.microsoft.com/office/drawing/2014/main" id="{1D724B83-BCF8-4C98-DAA0-E3785A520467}"/>
               </a:ext>
             </a:extLst>
           </p:cNvPr>
@@ -5614,7 +5300,7 @@
           <p:cNvPr id="6" name="Slide Number Placeholder 5">
             <a:extLst>
               <a:ext uri="{FF2B5EF4-FFF2-40B4-BE49-F238E27FC236}">
-                <a16:creationId xmlns:a16="http://schemas.microsoft.com/office/drawing/2014/main" id="{D28FDF8F-8DBC-8A47-8000-5BA35DF9F903}"/>
+                <a16:creationId xmlns:a16="http://schemas.microsoft.com/office/drawing/2014/main" id="{CFA8EFD4-2AB1-6E4C-8FC5-6676748E4A12}"/>
               </a:ext>
             </a:extLst>
           </p:cNvPr>
@@ -5638,168 +5324,10 @@
           </a:p>
         </p:txBody>
       </p:sp>
-      <p:sp>
-        <p:nvSpPr>
-          <p:cNvPr id="51" name="Rectangle 50">
-            <a:extLst>
-              <a:ext uri="{FF2B5EF4-FFF2-40B4-BE49-F238E27FC236}">
-                <a16:creationId xmlns:a16="http://schemas.microsoft.com/office/drawing/2014/main" id="{F2CE2A98-5154-A544-BE2A-FDC0811C19A0}"/>
-              </a:ext>
-            </a:extLst>
-          </p:cNvPr>
-          <p:cNvSpPr/>
-          <p:nvPr/>
-        </p:nvSpPr>
-        <p:spPr>
-          <a:xfrm>
-            <a:off x="9881559" y="976630"/>
-            <a:ext cx="1336774" cy="120142"/>
-          </a:xfrm>
-          <a:prstGeom prst="rect">
-            <a:avLst/>
-          </a:prstGeom>
-          <a:solidFill>
-            <a:schemeClr val="tx1"/>
-          </a:solidFill>
-          <a:ln>
-            <a:noFill/>
-          </a:ln>
-        </p:spPr>
-        <p:style>
-          <a:lnRef idx="2">
-            <a:schemeClr val="accent1">
-              <a:shade val="50000"/>
-            </a:schemeClr>
-          </a:lnRef>
-          <a:fillRef idx="1">
-            <a:schemeClr val="accent1"/>
-          </a:fillRef>
-          <a:effectRef idx="0">
-            <a:schemeClr val="accent1"/>
-          </a:effectRef>
-          <a:fontRef idx="minor">
-            <a:schemeClr val="lt1"/>
-          </a:fontRef>
-        </p:style>
-        <p:txBody>
-          <a:bodyPr rtlCol="0" anchor="ctr"/>
-          <a:lstStyle/>
-          <a:p>
-            <a:pPr algn="ctr"/>
-            <a:endParaRPr lang="en-US"/>
-          </a:p>
-        </p:txBody>
-      </p:sp>
-      <p:sp>
-        <p:nvSpPr>
-          <p:cNvPr id="53" name="Rectangle 52">
-            <a:extLst>
-              <a:ext uri="{FF2B5EF4-FFF2-40B4-BE49-F238E27FC236}">
-                <a16:creationId xmlns:a16="http://schemas.microsoft.com/office/drawing/2014/main" id="{DC4EC832-8181-5643-8A62-117E43F0E498}"/>
-              </a:ext>
-            </a:extLst>
-          </p:cNvPr>
-          <p:cNvSpPr/>
-          <p:nvPr/>
-        </p:nvSpPr>
-        <p:spPr>
-          <a:xfrm>
-            <a:off x="-1" y="1096772"/>
-            <a:ext cx="263565" cy="5761228"/>
-          </a:xfrm>
-          <a:prstGeom prst="rect">
-            <a:avLst/>
-          </a:prstGeom>
-          <a:solidFill>
-            <a:schemeClr val="bg2"/>
-          </a:solidFill>
-          <a:ln>
-            <a:noFill/>
-          </a:ln>
-        </p:spPr>
-        <p:style>
-          <a:lnRef idx="2">
-            <a:schemeClr val="accent1">
-              <a:shade val="50000"/>
-            </a:schemeClr>
-          </a:lnRef>
-          <a:fillRef idx="1">
-            <a:schemeClr val="accent1"/>
-          </a:fillRef>
-          <a:effectRef idx="0">
-            <a:schemeClr val="accent1"/>
-          </a:effectRef>
-          <a:fontRef idx="minor">
-            <a:schemeClr val="lt1"/>
-          </a:fontRef>
-        </p:style>
-        <p:txBody>
-          <a:bodyPr rtlCol="0" anchor="ctr"/>
-          <a:lstStyle/>
-          <a:p>
-            <a:pPr algn="ctr"/>
-            <a:endParaRPr lang="en-US"/>
-          </a:p>
-        </p:txBody>
-      </p:sp>
-      <p:sp>
-        <p:nvSpPr>
-          <p:cNvPr id="10" name="Cross 9">
-            <a:extLst>
-              <a:ext uri="{FF2B5EF4-FFF2-40B4-BE49-F238E27FC236}">
-                <a16:creationId xmlns:a16="http://schemas.microsoft.com/office/drawing/2014/main" id="{24AF3281-BC22-374D-A461-8B3181F600AA}"/>
-              </a:ext>
-            </a:extLst>
-          </p:cNvPr>
-          <p:cNvSpPr/>
-          <p:nvPr/>
-        </p:nvSpPr>
-        <p:spPr>
-          <a:xfrm>
-            <a:off x="58248" y="5618903"/>
-            <a:ext cx="524933" cy="524933"/>
-          </a:xfrm>
-          <a:prstGeom prst="plus">
-            <a:avLst>
-              <a:gd name="adj" fmla="val 39516"/>
-            </a:avLst>
-          </a:prstGeom>
-          <a:solidFill>
-            <a:schemeClr val="tx1"/>
-          </a:solidFill>
-          <a:ln>
-            <a:noFill/>
-          </a:ln>
-        </p:spPr>
-        <p:style>
-          <a:lnRef idx="2">
-            <a:schemeClr val="accent1">
-              <a:shade val="50000"/>
-            </a:schemeClr>
-          </a:lnRef>
-          <a:fillRef idx="1">
-            <a:schemeClr val="accent1"/>
-          </a:fillRef>
-          <a:effectRef idx="0">
-            <a:schemeClr val="accent1"/>
-          </a:effectRef>
-          <a:fontRef idx="minor">
-            <a:schemeClr val="lt1"/>
-          </a:fontRef>
-        </p:style>
-        <p:txBody>
-          <a:bodyPr rtlCol="0" anchor="ctr"/>
-          <a:lstStyle/>
-          <a:p>
-            <a:pPr algn="ctr"/>
-            <a:endParaRPr lang="en-US"/>
-          </a:p>
-        </p:txBody>
-      </p:sp>
     </p:spTree>
     <p:extLst>
       <p:ext uri="{BB962C8B-B14F-4D97-AF65-F5344CB8AC3E}">
-        <p14:creationId xmlns:p14="http://schemas.microsoft.com/office/powerpoint/2010/main" val="4153874465"/>
+        <p14:creationId xmlns:p14="http://schemas.microsoft.com/office/powerpoint/2010/main" val="889114019"/>
       </p:ext>
     </p:extLst>
   </p:cSld>
@@ -5828,168 +5356,10 @@
       </p:grpSpPr>
       <p:sp>
         <p:nvSpPr>
-          <p:cNvPr id="49" name="Rectangle 48">
-            <a:extLst>
-              <a:ext uri="{FF2B5EF4-FFF2-40B4-BE49-F238E27FC236}">
-                <a16:creationId xmlns:a16="http://schemas.microsoft.com/office/drawing/2014/main" id="{9F291BE0-7A7E-D04F-974F-9F4577FB2F46}"/>
-              </a:ext>
-            </a:extLst>
-          </p:cNvPr>
-          <p:cNvSpPr/>
-          <p:nvPr/>
-        </p:nvSpPr>
-        <p:spPr>
-          <a:xfrm>
-            <a:off x="6163735" y="1096772"/>
-            <a:ext cx="5571066" cy="5761228"/>
-          </a:xfrm>
-          <a:prstGeom prst="rect">
-            <a:avLst/>
-          </a:prstGeom>
-          <a:solidFill>
-            <a:schemeClr val="bg2"/>
-          </a:solidFill>
-          <a:ln>
-            <a:noFill/>
-          </a:ln>
-        </p:spPr>
-        <p:style>
-          <a:lnRef idx="2">
-            <a:schemeClr val="accent1">
-              <a:shade val="50000"/>
-            </a:schemeClr>
-          </a:lnRef>
-          <a:fillRef idx="1">
-            <a:schemeClr val="accent1"/>
-          </a:fillRef>
-          <a:effectRef idx="0">
-            <a:schemeClr val="accent1"/>
-          </a:effectRef>
-          <a:fontRef idx="minor">
-            <a:schemeClr val="lt1"/>
-          </a:fontRef>
-        </p:style>
-        <p:txBody>
-          <a:bodyPr rtlCol="0" anchor="ctr"/>
-          <a:lstStyle/>
-          <a:p>
-            <a:pPr algn="ctr"/>
-            <a:endParaRPr lang="en-US"/>
-          </a:p>
-        </p:txBody>
-      </p:sp>
-      <p:sp>
-        <p:nvSpPr>
-          <p:cNvPr id="50" name="Cross 49">
-            <a:extLst>
-              <a:ext uri="{FF2B5EF4-FFF2-40B4-BE49-F238E27FC236}">
-                <a16:creationId xmlns:a16="http://schemas.microsoft.com/office/drawing/2014/main" id="{BD33FF1F-6094-0B4A-A3E4-6B0D9283DB44}"/>
-              </a:ext>
-            </a:extLst>
-          </p:cNvPr>
-          <p:cNvSpPr/>
-          <p:nvPr/>
-        </p:nvSpPr>
-        <p:spPr>
-          <a:xfrm>
-            <a:off x="11529484" y="5618903"/>
-            <a:ext cx="524933" cy="524933"/>
-          </a:xfrm>
-          <a:prstGeom prst="plus">
-            <a:avLst>
-              <a:gd name="adj" fmla="val 39516"/>
-            </a:avLst>
-          </a:prstGeom>
-          <a:solidFill>
-            <a:schemeClr val="tx1"/>
-          </a:solidFill>
-          <a:ln>
-            <a:noFill/>
-          </a:ln>
-        </p:spPr>
-        <p:style>
-          <a:lnRef idx="2">
-            <a:schemeClr val="accent1">
-              <a:shade val="50000"/>
-            </a:schemeClr>
-          </a:lnRef>
-          <a:fillRef idx="1">
-            <a:schemeClr val="accent1"/>
-          </a:fillRef>
-          <a:effectRef idx="0">
-            <a:schemeClr val="accent1"/>
-          </a:effectRef>
-          <a:fontRef idx="minor">
-            <a:schemeClr val="lt1"/>
-          </a:fontRef>
-        </p:style>
-        <p:txBody>
-          <a:bodyPr rtlCol="0" anchor="ctr"/>
-          <a:lstStyle/>
-          <a:p>
-            <a:pPr algn="ctr"/>
-            <a:endParaRPr lang="en-US"/>
-          </a:p>
-        </p:txBody>
-      </p:sp>
-      <p:sp>
-        <p:nvSpPr>
-          <p:cNvPr id="51" name="Rectangle 50">
-            <a:extLst>
-              <a:ext uri="{FF2B5EF4-FFF2-40B4-BE49-F238E27FC236}">
-                <a16:creationId xmlns:a16="http://schemas.microsoft.com/office/drawing/2014/main" id="{B78A6D9C-C7A5-414B-8CB7-E31470D7D280}"/>
-              </a:ext>
-            </a:extLst>
-          </p:cNvPr>
-          <p:cNvSpPr/>
-          <p:nvPr/>
-        </p:nvSpPr>
-        <p:spPr>
-          <a:xfrm>
-            <a:off x="9881559" y="976630"/>
-            <a:ext cx="1336774" cy="120142"/>
-          </a:xfrm>
-          <a:prstGeom prst="rect">
-            <a:avLst/>
-          </a:prstGeom>
-          <a:solidFill>
-            <a:schemeClr val="tx1"/>
-          </a:solidFill>
-          <a:ln>
-            <a:noFill/>
-          </a:ln>
-        </p:spPr>
-        <p:style>
-          <a:lnRef idx="2">
-            <a:schemeClr val="accent1">
-              <a:shade val="50000"/>
-            </a:schemeClr>
-          </a:lnRef>
-          <a:fillRef idx="1">
-            <a:schemeClr val="accent1"/>
-          </a:fillRef>
-          <a:effectRef idx="0">
-            <a:schemeClr val="accent1"/>
-          </a:effectRef>
-          <a:fontRef idx="minor">
-            <a:schemeClr val="lt1"/>
-          </a:fontRef>
-        </p:style>
-        <p:txBody>
-          <a:bodyPr rtlCol="0" anchor="ctr"/>
-          <a:lstStyle/>
-          <a:p>
-            <a:pPr algn="ctr"/>
-            <a:endParaRPr lang="en-US"/>
-          </a:p>
-        </p:txBody>
-      </p:sp>
-      <p:sp>
-        <p:nvSpPr>
           <p:cNvPr id="2" name="Title 1">
             <a:extLst>
               <a:ext uri="{FF2B5EF4-FFF2-40B4-BE49-F238E27FC236}">
-                <a16:creationId xmlns:a16="http://schemas.microsoft.com/office/drawing/2014/main" id="{B21D850E-6310-C04D-8CAC-B7FA9F332D2A}"/>
+                <a16:creationId xmlns:a16="http://schemas.microsoft.com/office/drawing/2014/main" id="{E7734D6F-9BF2-DCF6-FEBA-7A279866CC6C}"/>
               </a:ext>
             </a:extLst>
           </p:cNvPr>
@@ -6006,9 +5376,10 @@
           <a:lstStyle/>
           <a:p>
             <a:r>
-              <a:rPr lang="en-US"/>
+              <a:rPr lang="en-GB"/>
               <a:t>Click to edit Master title style</a:t>
             </a:r>
+            <a:endParaRPr lang="en-US"/>
           </a:p>
         </p:txBody>
       </p:sp>
@@ -6017,7 +5388,7 @@
           <p:cNvPr id="3" name="Content Placeholder 2">
             <a:extLst>
               <a:ext uri="{FF2B5EF4-FFF2-40B4-BE49-F238E27FC236}">
-                <a16:creationId xmlns:a16="http://schemas.microsoft.com/office/drawing/2014/main" id="{1E5B7FB3-5DFC-6547-9567-C0ABE874C653}"/>
+                <a16:creationId xmlns:a16="http://schemas.microsoft.com/office/drawing/2014/main" id="{06047626-2BB1-7E05-DA03-4934D8947A6B}"/>
               </a:ext>
             </a:extLst>
           </p:cNvPr>
@@ -6035,37 +5406,38 @@
           <a:p>
             <a:pPr lvl="0"/>
             <a:r>
-              <a:rPr lang="en-US"/>
+              <a:rPr lang="en-GB"/>
               <a:t>Click to edit Master text styles</a:t>
             </a:r>
           </a:p>
           <a:p>
             <a:pPr lvl="1"/>
             <a:r>
-              <a:rPr lang="en-US"/>
+              <a:rPr lang="en-GB"/>
               <a:t>Second level</a:t>
             </a:r>
           </a:p>
           <a:p>
             <a:pPr lvl="2"/>
             <a:r>
-              <a:rPr lang="en-US"/>
+              <a:rPr lang="en-GB"/>
               <a:t>Third level</a:t>
             </a:r>
           </a:p>
           <a:p>
             <a:pPr lvl="3"/>
             <a:r>
-              <a:rPr lang="en-US"/>
+              <a:rPr lang="en-GB"/>
               <a:t>Fourth level</a:t>
             </a:r>
           </a:p>
           <a:p>
             <a:pPr lvl="4"/>
             <a:r>
-              <a:rPr lang="en-US"/>
+              <a:rPr lang="en-GB"/>
               <a:t>Fifth level</a:t>
             </a:r>
+            <a:endParaRPr lang="en-US"/>
           </a:p>
         </p:txBody>
       </p:sp>
@@ -6074,7 +5446,7 @@
           <p:cNvPr id="4" name="Date Placeholder 3">
             <a:extLst>
               <a:ext uri="{FF2B5EF4-FFF2-40B4-BE49-F238E27FC236}">
-                <a16:creationId xmlns:a16="http://schemas.microsoft.com/office/drawing/2014/main" id="{4727D2DB-A7B1-204E-8416-E938952BCC83}"/>
+                <a16:creationId xmlns:a16="http://schemas.microsoft.com/office/drawing/2014/main" id="{FECBE08A-301E-8252-5394-07018241068D}"/>
               </a:ext>
             </a:extLst>
           </p:cNvPr>
@@ -6092,7 +5464,7 @@
           <a:p>
             <a:fld id="{73C3BD54-29B9-3D42-B178-776ED395AA85}" type="datetimeFigureOut">
               <a:rPr lang="en-US" smtClean="0"/>
-              <a:t>9/16/23</a:t>
+              <a:t>1/16/2025</a:t>
             </a:fld>
             <a:endParaRPr lang="en-US"/>
           </a:p>
@@ -6103,7 +5475,7 @@
           <p:cNvPr id="5" name="Footer Placeholder 4">
             <a:extLst>
               <a:ext uri="{FF2B5EF4-FFF2-40B4-BE49-F238E27FC236}">
-                <a16:creationId xmlns:a16="http://schemas.microsoft.com/office/drawing/2014/main" id="{FD324BA1-E2D0-1E4B-9DB3-664FE27337B7}"/>
+                <a16:creationId xmlns:a16="http://schemas.microsoft.com/office/drawing/2014/main" id="{CA919D27-F6FF-7839-D3DC-1E63DAFB5F68}"/>
               </a:ext>
             </a:extLst>
           </p:cNvPr>
@@ -6128,7 +5500,7 @@
           <p:cNvPr id="6" name="Slide Number Placeholder 5">
             <a:extLst>
               <a:ext uri="{FF2B5EF4-FFF2-40B4-BE49-F238E27FC236}">
-                <a16:creationId xmlns:a16="http://schemas.microsoft.com/office/drawing/2014/main" id="{73AE64B2-36E4-5A4E-A78A-A629829A334F}"/>
+                <a16:creationId xmlns:a16="http://schemas.microsoft.com/office/drawing/2014/main" id="{767111C8-E07D-847E-DD9F-20BE0168D1CB}"/>
               </a:ext>
             </a:extLst>
           </p:cNvPr>
@@ -6155,7 +5527,7 @@
     </p:spTree>
     <p:extLst>
       <p:ext uri="{BB962C8B-B14F-4D97-AF65-F5344CB8AC3E}">
-        <p14:creationId xmlns:p14="http://schemas.microsoft.com/office/powerpoint/2010/main" val="69808194"/>
+        <p14:creationId xmlns:p14="http://schemas.microsoft.com/office/powerpoint/2010/main" val="798781400"/>
       </p:ext>
     </p:extLst>
   </p:cSld>
@@ -6184,168 +5556,10 @@
       </p:grpSpPr>
       <p:sp>
         <p:nvSpPr>
-          <p:cNvPr id="49" name="Rectangle 48">
-            <a:extLst>
-              <a:ext uri="{FF2B5EF4-FFF2-40B4-BE49-F238E27FC236}">
-                <a16:creationId xmlns:a16="http://schemas.microsoft.com/office/drawing/2014/main" id="{C97F6C6D-13AE-FD40-841C-4AB96460C390}"/>
-              </a:ext>
-            </a:extLst>
-          </p:cNvPr>
-          <p:cNvSpPr/>
-          <p:nvPr/>
-        </p:nvSpPr>
-        <p:spPr>
-          <a:xfrm>
-            <a:off x="4291015" y="1096772"/>
-            <a:ext cx="7436404" cy="5761228"/>
-          </a:xfrm>
-          <a:prstGeom prst="rect">
-            <a:avLst/>
-          </a:prstGeom>
-          <a:solidFill>
-            <a:schemeClr val="bg2"/>
-          </a:solidFill>
-          <a:ln>
-            <a:noFill/>
-          </a:ln>
-        </p:spPr>
-        <p:style>
-          <a:lnRef idx="2">
-            <a:schemeClr val="accent1">
-              <a:shade val="50000"/>
-            </a:schemeClr>
-          </a:lnRef>
-          <a:fillRef idx="1">
-            <a:schemeClr val="accent1"/>
-          </a:fillRef>
-          <a:effectRef idx="0">
-            <a:schemeClr val="accent1"/>
-          </a:effectRef>
-          <a:fontRef idx="minor">
-            <a:schemeClr val="lt1"/>
-          </a:fontRef>
-        </p:style>
-        <p:txBody>
-          <a:bodyPr rtlCol="0" anchor="ctr"/>
-          <a:lstStyle/>
-          <a:p>
-            <a:pPr algn="ctr"/>
-            <a:endParaRPr lang="en-US"/>
-          </a:p>
-        </p:txBody>
-      </p:sp>
-      <p:sp>
-        <p:nvSpPr>
-          <p:cNvPr id="50" name="Cross 49">
-            <a:extLst>
-              <a:ext uri="{FF2B5EF4-FFF2-40B4-BE49-F238E27FC236}">
-                <a16:creationId xmlns:a16="http://schemas.microsoft.com/office/drawing/2014/main" id="{24E27617-2112-2342-9FF1-39F2A241CCCC}"/>
-              </a:ext>
-            </a:extLst>
-          </p:cNvPr>
-          <p:cNvSpPr/>
-          <p:nvPr/>
-        </p:nvSpPr>
-        <p:spPr>
-          <a:xfrm>
-            <a:off x="4086371" y="5624450"/>
-            <a:ext cx="524933" cy="524933"/>
-          </a:xfrm>
-          <a:prstGeom prst="plus">
-            <a:avLst>
-              <a:gd name="adj" fmla="val 39516"/>
-            </a:avLst>
-          </a:prstGeom>
-          <a:solidFill>
-            <a:schemeClr val="tx1"/>
-          </a:solidFill>
-          <a:ln>
-            <a:noFill/>
-          </a:ln>
-        </p:spPr>
-        <p:style>
-          <a:lnRef idx="2">
-            <a:schemeClr val="accent1">
-              <a:shade val="50000"/>
-            </a:schemeClr>
-          </a:lnRef>
-          <a:fillRef idx="1">
-            <a:schemeClr val="accent1"/>
-          </a:fillRef>
-          <a:effectRef idx="0">
-            <a:schemeClr val="accent1"/>
-          </a:effectRef>
-          <a:fontRef idx="minor">
-            <a:schemeClr val="lt1"/>
-          </a:fontRef>
-        </p:style>
-        <p:txBody>
-          <a:bodyPr rtlCol="0" anchor="ctr"/>
-          <a:lstStyle/>
-          <a:p>
-            <a:pPr algn="ctr"/>
-            <a:endParaRPr lang="en-US"/>
-          </a:p>
-        </p:txBody>
-      </p:sp>
-      <p:sp>
-        <p:nvSpPr>
-          <p:cNvPr id="51" name="Rectangle 50">
-            <a:extLst>
-              <a:ext uri="{FF2B5EF4-FFF2-40B4-BE49-F238E27FC236}">
-                <a16:creationId xmlns:a16="http://schemas.microsoft.com/office/drawing/2014/main" id="{C33CE582-7AFE-D048-B5BC-212A12A28F25}"/>
-              </a:ext>
-            </a:extLst>
-          </p:cNvPr>
-          <p:cNvSpPr/>
-          <p:nvPr/>
-        </p:nvSpPr>
-        <p:spPr>
-          <a:xfrm>
-            <a:off x="9881559" y="976630"/>
-            <a:ext cx="1336774" cy="120142"/>
-          </a:xfrm>
-          <a:prstGeom prst="rect">
-            <a:avLst/>
-          </a:prstGeom>
-          <a:solidFill>
-            <a:schemeClr val="tx1"/>
-          </a:solidFill>
-          <a:ln>
-            <a:noFill/>
-          </a:ln>
-        </p:spPr>
-        <p:style>
-          <a:lnRef idx="2">
-            <a:schemeClr val="accent1">
-              <a:shade val="50000"/>
-            </a:schemeClr>
-          </a:lnRef>
-          <a:fillRef idx="1">
-            <a:schemeClr val="accent1"/>
-          </a:fillRef>
-          <a:effectRef idx="0">
-            <a:schemeClr val="accent1"/>
-          </a:effectRef>
-          <a:fontRef idx="minor">
-            <a:schemeClr val="lt1"/>
-          </a:fontRef>
-        </p:style>
-        <p:txBody>
-          <a:bodyPr rtlCol="0" anchor="ctr"/>
-          <a:lstStyle/>
-          <a:p>
-            <a:pPr algn="ctr"/>
-            <a:endParaRPr lang="en-US"/>
-          </a:p>
-        </p:txBody>
-      </p:sp>
-      <p:sp>
-        <p:nvSpPr>
           <p:cNvPr id="2" name="Title 1">
             <a:extLst>
               <a:ext uri="{FF2B5EF4-FFF2-40B4-BE49-F238E27FC236}">
-                <a16:creationId xmlns:a16="http://schemas.microsoft.com/office/drawing/2014/main" id="{BD9EAEF4-E84F-CF40-B27B-01E1D2AFC96D}"/>
+                <a16:creationId xmlns:a16="http://schemas.microsoft.com/office/drawing/2014/main" id="{E0329A4F-9AEA-ECB6-23EE-08E0D691B5E3}"/>
               </a:ext>
             </a:extLst>
           </p:cNvPr>
@@ -6358,22 +5572,23 @@
         </p:nvSpPr>
         <p:spPr>
           <a:xfrm>
-            <a:off x="565150" y="1881951"/>
-            <a:ext cx="7335836" cy="1987707"/>
+            <a:off x="831850" y="1709738"/>
+            <a:ext cx="10515600" cy="2852737"/>
           </a:xfrm>
         </p:spPr>
         <p:txBody>
           <a:bodyPr anchor="b"/>
           <a:lstStyle>
             <a:lvl1pPr>
-              <a:defRPr sz="6000" spc="-150"/>
+              <a:defRPr sz="6000"/>
             </a:lvl1pPr>
           </a:lstStyle>
           <a:p>
             <a:r>
-              <a:rPr lang="en-US" dirty="0"/>
+              <a:rPr lang="en-GB"/>
               <a:t>Click to edit Master title style</a:t>
             </a:r>
+            <a:endParaRPr lang="en-US"/>
           </a:p>
         </p:txBody>
       </p:sp>
@@ -6382,7 +5597,7 @@
           <p:cNvPr id="3" name="Text Placeholder 2">
             <a:extLst>
               <a:ext uri="{FF2B5EF4-FFF2-40B4-BE49-F238E27FC236}">
-                <a16:creationId xmlns:a16="http://schemas.microsoft.com/office/drawing/2014/main" id="{5287B7E1-CC48-2441-975D-F1A5412B8A49}"/>
+                <a16:creationId xmlns:a16="http://schemas.microsoft.com/office/drawing/2014/main" id="{16450F77-4F91-0D37-4905-09B3716358CF}"/>
               </a:ext>
             </a:extLst>
           </p:cNvPr>
@@ -6395,8 +5610,8 @@
         </p:nvSpPr>
         <p:spPr>
           <a:xfrm>
-            <a:off x="565149" y="3869661"/>
-            <a:ext cx="7335836" cy="948465"/>
+            <a:off x="831850" y="4589463"/>
+            <a:ext cx="10515600" cy="1500187"/>
           </a:xfrm>
         </p:spPr>
         <p:txBody>
@@ -6406,7 +5621,9 @@
               <a:buNone/>
               <a:defRPr sz="2400">
                 <a:solidFill>
-                  <a:schemeClr val="tx1"/>
+                  <a:schemeClr val="tx1">
+                    <a:tint val="82000"/>
+                  </a:schemeClr>
                 </a:solidFill>
               </a:defRPr>
             </a:lvl1pPr>
@@ -6415,7 +5632,7 @@
               <a:defRPr sz="2000">
                 <a:solidFill>
                   <a:schemeClr val="tx1">
-                    <a:tint val="75000"/>
+                    <a:tint val="82000"/>
                   </a:schemeClr>
                 </a:solidFill>
               </a:defRPr>
@@ -6425,7 +5642,7 @@
               <a:defRPr sz="1800">
                 <a:solidFill>
                   <a:schemeClr val="tx1">
-                    <a:tint val="75000"/>
+                    <a:tint val="82000"/>
                   </a:schemeClr>
                 </a:solidFill>
               </a:defRPr>
@@ -6435,7 +5652,7 @@
               <a:defRPr sz="1600">
                 <a:solidFill>
                   <a:schemeClr val="tx1">
-                    <a:tint val="75000"/>
+                    <a:tint val="82000"/>
                   </a:schemeClr>
                 </a:solidFill>
               </a:defRPr>
@@ -6445,7 +5662,7 @@
               <a:defRPr sz="1600">
                 <a:solidFill>
                   <a:schemeClr val="tx1">
-                    <a:tint val="75000"/>
+                    <a:tint val="82000"/>
                   </a:schemeClr>
                 </a:solidFill>
               </a:defRPr>
@@ -6455,7 +5672,7 @@
               <a:defRPr sz="1600">
                 <a:solidFill>
                   <a:schemeClr val="tx1">
-                    <a:tint val="75000"/>
+                    <a:tint val="82000"/>
                   </a:schemeClr>
                 </a:solidFill>
               </a:defRPr>
@@ -6465,7 +5682,7 @@
               <a:defRPr sz="1600">
                 <a:solidFill>
                   <a:schemeClr val="tx1">
-                    <a:tint val="75000"/>
+                    <a:tint val="82000"/>
                   </a:schemeClr>
                 </a:solidFill>
               </a:defRPr>
@@ -6475,7 +5692,7 @@
               <a:defRPr sz="1600">
                 <a:solidFill>
                   <a:schemeClr val="tx1">
-                    <a:tint val="75000"/>
+                    <a:tint val="82000"/>
                   </a:schemeClr>
                 </a:solidFill>
               </a:defRPr>
@@ -6485,7 +5702,7 @@
               <a:defRPr sz="1600">
                 <a:solidFill>
                   <a:schemeClr val="tx1">
-                    <a:tint val="75000"/>
+                    <a:tint val="82000"/>
                   </a:schemeClr>
                 </a:solidFill>
               </a:defRPr>
@@ -6494,7 +5711,7 @@
           <a:p>
             <a:pPr lvl="0"/>
             <a:r>
-              <a:rPr lang="en-US"/>
+              <a:rPr lang="en-GB"/>
               <a:t>Click to edit Master text styles</a:t>
             </a:r>
           </a:p>
@@ -6505,7 +5722,7 @@
           <p:cNvPr id="4" name="Date Placeholder 3">
             <a:extLst>
               <a:ext uri="{FF2B5EF4-FFF2-40B4-BE49-F238E27FC236}">
-                <a16:creationId xmlns:a16="http://schemas.microsoft.com/office/drawing/2014/main" id="{74526218-1FCF-7A4D-B138-D1B1DE91A4B7}"/>
+                <a16:creationId xmlns:a16="http://schemas.microsoft.com/office/drawing/2014/main" id="{8D23F882-1820-727E-ECDC-C9B78E82DF61}"/>
               </a:ext>
             </a:extLst>
           </p:cNvPr>
@@ -6523,7 +5740,7 @@
           <a:p>
             <a:fld id="{73C3BD54-29B9-3D42-B178-776ED395AA85}" type="datetimeFigureOut">
               <a:rPr lang="en-US" smtClean="0"/>
-              <a:t>9/16/23</a:t>
+              <a:t>1/16/2025</a:t>
             </a:fld>
             <a:endParaRPr lang="en-US"/>
           </a:p>
@@ -6534,7 +5751,7 @@
           <p:cNvPr id="5" name="Footer Placeholder 4">
             <a:extLst>
               <a:ext uri="{FF2B5EF4-FFF2-40B4-BE49-F238E27FC236}">
-                <a16:creationId xmlns:a16="http://schemas.microsoft.com/office/drawing/2014/main" id="{50984204-038C-FD4B-8E1C-0A9967BF2251}"/>
+                <a16:creationId xmlns:a16="http://schemas.microsoft.com/office/drawing/2014/main" id="{5F9F80D5-5576-507A-60DB-3621E0F8FDD9}"/>
               </a:ext>
             </a:extLst>
           </p:cNvPr>
@@ -6559,7 +5776,7 @@
           <p:cNvPr id="6" name="Slide Number Placeholder 5">
             <a:extLst>
               <a:ext uri="{FF2B5EF4-FFF2-40B4-BE49-F238E27FC236}">
-                <a16:creationId xmlns:a16="http://schemas.microsoft.com/office/drawing/2014/main" id="{E5359AB9-E1C6-C841-B423-FD2BB13C333F}"/>
+                <a16:creationId xmlns:a16="http://schemas.microsoft.com/office/drawing/2014/main" id="{D8B4F664-FBE0-89D8-3423-A2FA3F15D25E}"/>
               </a:ext>
             </a:extLst>
           </p:cNvPr>
@@ -6586,7 +5803,7 @@
     </p:spTree>
     <p:extLst>
       <p:ext uri="{BB962C8B-B14F-4D97-AF65-F5344CB8AC3E}">
-        <p14:creationId xmlns:p14="http://schemas.microsoft.com/office/powerpoint/2010/main" val="4079168070"/>
+        <p14:creationId xmlns:p14="http://schemas.microsoft.com/office/powerpoint/2010/main" val="2467030539"/>
       </p:ext>
     </p:extLst>
   </p:cSld>
@@ -6618,7 +5835,7 @@
           <p:cNvPr id="2" name="Title 1">
             <a:extLst>
               <a:ext uri="{FF2B5EF4-FFF2-40B4-BE49-F238E27FC236}">
-                <a16:creationId xmlns:a16="http://schemas.microsoft.com/office/drawing/2014/main" id="{55AB057A-C120-5E4E-BB74-223EB6D005DD}"/>
+                <a16:creationId xmlns:a16="http://schemas.microsoft.com/office/drawing/2014/main" id="{362C7C26-F3CB-32B0-3145-23820DFDBDF5}"/>
               </a:ext>
             </a:extLst>
           </p:cNvPr>
@@ -6635,9 +5852,10 @@
           <a:lstStyle/>
           <a:p>
             <a:r>
-              <a:rPr lang="en-US"/>
+              <a:rPr lang="en-GB"/>
               <a:t>Click to edit Master title style</a:t>
             </a:r>
+            <a:endParaRPr lang="en-US"/>
           </a:p>
         </p:txBody>
       </p:sp>
@@ -6646,7 +5864,7 @@
           <p:cNvPr id="3" name="Content Placeholder 2">
             <a:extLst>
               <a:ext uri="{FF2B5EF4-FFF2-40B4-BE49-F238E27FC236}">
-                <a16:creationId xmlns:a16="http://schemas.microsoft.com/office/drawing/2014/main" id="{7F9EB7BE-6258-C84C-8242-9865D1361C9E}"/>
+                <a16:creationId xmlns:a16="http://schemas.microsoft.com/office/drawing/2014/main" id="{76648272-2184-3962-0A16-76152C0FCD08}"/>
               </a:ext>
             </a:extLst>
           </p:cNvPr>
@@ -6659,8 +5877,8 @@
         </p:nvSpPr>
         <p:spPr>
           <a:xfrm>
-            <a:off x="565111" y="2691637"/>
-            <a:ext cx="4946643" cy="3189733"/>
+            <a:off x="838200" y="1825625"/>
+            <a:ext cx="5181600" cy="4351338"/>
           </a:xfrm>
         </p:spPr>
         <p:txBody>
@@ -6669,37 +5887,38 @@
           <a:p>
             <a:pPr lvl="0"/>
             <a:r>
-              <a:rPr lang="en-US"/>
+              <a:rPr lang="en-GB"/>
               <a:t>Click to edit Master text styles</a:t>
             </a:r>
           </a:p>
           <a:p>
             <a:pPr lvl="1"/>
             <a:r>
-              <a:rPr lang="en-US"/>
+              <a:rPr lang="en-GB"/>
               <a:t>Second level</a:t>
             </a:r>
           </a:p>
           <a:p>
             <a:pPr lvl="2"/>
             <a:r>
-              <a:rPr lang="en-US"/>
+              <a:rPr lang="en-GB"/>
               <a:t>Third level</a:t>
             </a:r>
           </a:p>
           <a:p>
             <a:pPr lvl="3"/>
             <a:r>
-              <a:rPr lang="en-US"/>
+              <a:rPr lang="en-GB"/>
               <a:t>Fourth level</a:t>
             </a:r>
           </a:p>
           <a:p>
             <a:pPr lvl="4"/>
             <a:r>
-              <a:rPr lang="en-US"/>
+              <a:rPr lang="en-GB"/>
               <a:t>Fifth level</a:t>
             </a:r>
+            <a:endParaRPr lang="en-US"/>
           </a:p>
         </p:txBody>
       </p:sp>
@@ -6708,7 +5927,7 @@
           <p:cNvPr id="4" name="Content Placeholder 3">
             <a:extLst>
               <a:ext uri="{FF2B5EF4-FFF2-40B4-BE49-F238E27FC236}">
-                <a16:creationId xmlns:a16="http://schemas.microsoft.com/office/drawing/2014/main" id="{373D23CD-80DB-5740-AE68-76414CA31A26}"/>
+                <a16:creationId xmlns:a16="http://schemas.microsoft.com/office/drawing/2014/main" id="{73B02DA0-E203-2AE5-0DD3-2B630F4CA81E}"/>
               </a:ext>
             </a:extLst>
           </p:cNvPr>
@@ -6721,8 +5940,8 @@
         </p:nvSpPr>
         <p:spPr>
           <a:xfrm>
-            <a:off x="6076903" y="2691637"/>
-            <a:ext cx="4946639" cy="3189733"/>
+            <a:off x="6172200" y="1825625"/>
+            <a:ext cx="5181600" cy="4351338"/>
           </a:xfrm>
         </p:spPr>
         <p:txBody>
@@ -6731,37 +5950,38 @@
           <a:p>
             <a:pPr lvl="0"/>
             <a:r>
-              <a:rPr lang="en-US"/>
+              <a:rPr lang="en-GB"/>
               <a:t>Click to edit Master text styles</a:t>
             </a:r>
           </a:p>
           <a:p>
             <a:pPr lvl="1"/>
             <a:r>
-              <a:rPr lang="en-US"/>
+              <a:rPr lang="en-GB"/>
               <a:t>Second level</a:t>
             </a:r>
           </a:p>
           <a:p>
             <a:pPr lvl="2"/>
             <a:r>
-              <a:rPr lang="en-US"/>
+              <a:rPr lang="en-GB"/>
               <a:t>Third level</a:t>
             </a:r>
           </a:p>
           <a:p>
             <a:pPr lvl="3"/>
             <a:r>
-              <a:rPr lang="en-US"/>
+              <a:rPr lang="en-GB"/>
               <a:t>Fourth level</a:t>
             </a:r>
           </a:p>
           <a:p>
             <a:pPr lvl="4"/>
             <a:r>
-              <a:rPr lang="en-US"/>
+              <a:rPr lang="en-GB"/>
               <a:t>Fifth level</a:t>
             </a:r>
+            <a:endParaRPr lang="en-US"/>
           </a:p>
         </p:txBody>
       </p:sp>
@@ -6770,7 +5990,7 @@
           <p:cNvPr id="5" name="Date Placeholder 4">
             <a:extLst>
               <a:ext uri="{FF2B5EF4-FFF2-40B4-BE49-F238E27FC236}">
-                <a16:creationId xmlns:a16="http://schemas.microsoft.com/office/drawing/2014/main" id="{03FE0921-9102-1440-B315-778888723C9D}"/>
+                <a16:creationId xmlns:a16="http://schemas.microsoft.com/office/drawing/2014/main" id="{DF26A930-89AE-5D6A-789E-3268674F62D2}"/>
               </a:ext>
             </a:extLst>
           </p:cNvPr>
@@ -6788,7 +6008,7 @@
           <a:p>
             <a:fld id="{73C3BD54-29B9-3D42-B178-776ED395AA85}" type="datetimeFigureOut">
               <a:rPr lang="en-US" smtClean="0"/>
-              <a:t>9/16/23</a:t>
+              <a:t>1/16/2025</a:t>
             </a:fld>
             <a:endParaRPr lang="en-US"/>
           </a:p>
@@ -6799,7 +6019,7 @@
           <p:cNvPr id="6" name="Footer Placeholder 5">
             <a:extLst>
               <a:ext uri="{FF2B5EF4-FFF2-40B4-BE49-F238E27FC236}">
-                <a16:creationId xmlns:a16="http://schemas.microsoft.com/office/drawing/2014/main" id="{24D7802F-1937-2F43-8FF4-846135D6FC42}"/>
+                <a16:creationId xmlns:a16="http://schemas.microsoft.com/office/drawing/2014/main" id="{A7A68F44-3C2C-E052-1246-4088A64DA364}"/>
               </a:ext>
             </a:extLst>
           </p:cNvPr>
@@ -6824,7 +6044,7 @@
           <p:cNvPr id="7" name="Slide Number Placeholder 6">
             <a:extLst>
               <a:ext uri="{FF2B5EF4-FFF2-40B4-BE49-F238E27FC236}">
-                <a16:creationId xmlns:a16="http://schemas.microsoft.com/office/drawing/2014/main" id="{70609C72-E794-4F4F-8E09-D4883EED7237}"/>
+                <a16:creationId xmlns:a16="http://schemas.microsoft.com/office/drawing/2014/main" id="{4B83DA4D-0E93-DAF8-B41F-13FAD7C7F606}"/>
               </a:ext>
             </a:extLst>
           </p:cNvPr>
@@ -6848,172 +6068,10 @@
           </a:p>
         </p:txBody>
       </p:sp>
-      <p:sp>
-        <p:nvSpPr>
-          <p:cNvPr id="50" name="Rectangle 49">
-            <a:extLst>
-              <a:ext uri="{FF2B5EF4-FFF2-40B4-BE49-F238E27FC236}">
-                <a16:creationId xmlns:a16="http://schemas.microsoft.com/office/drawing/2014/main" id="{FFEFA3E2-0F30-664C-AAE4-DE6526B5C716}"/>
-              </a:ext>
-            </a:extLst>
-          </p:cNvPr>
-          <p:cNvSpPr/>
-          <p:nvPr/>
-        </p:nvSpPr>
-        <p:spPr>
-          <a:xfrm>
-            <a:off x="11738231" y="1096772"/>
-            <a:ext cx="453769" cy="5761228"/>
-          </a:xfrm>
-          <a:prstGeom prst="rect">
-            <a:avLst/>
-          </a:prstGeom>
-          <a:solidFill>
-            <a:schemeClr val="bg2"/>
-          </a:solidFill>
-          <a:ln>
-            <a:noFill/>
-          </a:ln>
-        </p:spPr>
-        <p:style>
-          <a:lnRef idx="2">
-            <a:schemeClr val="accent1">
-              <a:shade val="50000"/>
-            </a:schemeClr>
-          </a:lnRef>
-          <a:fillRef idx="1">
-            <a:schemeClr val="accent1"/>
-          </a:fillRef>
-          <a:effectRef idx="0">
-            <a:schemeClr val="accent1"/>
-          </a:effectRef>
-          <a:fontRef idx="minor">
-            <a:schemeClr val="lt1"/>
-          </a:fontRef>
-        </p:style>
-        <p:txBody>
-          <a:bodyPr rtlCol="0" anchor="ctr"/>
-          <a:lstStyle/>
-          <a:p>
-            <a:pPr algn="ctr"/>
-            <a:endParaRPr lang="en-US">
-              <a:solidFill>
-                <a:schemeClr val="bg2"/>
-              </a:solidFill>
-            </a:endParaRPr>
-          </a:p>
-        </p:txBody>
-      </p:sp>
-      <p:sp>
-        <p:nvSpPr>
-          <p:cNvPr id="55" name="Rectangle 54">
-            <a:extLst>
-              <a:ext uri="{FF2B5EF4-FFF2-40B4-BE49-F238E27FC236}">
-                <a16:creationId xmlns:a16="http://schemas.microsoft.com/office/drawing/2014/main" id="{0C3D7AFF-BC7E-BA41-9C64-B5F9619C0EA1}"/>
-              </a:ext>
-            </a:extLst>
-          </p:cNvPr>
-          <p:cNvSpPr/>
-          <p:nvPr/>
-        </p:nvSpPr>
-        <p:spPr>
-          <a:xfrm>
-            <a:off x="9881559" y="976630"/>
-            <a:ext cx="1336774" cy="120142"/>
-          </a:xfrm>
-          <a:prstGeom prst="rect">
-            <a:avLst/>
-          </a:prstGeom>
-          <a:solidFill>
-            <a:schemeClr val="tx1"/>
-          </a:solidFill>
-          <a:ln>
-            <a:noFill/>
-          </a:ln>
-        </p:spPr>
-        <p:style>
-          <a:lnRef idx="2">
-            <a:schemeClr val="accent1">
-              <a:shade val="50000"/>
-            </a:schemeClr>
-          </a:lnRef>
-          <a:fillRef idx="1">
-            <a:schemeClr val="accent1"/>
-          </a:fillRef>
-          <a:effectRef idx="0">
-            <a:schemeClr val="accent1"/>
-          </a:effectRef>
-          <a:fontRef idx="minor">
-            <a:schemeClr val="lt1"/>
-          </a:fontRef>
-        </p:style>
-        <p:txBody>
-          <a:bodyPr rtlCol="0" anchor="ctr"/>
-          <a:lstStyle/>
-          <a:p>
-            <a:pPr algn="ctr"/>
-            <a:endParaRPr lang="en-US"/>
-          </a:p>
-        </p:txBody>
-      </p:sp>
-      <p:sp>
-        <p:nvSpPr>
-          <p:cNvPr id="11" name="Cross 10">
-            <a:extLst>
-              <a:ext uri="{FF2B5EF4-FFF2-40B4-BE49-F238E27FC236}">
-                <a16:creationId xmlns:a16="http://schemas.microsoft.com/office/drawing/2014/main" id="{671D2311-E9B8-F041-A7B8-D5696903F22A}"/>
-              </a:ext>
-            </a:extLst>
-          </p:cNvPr>
-          <p:cNvSpPr/>
-          <p:nvPr/>
-        </p:nvSpPr>
-        <p:spPr>
-          <a:xfrm>
-            <a:off x="11531286" y="5618903"/>
-            <a:ext cx="524933" cy="524933"/>
-          </a:xfrm>
-          <a:prstGeom prst="plus">
-            <a:avLst>
-              <a:gd name="adj" fmla="val 39516"/>
-            </a:avLst>
-          </a:prstGeom>
-          <a:solidFill>
-            <a:schemeClr val="tx1"/>
-          </a:solidFill>
-          <a:ln>
-            <a:noFill/>
-          </a:ln>
-        </p:spPr>
-        <p:style>
-          <a:lnRef idx="2">
-            <a:schemeClr val="accent1">
-              <a:shade val="50000"/>
-            </a:schemeClr>
-          </a:lnRef>
-          <a:fillRef idx="1">
-            <a:schemeClr val="accent1"/>
-          </a:fillRef>
-          <a:effectRef idx="0">
-            <a:schemeClr val="accent1"/>
-          </a:effectRef>
-          <a:fontRef idx="minor">
-            <a:schemeClr val="lt1"/>
-          </a:fontRef>
-        </p:style>
-        <p:txBody>
-          <a:bodyPr rtlCol="0" anchor="ctr"/>
-          <a:lstStyle/>
-          <a:p>
-            <a:pPr algn="ctr"/>
-            <a:endParaRPr lang="en-US"/>
-          </a:p>
-        </p:txBody>
-      </p:sp>
     </p:spTree>
     <p:extLst>
       <p:ext uri="{BB962C8B-B14F-4D97-AF65-F5344CB8AC3E}">
-        <p14:creationId xmlns:p14="http://schemas.microsoft.com/office/powerpoint/2010/main" val="3356210794"/>
+        <p14:creationId xmlns:p14="http://schemas.microsoft.com/office/powerpoint/2010/main" val="2146140962"/>
       </p:ext>
     </p:extLst>
   </p:cSld>
@@ -7045,7 +6103,7 @@
           <p:cNvPr id="2" name="Title 1">
             <a:extLst>
               <a:ext uri="{FF2B5EF4-FFF2-40B4-BE49-F238E27FC236}">
-                <a16:creationId xmlns:a16="http://schemas.microsoft.com/office/drawing/2014/main" id="{9B09CA91-F119-0244-888A-95539A84DD6F}"/>
+                <a16:creationId xmlns:a16="http://schemas.microsoft.com/office/drawing/2014/main" id="{2F89C2BF-B9B9-0E58-94E4-97C50DBB9643}"/>
               </a:ext>
             </a:extLst>
           </p:cNvPr>
@@ -7058,8 +6116,8 @@
         </p:nvSpPr>
         <p:spPr>
           <a:xfrm>
-            <a:off x="565110" y="1204721"/>
-            <a:ext cx="8266175" cy="1444752"/>
+            <a:off x="839788" y="365125"/>
+            <a:ext cx="10515600" cy="1325563"/>
           </a:xfrm>
         </p:spPr>
         <p:txBody>
@@ -7067,9 +6125,10 @@
           <a:lstStyle/>
           <a:p>
             <a:r>
-              <a:rPr lang="en-US"/>
+              <a:rPr lang="en-GB"/>
               <a:t>Click to edit Master title style</a:t>
             </a:r>
+            <a:endParaRPr lang="en-US"/>
           </a:p>
         </p:txBody>
       </p:sp>
@@ -7078,7 +6137,7 @@
           <p:cNvPr id="3" name="Text Placeholder 2">
             <a:extLst>
               <a:ext uri="{FF2B5EF4-FFF2-40B4-BE49-F238E27FC236}">
-                <a16:creationId xmlns:a16="http://schemas.microsoft.com/office/drawing/2014/main" id="{B08A3EAC-4422-D548-8D7F-E9944566FBA9}"/>
+                <a16:creationId xmlns:a16="http://schemas.microsoft.com/office/drawing/2014/main" id="{D1E56875-2E27-3AE2-FDD4-9A5A2AEF51D7}"/>
               </a:ext>
             </a:extLst>
           </p:cNvPr>
@@ -7091,8 +6150,8 @@
         </p:nvSpPr>
         <p:spPr>
           <a:xfrm>
-            <a:off x="565111" y="2691638"/>
-            <a:ext cx="4946644" cy="823912"/>
+            <a:off x="839788" y="1681163"/>
+            <a:ext cx="5157787" cy="823912"/>
           </a:xfrm>
         </p:spPr>
         <p:txBody>
@@ -7100,7 +6159,7 @@
           <a:lstStyle>
             <a:lvl1pPr marL="0" indent="0">
               <a:buNone/>
-              <a:defRPr sz="2800" b="1"/>
+              <a:defRPr sz="2400" b="1"/>
             </a:lvl1pPr>
             <a:lvl2pPr marL="457200" indent="0">
               <a:buNone/>
@@ -7138,7 +6197,7 @@
           <a:p>
             <a:pPr lvl="0"/>
             <a:r>
-              <a:rPr lang="en-US" dirty="0"/>
+              <a:rPr lang="en-GB"/>
               <a:t>Click to edit Master text styles</a:t>
             </a:r>
           </a:p>
@@ -7149,7 +6208,7 @@
           <p:cNvPr id="4" name="Content Placeholder 3">
             <a:extLst>
               <a:ext uri="{FF2B5EF4-FFF2-40B4-BE49-F238E27FC236}">
-                <a16:creationId xmlns:a16="http://schemas.microsoft.com/office/drawing/2014/main" id="{49140CA2-88A9-CC42-A375-8B87E47CC5F9}"/>
+                <a16:creationId xmlns:a16="http://schemas.microsoft.com/office/drawing/2014/main" id="{E0045788-8486-073C-4C78-EB41211EEB7B}"/>
               </a:ext>
             </a:extLst>
           </p:cNvPr>
@@ -7162,8 +6221,8 @@
         </p:nvSpPr>
         <p:spPr>
           <a:xfrm>
-            <a:off x="565111" y="3515550"/>
-            <a:ext cx="4946644" cy="2366296"/>
+            <a:off x="839788" y="2505075"/>
+            <a:ext cx="5157787" cy="3684588"/>
           </a:xfrm>
         </p:spPr>
         <p:txBody>
@@ -7172,37 +6231,38 @@
           <a:p>
             <a:pPr lvl="0"/>
             <a:r>
-              <a:rPr lang="en-US"/>
+              <a:rPr lang="en-GB"/>
               <a:t>Click to edit Master text styles</a:t>
             </a:r>
           </a:p>
           <a:p>
             <a:pPr lvl="1"/>
             <a:r>
-              <a:rPr lang="en-US"/>
+              <a:rPr lang="en-GB"/>
               <a:t>Second level</a:t>
             </a:r>
           </a:p>
           <a:p>
             <a:pPr lvl="2"/>
             <a:r>
-              <a:rPr lang="en-US"/>
+              <a:rPr lang="en-GB"/>
               <a:t>Third level</a:t>
             </a:r>
           </a:p>
           <a:p>
             <a:pPr lvl="3"/>
             <a:r>
-              <a:rPr lang="en-US"/>
+              <a:rPr lang="en-GB"/>
               <a:t>Fourth level</a:t>
             </a:r>
           </a:p>
           <a:p>
             <a:pPr lvl="4"/>
             <a:r>
-              <a:rPr lang="en-US"/>
+              <a:rPr lang="en-GB"/>
               <a:t>Fifth level</a:t>
             </a:r>
+            <a:endParaRPr lang="en-US"/>
           </a:p>
         </p:txBody>
       </p:sp>
@@ -7211,7 +6271,7 @@
           <p:cNvPr id="5" name="Text Placeholder 4">
             <a:extLst>
               <a:ext uri="{FF2B5EF4-FFF2-40B4-BE49-F238E27FC236}">
-                <a16:creationId xmlns:a16="http://schemas.microsoft.com/office/drawing/2014/main" id="{B05F960C-714E-2E4A-8141-A88F38274E48}"/>
+                <a16:creationId xmlns:a16="http://schemas.microsoft.com/office/drawing/2014/main" id="{CAAD3FBE-2683-A183-FF54-90F23F80D799}"/>
               </a:ext>
             </a:extLst>
           </p:cNvPr>
@@ -7224,8 +6284,8 @@
         </p:nvSpPr>
         <p:spPr>
           <a:xfrm>
-            <a:off x="6076866" y="2691162"/>
-            <a:ext cx="4946644" cy="823912"/>
+            <a:off x="6172200" y="1681163"/>
+            <a:ext cx="5183188" cy="823912"/>
           </a:xfrm>
         </p:spPr>
         <p:txBody>
@@ -7233,7 +6293,7 @@
           <a:lstStyle>
             <a:lvl1pPr marL="0" indent="0">
               <a:buNone/>
-              <a:defRPr sz="2800" b="1"/>
+              <a:defRPr sz="2400" b="1"/>
             </a:lvl1pPr>
             <a:lvl2pPr marL="457200" indent="0">
               <a:buNone/>
@@ -7271,7 +6331,7 @@
           <a:p>
             <a:pPr lvl="0"/>
             <a:r>
-              <a:rPr lang="en-US"/>
+              <a:rPr lang="en-GB"/>
               <a:t>Click to edit Master text styles</a:t>
             </a:r>
           </a:p>
@@ -7282,7 +6342,7 @@
           <p:cNvPr id="6" name="Content Placeholder 5">
             <a:extLst>
               <a:ext uri="{FF2B5EF4-FFF2-40B4-BE49-F238E27FC236}">
-                <a16:creationId xmlns:a16="http://schemas.microsoft.com/office/drawing/2014/main" id="{8697BC24-C907-EC4B-872D-17429A657716}"/>
+                <a16:creationId xmlns:a16="http://schemas.microsoft.com/office/drawing/2014/main" id="{6A408432-AA84-E49C-F21A-FEB85E2503E0}"/>
               </a:ext>
             </a:extLst>
           </p:cNvPr>
@@ -7295,8 +6355,8 @@
         </p:nvSpPr>
         <p:spPr>
           <a:xfrm>
-            <a:off x="6076866" y="3515074"/>
-            <a:ext cx="4946644" cy="2366296"/>
+            <a:off x="6172200" y="2505075"/>
+            <a:ext cx="5183188" cy="3684588"/>
           </a:xfrm>
         </p:spPr>
         <p:txBody>
@@ -7305,37 +6365,38 @@
           <a:p>
             <a:pPr lvl="0"/>
             <a:r>
-              <a:rPr lang="en-US"/>
+              <a:rPr lang="en-GB"/>
               <a:t>Click to edit Master text styles</a:t>
             </a:r>
           </a:p>
           <a:p>
             <a:pPr lvl="1"/>
             <a:r>
-              <a:rPr lang="en-US"/>
+              <a:rPr lang="en-GB"/>
               <a:t>Second level</a:t>
             </a:r>
           </a:p>
           <a:p>
             <a:pPr lvl="2"/>
             <a:r>
-              <a:rPr lang="en-US"/>
+              <a:rPr lang="en-GB"/>
               <a:t>Third level</a:t>
             </a:r>
           </a:p>
           <a:p>
             <a:pPr lvl="3"/>
             <a:r>
-              <a:rPr lang="en-US"/>
+              <a:rPr lang="en-GB"/>
               <a:t>Fourth level</a:t>
             </a:r>
           </a:p>
           <a:p>
             <a:pPr lvl="4"/>
             <a:r>
-              <a:rPr lang="en-US"/>
+              <a:rPr lang="en-GB"/>
               <a:t>Fifth level</a:t>
             </a:r>
+            <a:endParaRPr lang="en-US"/>
           </a:p>
         </p:txBody>
       </p:sp>
@@ -7344,7 +6405,7 @@
           <p:cNvPr id="7" name="Date Placeholder 6">
             <a:extLst>
               <a:ext uri="{FF2B5EF4-FFF2-40B4-BE49-F238E27FC236}">
-                <a16:creationId xmlns:a16="http://schemas.microsoft.com/office/drawing/2014/main" id="{36E2A045-4283-3C47-B125-68CF3B19FB08}"/>
+                <a16:creationId xmlns:a16="http://schemas.microsoft.com/office/drawing/2014/main" id="{0DE285B0-E9F8-FA68-9173-3271A61C1216}"/>
               </a:ext>
             </a:extLst>
           </p:cNvPr>
@@ -7362,7 +6423,7 @@
           <a:p>
             <a:fld id="{73C3BD54-29B9-3D42-B178-776ED395AA85}" type="datetimeFigureOut">
               <a:rPr lang="en-US" smtClean="0"/>
-              <a:t>9/16/23</a:t>
+              <a:t>1/16/2025</a:t>
             </a:fld>
             <a:endParaRPr lang="en-US"/>
           </a:p>
@@ -7373,7 +6434,7 @@
           <p:cNvPr id="8" name="Footer Placeholder 7">
             <a:extLst>
               <a:ext uri="{FF2B5EF4-FFF2-40B4-BE49-F238E27FC236}">
-                <a16:creationId xmlns:a16="http://schemas.microsoft.com/office/drawing/2014/main" id="{7EBC25BC-2C98-574D-BCCD-E36CAB07F2F5}"/>
+                <a16:creationId xmlns:a16="http://schemas.microsoft.com/office/drawing/2014/main" id="{CE3ACB3E-3E1C-11E7-D11D-8B46DC7B017B}"/>
               </a:ext>
             </a:extLst>
           </p:cNvPr>
@@ -7398,7 +6459,7 @@
           <p:cNvPr id="9" name="Slide Number Placeholder 8">
             <a:extLst>
               <a:ext uri="{FF2B5EF4-FFF2-40B4-BE49-F238E27FC236}">
-                <a16:creationId xmlns:a16="http://schemas.microsoft.com/office/drawing/2014/main" id="{BCA5C95A-7789-E042-8471-D442D9BB545F}"/>
+                <a16:creationId xmlns:a16="http://schemas.microsoft.com/office/drawing/2014/main" id="{345F7386-0E11-75C8-D2BD-824F6B4677EB}"/>
               </a:ext>
             </a:extLst>
           </p:cNvPr>
@@ -7422,172 +6483,10 @@
           </a:p>
         </p:txBody>
       </p:sp>
-      <p:sp>
-        <p:nvSpPr>
-          <p:cNvPr id="52" name="Rectangle 51">
-            <a:extLst>
-              <a:ext uri="{FF2B5EF4-FFF2-40B4-BE49-F238E27FC236}">
-                <a16:creationId xmlns:a16="http://schemas.microsoft.com/office/drawing/2014/main" id="{3DF1BA5B-EDD8-B648-8A3E-E2B3570B1EA0}"/>
-              </a:ext>
-            </a:extLst>
-          </p:cNvPr>
-          <p:cNvSpPr/>
-          <p:nvPr/>
-        </p:nvSpPr>
-        <p:spPr>
-          <a:xfrm>
-            <a:off x="11738231" y="1096772"/>
-            <a:ext cx="453769" cy="5761228"/>
-          </a:xfrm>
-          <a:prstGeom prst="rect">
-            <a:avLst/>
-          </a:prstGeom>
-          <a:solidFill>
-            <a:schemeClr val="bg2"/>
-          </a:solidFill>
-          <a:ln>
-            <a:noFill/>
-          </a:ln>
-        </p:spPr>
-        <p:style>
-          <a:lnRef idx="2">
-            <a:schemeClr val="accent1">
-              <a:shade val="50000"/>
-            </a:schemeClr>
-          </a:lnRef>
-          <a:fillRef idx="1">
-            <a:schemeClr val="accent1"/>
-          </a:fillRef>
-          <a:effectRef idx="0">
-            <a:schemeClr val="accent1"/>
-          </a:effectRef>
-          <a:fontRef idx="minor">
-            <a:schemeClr val="lt1"/>
-          </a:fontRef>
-        </p:style>
-        <p:txBody>
-          <a:bodyPr rtlCol="0" anchor="ctr"/>
-          <a:lstStyle/>
-          <a:p>
-            <a:pPr algn="ctr"/>
-            <a:endParaRPr lang="en-US">
-              <a:solidFill>
-                <a:schemeClr val="bg2"/>
-              </a:solidFill>
-            </a:endParaRPr>
-          </a:p>
-        </p:txBody>
-      </p:sp>
-      <p:sp>
-        <p:nvSpPr>
-          <p:cNvPr id="57" name="Rectangle 56">
-            <a:extLst>
-              <a:ext uri="{FF2B5EF4-FFF2-40B4-BE49-F238E27FC236}">
-                <a16:creationId xmlns:a16="http://schemas.microsoft.com/office/drawing/2014/main" id="{D7476360-629C-DE48-85B7-F4BE6CC457DB}"/>
-              </a:ext>
-            </a:extLst>
-          </p:cNvPr>
-          <p:cNvSpPr/>
-          <p:nvPr/>
-        </p:nvSpPr>
-        <p:spPr>
-          <a:xfrm>
-            <a:off x="9881559" y="976630"/>
-            <a:ext cx="1336774" cy="120142"/>
-          </a:xfrm>
-          <a:prstGeom prst="rect">
-            <a:avLst/>
-          </a:prstGeom>
-          <a:solidFill>
-            <a:schemeClr val="tx1"/>
-          </a:solidFill>
-          <a:ln>
-            <a:noFill/>
-          </a:ln>
-        </p:spPr>
-        <p:style>
-          <a:lnRef idx="2">
-            <a:schemeClr val="accent1">
-              <a:shade val="50000"/>
-            </a:schemeClr>
-          </a:lnRef>
-          <a:fillRef idx="1">
-            <a:schemeClr val="accent1"/>
-          </a:fillRef>
-          <a:effectRef idx="0">
-            <a:schemeClr val="accent1"/>
-          </a:effectRef>
-          <a:fontRef idx="minor">
-            <a:schemeClr val="lt1"/>
-          </a:fontRef>
-        </p:style>
-        <p:txBody>
-          <a:bodyPr rtlCol="0" anchor="ctr"/>
-          <a:lstStyle/>
-          <a:p>
-            <a:pPr algn="ctr"/>
-            <a:endParaRPr lang="en-US"/>
-          </a:p>
-        </p:txBody>
-      </p:sp>
-      <p:sp>
-        <p:nvSpPr>
-          <p:cNvPr id="14" name="Cross 13">
-            <a:extLst>
-              <a:ext uri="{FF2B5EF4-FFF2-40B4-BE49-F238E27FC236}">
-                <a16:creationId xmlns:a16="http://schemas.microsoft.com/office/drawing/2014/main" id="{C5F6C588-FC1B-3147-AFA1-CD7D76C5AEAC}"/>
-              </a:ext>
-            </a:extLst>
-          </p:cNvPr>
-          <p:cNvSpPr/>
-          <p:nvPr/>
-        </p:nvSpPr>
-        <p:spPr>
-          <a:xfrm>
-            <a:off x="11531286" y="5618903"/>
-            <a:ext cx="524933" cy="524933"/>
-          </a:xfrm>
-          <a:prstGeom prst="plus">
-            <a:avLst>
-              <a:gd name="adj" fmla="val 39516"/>
-            </a:avLst>
-          </a:prstGeom>
-          <a:solidFill>
-            <a:schemeClr val="tx1"/>
-          </a:solidFill>
-          <a:ln>
-            <a:noFill/>
-          </a:ln>
-        </p:spPr>
-        <p:style>
-          <a:lnRef idx="2">
-            <a:schemeClr val="accent1">
-              <a:shade val="50000"/>
-            </a:schemeClr>
-          </a:lnRef>
-          <a:fillRef idx="1">
-            <a:schemeClr val="accent1"/>
-          </a:fillRef>
-          <a:effectRef idx="0">
-            <a:schemeClr val="accent1"/>
-          </a:effectRef>
-          <a:fontRef idx="minor">
-            <a:schemeClr val="lt1"/>
-          </a:fontRef>
-        </p:style>
-        <p:txBody>
-          <a:bodyPr rtlCol="0" anchor="ctr"/>
-          <a:lstStyle/>
-          <a:p>
-            <a:pPr algn="ctr"/>
-            <a:endParaRPr lang="en-US"/>
-          </a:p>
-        </p:txBody>
-      </p:sp>
     </p:spTree>
     <p:extLst>
       <p:ext uri="{BB962C8B-B14F-4D97-AF65-F5344CB8AC3E}">
-        <p14:creationId xmlns:p14="http://schemas.microsoft.com/office/powerpoint/2010/main" val="1392800431"/>
+        <p14:creationId xmlns:p14="http://schemas.microsoft.com/office/powerpoint/2010/main" val="1199189776"/>
       </p:ext>
     </p:extLst>
   </p:cSld>
@@ -7619,7 +6518,7 @@
           <p:cNvPr id="2" name="Title 1">
             <a:extLst>
               <a:ext uri="{FF2B5EF4-FFF2-40B4-BE49-F238E27FC236}">
-                <a16:creationId xmlns:a16="http://schemas.microsoft.com/office/drawing/2014/main" id="{38915401-5318-7045-8AE3-B1A99F2D8220}"/>
+                <a16:creationId xmlns:a16="http://schemas.microsoft.com/office/drawing/2014/main" id="{74781C42-7FC4-DDFD-A573-E1429A3CAD1D}"/>
               </a:ext>
             </a:extLst>
           </p:cNvPr>
@@ -7636,9 +6535,10 @@
           <a:lstStyle/>
           <a:p>
             <a:r>
-              <a:rPr lang="en-US"/>
+              <a:rPr lang="en-GB"/>
               <a:t>Click to edit Master title style</a:t>
             </a:r>
+            <a:endParaRPr lang="en-US"/>
           </a:p>
         </p:txBody>
       </p:sp>
@@ -7647,7 +6547,7 @@
           <p:cNvPr id="3" name="Date Placeholder 2">
             <a:extLst>
               <a:ext uri="{FF2B5EF4-FFF2-40B4-BE49-F238E27FC236}">
-                <a16:creationId xmlns:a16="http://schemas.microsoft.com/office/drawing/2014/main" id="{26E2F55F-EB76-AE49-B554-12B65B636A90}"/>
+                <a16:creationId xmlns:a16="http://schemas.microsoft.com/office/drawing/2014/main" id="{421E0081-6CD1-2F72-55BA-EEFD02F8ACC3}"/>
               </a:ext>
             </a:extLst>
           </p:cNvPr>
@@ -7665,7 +6565,7 @@
           <a:p>
             <a:fld id="{73C3BD54-29B9-3D42-B178-776ED395AA85}" type="datetimeFigureOut">
               <a:rPr lang="en-US" smtClean="0"/>
-              <a:t>9/16/23</a:t>
+              <a:t>1/16/2025</a:t>
             </a:fld>
             <a:endParaRPr lang="en-US"/>
           </a:p>
@@ -7676,7 +6576,7 @@
           <p:cNvPr id="4" name="Footer Placeholder 3">
             <a:extLst>
               <a:ext uri="{FF2B5EF4-FFF2-40B4-BE49-F238E27FC236}">
-                <a16:creationId xmlns:a16="http://schemas.microsoft.com/office/drawing/2014/main" id="{86CB6E6E-D81E-C44A-AC54-CBE0134C108F}"/>
+                <a16:creationId xmlns:a16="http://schemas.microsoft.com/office/drawing/2014/main" id="{397EE844-D803-7EBC-D58A-013D20308D2C}"/>
               </a:ext>
             </a:extLst>
           </p:cNvPr>
@@ -7701,7 +6601,7 @@
           <p:cNvPr id="5" name="Slide Number Placeholder 4">
             <a:extLst>
               <a:ext uri="{FF2B5EF4-FFF2-40B4-BE49-F238E27FC236}">
-                <a16:creationId xmlns:a16="http://schemas.microsoft.com/office/drawing/2014/main" id="{92E025B9-9F46-3049-9977-0119B96D393C}"/>
+                <a16:creationId xmlns:a16="http://schemas.microsoft.com/office/drawing/2014/main" id="{DC1FEB76-9E29-FCCB-39B6-3E7AA8F4F2F7}"/>
               </a:ext>
             </a:extLst>
           </p:cNvPr>
@@ -7725,172 +6625,10 @@
           </a:p>
         </p:txBody>
       </p:sp>
-      <p:sp>
-        <p:nvSpPr>
-          <p:cNvPr id="48" name="Rectangle 47">
-            <a:extLst>
-              <a:ext uri="{FF2B5EF4-FFF2-40B4-BE49-F238E27FC236}">
-                <a16:creationId xmlns:a16="http://schemas.microsoft.com/office/drawing/2014/main" id="{65760068-EADA-2B4B-9819-CF981184FAEB}"/>
-              </a:ext>
-            </a:extLst>
-          </p:cNvPr>
-          <p:cNvSpPr/>
-          <p:nvPr/>
-        </p:nvSpPr>
-        <p:spPr>
-          <a:xfrm>
-            <a:off x="9881559" y="976630"/>
-            <a:ext cx="1336774" cy="120142"/>
-          </a:xfrm>
-          <a:prstGeom prst="rect">
-            <a:avLst/>
-          </a:prstGeom>
-          <a:solidFill>
-            <a:schemeClr val="tx1"/>
-          </a:solidFill>
-          <a:ln>
-            <a:noFill/>
-          </a:ln>
-        </p:spPr>
-        <p:style>
-          <a:lnRef idx="2">
-            <a:schemeClr val="accent1">
-              <a:shade val="50000"/>
-            </a:schemeClr>
-          </a:lnRef>
-          <a:fillRef idx="1">
-            <a:schemeClr val="accent1"/>
-          </a:fillRef>
-          <a:effectRef idx="0">
-            <a:schemeClr val="accent1"/>
-          </a:effectRef>
-          <a:fontRef idx="minor">
-            <a:schemeClr val="lt1"/>
-          </a:fontRef>
-        </p:style>
-        <p:txBody>
-          <a:bodyPr rtlCol="0" anchor="ctr"/>
-          <a:lstStyle/>
-          <a:p>
-            <a:pPr algn="ctr"/>
-            <a:endParaRPr lang="en-US"/>
-          </a:p>
-        </p:txBody>
-      </p:sp>
-      <p:sp>
-        <p:nvSpPr>
-          <p:cNvPr id="51" name="Rectangle 50">
-            <a:extLst>
-              <a:ext uri="{FF2B5EF4-FFF2-40B4-BE49-F238E27FC236}">
-                <a16:creationId xmlns:a16="http://schemas.microsoft.com/office/drawing/2014/main" id="{81DA7622-137E-184A-A93C-8DBB10318AE6}"/>
-              </a:ext>
-            </a:extLst>
-          </p:cNvPr>
-          <p:cNvSpPr/>
-          <p:nvPr/>
-        </p:nvSpPr>
-        <p:spPr>
-          <a:xfrm>
-            <a:off x="11738231" y="1096772"/>
-            <a:ext cx="453769" cy="5761228"/>
-          </a:xfrm>
-          <a:prstGeom prst="rect">
-            <a:avLst/>
-          </a:prstGeom>
-          <a:solidFill>
-            <a:schemeClr val="bg2"/>
-          </a:solidFill>
-          <a:ln>
-            <a:noFill/>
-          </a:ln>
-        </p:spPr>
-        <p:style>
-          <a:lnRef idx="2">
-            <a:schemeClr val="accent1">
-              <a:shade val="50000"/>
-            </a:schemeClr>
-          </a:lnRef>
-          <a:fillRef idx="1">
-            <a:schemeClr val="accent1"/>
-          </a:fillRef>
-          <a:effectRef idx="0">
-            <a:schemeClr val="accent1"/>
-          </a:effectRef>
-          <a:fontRef idx="minor">
-            <a:schemeClr val="lt1"/>
-          </a:fontRef>
-        </p:style>
-        <p:txBody>
-          <a:bodyPr rtlCol="0" anchor="ctr"/>
-          <a:lstStyle/>
-          <a:p>
-            <a:pPr algn="ctr"/>
-            <a:endParaRPr lang="en-US">
-              <a:solidFill>
-                <a:schemeClr val="bg2"/>
-              </a:solidFill>
-            </a:endParaRPr>
-          </a:p>
-        </p:txBody>
-      </p:sp>
-      <p:sp>
-        <p:nvSpPr>
-          <p:cNvPr id="9" name="Cross 8">
-            <a:extLst>
-              <a:ext uri="{FF2B5EF4-FFF2-40B4-BE49-F238E27FC236}">
-                <a16:creationId xmlns:a16="http://schemas.microsoft.com/office/drawing/2014/main" id="{54FB0990-6F8D-B048-8309-19B0D1A41033}"/>
-              </a:ext>
-            </a:extLst>
-          </p:cNvPr>
-          <p:cNvSpPr/>
-          <p:nvPr/>
-        </p:nvSpPr>
-        <p:spPr>
-          <a:xfrm>
-            <a:off x="11531286" y="5618903"/>
-            <a:ext cx="524933" cy="524933"/>
-          </a:xfrm>
-          <a:prstGeom prst="plus">
-            <a:avLst>
-              <a:gd name="adj" fmla="val 39516"/>
-            </a:avLst>
-          </a:prstGeom>
-          <a:solidFill>
-            <a:schemeClr val="tx1"/>
-          </a:solidFill>
-          <a:ln>
-            <a:noFill/>
-          </a:ln>
-        </p:spPr>
-        <p:style>
-          <a:lnRef idx="2">
-            <a:schemeClr val="accent1">
-              <a:shade val="50000"/>
-            </a:schemeClr>
-          </a:lnRef>
-          <a:fillRef idx="1">
-            <a:schemeClr val="accent1"/>
-          </a:fillRef>
-          <a:effectRef idx="0">
-            <a:schemeClr val="accent1"/>
-          </a:effectRef>
-          <a:fontRef idx="minor">
-            <a:schemeClr val="lt1"/>
-          </a:fontRef>
-        </p:style>
-        <p:txBody>
-          <a:bodyPr rtlCol="0" anchor="ctr"/>
-          <a:lstStyle/>
-          <a:p>
-            <a:pPr algn="ctr"/>
-            <a:endParaRPr lang="en-US"/>
-          </a:p>
-        </p:txBody>
-      </p:sp>
     </p:spTree>
     <p:extLst>
       <p:ext uri="{BB962C8B-B14F-4D97-AF65-F5344CB8AC3E}">
-        <p14:creationId xmlns:p14="http://schemas.microsoft.com/office/powerpoint/2010/main" val="4033769798"/>
+        <p14:creationId xmlns:p14="http://schemas.microsoft.com/office/powerpoint/2010/main" val="2056160355"/>
       </p:ext>
     </p:extLst>
   </p:cSld>
@@ -7922,7 +6660,7 @@
           <p:cNvPr id="2" name="Date Placeholder 1">
             <a:extLst>
               <a:ext uri="{FF2B5EF4-FFF2-40B4-BE49-F238E27FC236}">
-                <a16:creationId xmlns:a16="http://schemas.microsoft.com/office/drawing/2014/main" id="{5BAF81DD-2B1F-3444-8023-DD52318FE9F6}"/>
+                <a16:creationId xmlns:a16="http://schemas.microsoft.com/office/drawing/2014/main" id="{F52AF9BE-B7FD-4C92-4307-152419E6CC86}"/>
               </a:ext>
             </a:extLst>
           </p:cNvPr>
@@ -7940,7 +6678,7 @@
           <a:p>
             <a:fld id="{73C3BD54-29B9-3D42-B178-776ED395AA85}" type="datetimeFigureOut">
               <a:rPr lang="en-US" smtClean="0"/>
-              <a:t>9/16/23</a:t>
+              <a:t>1/16/2025</a:t>
             </a:fld>
             <a:endParaRPr lang="en-US"/>
           </a:p>
@@ -7951,7 +6689,7 @@
           <p:cNvPr id="3" name="Footer Placeholder 2">
             <a:extLst>
               <a:ext uri="{FF2B5EF4-FFF2-40B4-BE49-F238E27FC236}">
-                <a16:creationId xmlns:a16="http://schemas.microsoft.com/office/drawing/2014/main" id="{36927EE3-DAA3-D948-B8FD-48417540B525}"/>
+                <a16:creationId xmlns:a16="http://schemas.microsoft.com/office/drawing/2014/main" id="{38D9298F-5E8A-EDD6-9CD7-3417B4651CD6}"/>
               </a:ext>
             </a:extLst>
           </p:cNvPr>
@@ -7976,7 +6714,7 @@
           <p:cNvPr id="4" name="Slide Number Placeholder 3">
             <a:extLst>
               <a:ext uri="{FF2B5EF4-FFF2-40B4-BE49-F238E27FC236}">
-                <a16:creationId xmlns:a16="http://schemas.microsoft.com/office/drawing/2014/main" id="{BC4532D4-FFBF-6C47-A6C9-D55196D91B87}"/>
+                <a16:creationId xmlns:a16="http://schemas.microsoft.com/office/drawing/2014/main" id="{3133E15E-9B72-F4AC-2459-FA299B62741B}"/>
               </a:ext>
             </a:extLst>
           </p:cNvPr>
@@ -8000,168 +6738,10 @@
           </a:p>
         </p:txBody>
       </p:sp>
-      <p:sp>
-        <p:nvSpPr>
-          <p:cNvPr id="47" name="Rectangle 46">
-            <a:extLst>
-              <a:ext uri="{FF2B5EF4-FFF2-40B4-BE49-F238E27FC236}">
-                <a16:creationId xmlns:a16="http://schemas.microsoft.com/office/drawing/2014/main" id="{DB8D5541-7726-BA46-8BFA-BF6AA8D42BD7}"/>
-              </a:ext>
-            </a:extLst>
-          </p:cNvPr>
-          <p:cNvSpPr/>
-          <p:nvPr/>
-        </p:nvSpPr>
-        <p:spPr>
-          <a:xfrm>
-            <a:off x="-1" y="1096772"/>
-            <a:ext cx="263565" cy="5761228"/>
-          </a:xfrm>
-          <a:prstGeom prst="rect">
-            <a:avLst/>
-          </a:prstGeom>
-          <a:solidFill>
-            <a:schemeClr val="bg2"/>
-          </a:solidFill>
-          <a:ln>
-            <a:noFill/>
-          </a:ln>
-        </p:spPr>
-        <p:style>
-          <a:lnRef idx="2">
-            <a:schemeClr val="accent1">
-              <a:shade val="50000"/>
-            </a:schemeClr>
-          </a:lnRef>
-          <a:fillRef idx="1">
-            <a:schemeClr val="accent1"/>
-          </a:fillRef>
-          <a:effectRef idx="0">
-            <a:schemeClr val="accent1"/>
-          </a:effectRef>
-          <a:fontRef idx="minor">
-            <a:schemeClr val="lt1"/>
-          </a:fontRef>
-        </p:style>
-        <p:txBody>
-          <a:bodyPr rtlCol="0" anchor="ctr"/>
-          <a:lstStyle/>
-          <a:p>
-            <a:pPr algn="ctr"/>
-            <a:endParaRPr lang="en-US"/>
-          </a:p>
-        </p:txBody>
-      </p:sp>
-      <p:sp>
-        <p:nvSpPr>
-          <p:cNvPr id="48" name="Cross 47">
-            <a:extLst>
-              <a:ext uri="{FF2B5EF4-FFF2-40B4-BE49-F238E27FC236}">
-                <a16:creationId xmlns:a16="http://schemas.microsoft.com/office/drawing/2014/main" id="{97F434CF-7503-CE4F-8426-C312C6315AD0}"/>
-              </a:ext>
-            </a:extLst>
-          </p:cNvPr>
-          <p:cNvSpPr/>
-          <p:nvPr/>
-        </p:nvSpPr>
-        <p:spPr>
-          <a:xfrm>
-            <a:off x="58248" y="5618903"/>
-            <a:ext cx="524933" cy="524933"/>
-          </a:xfrm>
-          <a:prstGeom prst="plus">
-            <a:avLst>
-              <a:gd name="adj" fmla="val 39516"/>
-            </a:avLst>
-          </a:prstGeom>
-          <a:solidFill>
-            <a:schemeClr val="tx1"/>
-          </a:solidFill>
-          <a:ln>
-            <a:noFill/>
-          </a:ln>
-        </p:spPr>
-        <p:style>
-          <a:lnRef idx="2">
-            <a:schemeClr val="accent1">
-              <a:shade val="50000"/>
-            </a:schemeClr>
-          </a:lnRef>
-          <a:fillRef idx="1">
-            <a:schemeClr val="accent1"/>
-          </a:fillRef>
-          <a:effectRef idx="0">
-            <a:schemeClr val="accent1"/>
-          </a:effectRef>
-          <a:fontRef idx="minor">
-            <a:schemeClr val="lt1"/>
-          </a:fontRef>
-        </p:style>
-        <p:txBody>
-          <a:bodyPr rtlCol="0" anchor="ctr"/>
-          <a:lstStyle/>
-          <a:p>
-            <a:pPr algn="ctr"/>
-            <a:endParaRPr lang="en-US"/>
-          </a:p>
-        </p:txBody>
-      </p:sp>
-      <p:sp>
-        <p:nvSpPr>
-          <p:cNvPr id="49" name="Rectangle 48">
-            <a:extLst>
-              <a:ext uri="{FF2B5EF4-FFF2-40B4-BE49-F238E27FC236}">
-                <a16:creationId xmlns:a16="http://schemas.microsoft.com/office/drawing/2014/main" id="{FEDBFB2F-FE34-E349-9484-C275FBE31614}"/>
-              </a:ext>
-            </a:extLst>
-          </p:cNvPr>
-          <p:cNvSpPr/>
-          <p:nvPr/>
-        </p:nvSpPr>
-        <p:spPr>
-          <a:xfrm>
-            <a:off x="9881559" y="976630"/>
-            <a:ext cx="1336774" cy="120142"/>
-          </a:xfrm>
-          <a:prstGeom prst="rect">
-            <a:avLst/>
-          </a:prstGeom>
-          <a:solidFill>
-            <a:schemeClr val="tx1"/>
-          </a:solidFill>
-          <a:ln>
-            <a:noFill/>
-          </a:ln>
-        </p:spPr>
-        <p:style>
-          <a:lnRef idx="2">
-            <a:schemeClr val="accent1">
-              <a:shade val="50000"/>
-            </a:schemeClr>
-          </a:lnRef>
-          <a:fillRef idx="1">
-            <a:schemeClr val="accent1"/>
-          </a:fillRef>
-          <a:effectRef idx="0">
-            <a:schemeClr val="accent1"/>
-          </a:effectRef>
-          <a:fontRef idx="minor">
-            <a:schemeClr val="lt1"/>
-          </a:fontRef>
-        </p:style>
-        <p:txBody>
-          <a:bodyPr rtlCol="0" anchor="ctr"/>
-          <a:lstStyle/>
-          <a:p>
-            <a:pPr algn="ctr"/>
-            <a:endParaRPr lang="en-US"/>
-          </a:p>
-        </p:txBody>
-      </p:sp>
     </p:spTree>
     <p:extLst>
       <p:ext uri="{BB962C8B-B14F-4D97-AF65-F5344CB8AC3E}">
-        <p14:creationId xmlns:p14="http://schemas.microsoft.com/office/powerpoint/2010/main" val="1098451184"/>
+        <p14:creationId xmlns:p14="http://schemas.microsoft.com/office/powerpoint/2010/main" val="995669983"/>
       </p:ext>
     </p:extLst>
   </p:cSld>
@@ -8193,7 +6773,7 @@
           <p:cNvPr id="2" name="Title 1">
             <a:extLst>
               <a:ext uri="{FF2B5EF4-FFF2-40B4-BE49-F238E27FC236}">
-                <a16:creationId xmlns:a16="http://schemas.microsoft.com/office/drawing/2014/main" id="{3692DCFD-BEE6-AC49-BABD-D8B89C3B69D0}"/>
+                <a16:creationId xmlns:a16="http://schemas.microsoft.com/office/drawing/2014/main" id="{0B5540ED-8F24-96E6-E368-60103DB6468A}"/>
               </a:ext>
             </a:extLst>
           </p:cNvPr>
@@ -8206,14 +6786,12 @@
         </p:nvSpPr>
         <p:spPr>
           <a:xfrm>
-            <a:off x="565149" y="1203800"/>
-            <a:ext cx="4114800" cy="1077218"/>
+            <a:off x="839788" y="457200"/>
+            <a:ext cx="3932237" cy="1600200"/>
           </a:xfrm>
         </p:spPr>
         <p:txBody>
-          <a:bodyPr anchor="b">
-            <a:normAutofit/>
-          </a:bodyPr>
+          <a:bodyPr anchor="b"/>
           <a:lstStyle>
             <a:lvl1pPr>
               <a:defRPr sz="3200"/>
@@ -8221,9 +6799,10 @@
           </a:lstStyle>
           <a:p>
             <a:r>
-              <a:rPr lang="en-US" dirty="0"/>
+              <a:rPr lang="en-GB"/>
               <a:t>Click to edit Master title style</a:t>
             </a:r>
+            <a:endParaRPr lang="en-US"/>
           </a:p>
         </p:txBody>
       </p:sp>
@@ -8232,7 +6811,7 @@
           <p:cNvPr id="3" name="Content Placeholder 2">
             <a:extLst>
               <a:ext uri="{FF2B5EF4-FFF2-40B4-BE49-F238E27FC236}">
-                <a16:creationId xmlns:a16="http://schemas.microsoft.com/office/drawing/2014/main" id="{431DE035-8260-4443-B1D9-A9C8D584039E}"/>
+                <a16:creationId xmlns:a16="http://schemas.microsoft.com/office/drawing/2014/main" id="{B40137F6-E2AF-8C9E-2118-3A02FE16BA1B}"/>
               </a:ext>
             </a:extLst>
           </p:cNvPr>
@@ -8245,27 +6824,27 @@
         </p:nvSpPr>
         <p:spPr>
           <a:xfrm>
-            <a:off x="5611813" y="1508252"/>
-            <a:ext cx="5606518" cy="4045881"/>
+            <a:off x="5183188" y="987425"/>
+            <a:ext cx="6172200" cy="4873625"/>
           </a:xfrm>
         </p:spPr>
         <p:txBody>
           <a:bodyPr/>
           <a:lstStyle>
             <a:lvl1pPr>
-              <a:defRPr sz="2800"/>
+              <a:defRPr sz="3200"/>
             </a:lvl1pPr>
             <a:lvl2pPr>
-              <a:defRPr sz="2400"/>
+              <a:defRPr sz="2800"/>
             </a:lvl2pPr>
             <a:lvl3pPr>
-              <a:defRPr sz="2000"/>
+              <a:defRPr sz="2400"/>
             </a:lvl3pPr>
             <a:lvl4pPr>
-              <a:defRPr sz="1800"/>
+              <a:defRPr sz="2000"/>
             </a:lvl4pPr>
             <a:lvl5pPr>
-              <a:defRPr sz="1600"/>
+              <a:defRPr sz="2000"/>
             </a:lvl5pPr>
             <a:lvl6pPr>
               <a:defRPr sz="2000"/>
@@ -8283,37 +6862,38 @@
           <a:p>
             <a:pPr lvl="0"/>
             <a:r>
-              <a:rPr lang="en-US" dirty="0"/>
+              <a:rPr lang="en-GB"/>
               <a:t>Click to edit Master text styles</a:t>
             </a:r>
           </a:p>
           <a:p>
             <a:pPr lvl="1"/>
             <a:r>
-              <a:rPr lang="en-US" dirty="0"/>
+              <a:rPr lang="en-GB"/>
               <a:t>Second level</a:t>
             </a:r>
           </a:p>
           <a:p>
             <a:pPr lvl="2"/>
             <a:r>
-              <a:rPr lang="en-US" dirty="0"/>
+              <a:rPr lang="en-GB"/>
               <a:t>Third level</a:t>
             </a:r>
           </a:p>
           <a:p>
             <a:pPr lvl="3"/>
             <a:r>
-              <a:rPr lang="en-US" dirty="0"/>
+              <a:rPr lang="en-GB"/>
               <a:t>Fourth level</a:t>
             </a:r>
           </a:p>
           <a:p>
             <a:pPr lvl="4"/>
             <a:r>
-              <a:rPr lang="en-US" dirty="0"/>
+              <a:rPr lang="en-GB"/>
               <a:t>Fifth level</a:t>
             </a:r>
+            <a:endParaRPr lang="en-US"/>
           </a:p>
         </p:txBody>
       </p:sp>
@@ -8322,7 +6902,7 @@
           <p:cNvPr id="4" name="Text Placeholder 3">
             <a:extLst>
               <a:ext uri="{FF2B5EF4-FFF2-40B4-BE49-F238E27FC236}">
-                <a16:creationId xmlns:a16="http://schemas.microsoft.com/office/drawing/2014/main" id="{CCC1AA53-7507-D04B-9B8E-6A4F7122ECA5}"/>
+                <a16:creationId xmlns:a16="http://schemas.microsoft.com/office/drawing/2014/main" id="{37735952-5003-9035-C85F-DB0F9AD845F1}"/>
               </a:ext>
             </a:extLst>
           </p:cNvPr>
@@ -8335,8 +6915,8 @@
         </p:nvSpPr>
         <p:spPr>
           <a:xfrm>
-            <a:off x="565149" y="2368295"/>
-            <a:ext cx="4114800" cy="3185838"/>
+            <a:off x="839788" y="2057400"/>
+            <a:ext cx="3932237" cy="3811588"/>
           </a:xfrm>
         </p:spPr>
         <p:txBody>
@@ -8382,7 +6962,7 @@
           <a:p>
             <a:pPr lvl="0"/>
             <a:r>
-              <a:rPr lang="en-US"/>
+              <a:rPr lang="en-GB"/>
               <a:t>Click to edit Master text styles</a:t>
             </a:r>
           </a:p>
@@ -8393,7 +6973,7 @@
           <p:cNvPr id="5" name="Date Placeholder 4">
             <a:extLst>
               <a:ext uri="{FF2B5EF4-FFF2-40B4-BE49-F238E27FC236}">
-                <a16:creationId xmlns:a16="http://schemas.microsoft.com/office/drawing/2014/main" id="{A356E11F-3003-0745-ACAB-FAA4E676EFCD}"/>
+                <a16:creationId xmlns:a16="http://schemas.microsoft.com/office/drawing/2014/main" id="{922BE926-BDCF-B18B-71D4-9CEFDD84D700}"/>
               </a:ext>
             </a:extLst>
           </p:cNvPr>
@@ -8411,7 +6991,7 @@
           <a:p>
             <a:fld id="{73C3BD54-29B9-3D42-B178-776ED395AA85}" type="datetimeFigureOut">
               <a:rPr lang="en-US" smtClean="0"/>
-              <a:t>9/16/23</a:t>
+              <a:t>1/16/2025</a:t>
             </a:fld>
             <a:endParaRPr lang="en-US"/>
           </a:p>
@@ -8422,7 +7002,7 @@
           <p:cNvPr id="6" name="Footer Placeholder 5">
             <a:extLst>
               <a:ext uri="{FF2B5EF4-FFF2-40B4-BE49-F238E27FC236}">
-                <a16:creationId xmlns:a16="http://schemas.microsoft.com/office/drawing/2014/main" id="{92BC11A6-59AC-FE45-8A1C-9DDC00582A70}"/>
+                <a16:creationId xmlns:a16="http://schemas.microsoft.com/office/drawing/2014/main" id="{5A9AB4B8-904F-02A2-4A47-C2E6E9AC7F6C}"/>
               </a:ext>
             </a:extLst>
           </p:cNvPr>
@@ -8447,7 +7027,7 @@
           <p:cNvPr id="7" name="Slide Number Placeholder 6">
             <a:extLst>
               <a:ext uri="{FF2B5EF4-FFF2-40B4-BE49-F238E27FC236}">
-                <a16:creationId xmlns:a16="http://schemas.microsoft.com/office/drawing/2014/main" id="{CAD6F51E-1A94-034C-BBEE-C26A3AF0E815}"/>
+                <a16:creationId xmlns:a16="http://schemas.microsoft.com/office/drawing/2014/main" id="{29755D6E-028E-63FD-AD47-9DE009805384}"/>
               </a:ext>
             </a:extLst>
           </p:cNvPr>
@@ -8471,168 +7051,10 @@
           </a:p>
         </p:txBody>
       </p:sp>
-      <p:sp>
-        <p:nvSpPr>
-          <p:cNvPr id="50" name="Rectangle 49">
-            <a:extLst>
-              <a:ext uri="{FF2B5EF4-FFF2-40B4-BE49-F238E27FC236}">
-                <a16:creationId xmlns:a16="http://schemas.microsoft.com/office/drawing/2014/main" id="{50B7D330-76C0-224C-9C3C-27C4D2B0DDB4}"/>
-              </a:ext>
-            </a:extLst>
-          </p:cNvPr>
-          <p:cNvSpPr/>
-          <p:nvPr/>
-        </p:nvSpPr>
-        <p:spPr>
-          <a:xfrm>
-            <a:off x="9881559" y="976630"/>
-            <a:ext cx="1336774" cy="120142"/>
-          </a:xfrm>
-          <a:prstGeom prst="rect">
-            <a:avLst/>
-          </a:prstGeom>
-          <a:solidFill>
-            <a:schemeClr val="tx1"/>
-          </a:solidFill>
-          <a:ln>
-            <a:noFill/>
-          </a:ln>
-        </p:spPr>
-        <p:style>
-          <a:lnRef idx="2">
-            <a:schemeClr val="accent1">
-              <a:shade val="50000"/>
-            </a:schemeClr>
-          </a:lnRef>
-          <a:fillRef idx="1">
-            <a:schemeClr val="accent1"/>
-          </a:fillRef>
-          <a:effectRef idx="0">
-            <a:schemeClr val="accent1"/>
-          </a:effectRef>
-          <a:fontRef idx="minor">
-            <a:schemeClr val="lt1"/>
-          </a:fontRef>
-        </p:style>
-        <p:txBody>
-          <a:bodyPr rtlCol="0" anchor="ctr"/>
-          <a:lstStyle/>
-          <a:p>
-            <a:pPr algn="ctr"/>
-            <a:endParaRPr lang="en-US"/>
-          </a:p>
-        </p:txBody>
-      </p:sp>
-      <p:sp>
-        <p:nvSpPr>
-          <p:cNvPr id="53" name="Rectangle 52">
-            <a:extLst>
-              <a:ext uri="{FF2B5EF4-FFF2-40B4-BE49-F238E27FC236}">
-                <a16:creationId xmlns:a16="http://schemas.microsoft.com/office/drawing/2014/main" id="{35464D55-5C51-844B-A38A-8143590FB934}"/>
-              </a:ext>
-            </a:extLst>
-          </p:cNvPr>
-          <p:cNvSpPr/>
-          <p:nvPr/>
-        </p:nvSpPr>
-        <p:spPr>
-          <a:xfrm>
-            <a:off x="-1" y="1096772"/>
-            <a:ext cx="263565" cy="5761228"/>
-          </a:xfrm>
-          <a:prstGeom prst="rect">
-            <a:avLst/>
-          </a:prstGeom>
-          <a:solidFill>
-            <a:schemeClr val="bg2"/>
-          </a:solidFill>
-          <a:ln>
-            <a:noFill/>
-          </a:ln>
-        </p:spPr>
-        <p:style>
-          <a:lnRef idx="2">
-            <a:schemeClr val="accent1">
-              <a:shade val="50000"/>
-            </a:schemeClr>
-          </a:lnRef>
-          <a:fillRef idx="1">
-            <a:schemeClr val="accent1"/>
-          </a:fillRef>
-          <a:effectRef idx="0">
-            <a:schemeClr val="accent1"/>
-          </a:effectRef>
-          <a:fontRef idx="minor">
-            <a:schemeClr val="lt1"/>
-          </a:fontRef>
-        </p:style>
-        <p:txBody>
-          <a:bodyPr rtlCol="0" anchor="ctr"/>
-          <a:lstStyle/>
-          <a:p>
-            <a:pPr algn="ctr"/>
-            <a:endParaRPr lang="en-US"/>
-          </a:p>
-        </p:txBody>
-      </p:sp>
-      <p:sp>
-        <p:nvSpPr>
-          <p:cNvPr id="11" name="Cross 10">
-            <a:extLst>
-              <a:ext uri="{FF2B5EF4-FFF2-40B4-BE49-F238E27FC236}">
-                <a16:creationId xmlns:a16="http://schemas.microsoft.com/office/drawing/2014/main" id="{FD988250-C554-DE44-B887-57D0B2AA8E37}"/>
-              </a:ext>
-            </a:extLst>
-          </p:cNvPr>
-          <p:cNvSpPr/>
-          <p:nvPr/>
-        </p:nvSpPr>
-        <p:spPr>
-          <a:xfrm>
-            <a:off x="58248" y="5618903"/>
-            <a:ext cx="524933" cy="524933"/>
-          </a:xfrm>
-          <a:prstGeom prst="plus">
-            <a:avLst>
-              <a:gd name="adj" fmla="val 39516"/>
-            </a:avLst>
-          </a:prstGeom>
-          <a:solidFill>
-            <a:schemeClr val="tx1"/>
-          </a:solidFill>
-          <a:ln>
-            <a:noFill/>
-          </a:ln>
-        </p:spPr>
-        <p:style>
-          <a:lnRef idx="2">
-            <a:schemeClr val="accent1">
-              <a:shade val="50000"/>
-            </a:schemeClr>
-          </a:lnRef>
-          <a:fillRef idx="1">
-            <a:schemeClr val="accent1"/>
-          </a:fillRef>
-          <a:effectRef idx="0">
-            <a:schemeClr val="accent1"/>
-          </a:effectRef>
-          <a:fontRef idx="minor">
-            <a:schemeClr val="lt1"/>
-          </a:fontRef>
-        </p:style>
-        <p:txBody>
-          <a:bodyPr rtlCol="0" anchor="ctr"/>
-          <a:lstStyle/>
-          <a:p>
-            <a:pPr algn="ctr"/>
-            <a:endParaRPr lang="en-US"/>
-          </a:p>
-        </p:txBody>
-      </p:sp>
     </p:spTree>
     <p:extLst>
       <p:ext uri="{BB962C8B-B14F-4D97-AF65-F5344CB8AC3E}">
-        <p14:creationId xmlns:p14="http://schemas.microsoft.com/office/powerpoint/2010/main" val="3248756852"/>
+        <p14:creationId xmlns:p14="http://schemas.microsoft.com/office/powerpoint/2010/main" val="1220745012"/>
       </p:ext>
     </p:extLst>
   </p:cSld>
@@ -8664,7 +7086,7 @@
           <p:cNvPr id="2" name="Title 1">
             <a:extLst>
               <a:ext uri="{FF2B5EF4-FFF2-40B4-BE49-F238E27FC236}">
-                <a16:creationId xmlns:a16="http://schemas.microsoft.com/office/drawing/2014/main" id="{C8686C7C-36AD-9A4E-8524-8F44E8839EA8}"/>
+                <a16:creationId xmlns:a16="http://schemas.microsoft.com/office/drawing/2014/main" id="{F516595A-C65B-D278-36A9-B1629BF95BD2}"/>
               </a:ext>
             </a:extLst>
           </p:cNvPr>
@@ -8677,14 +7099,12 @@
         </p:nvSpPr>
         <p:spPr>
           <a:xfrm>
-            <a:off x="565149" y="1203800"/>
-            <a:ext cx="4114800" cy="1077218"/>
+            <a:off x="839788" y="457200"/>
+            <a:ext cx="3932237" cy="1600200"/>
           </a:xfrm>
         </p:spPr>
         <p:txBody>
-          <a:bodyPr anchor="b">
-            <a:normAutofit/>
-          </a:bodyPr>
+          <a:bodyPr anchor="b"/>
           <a:lstStyle>
             <a:lvl1pPr>
               <a:defRPr sz="3200"/>
@@ -8692,9 +7112,10 @@
           </a:lstStyle>
           <a:p>
             <a:r>
-              <a:rPr lang="en-US"/>
+              <a:rPr lang="en-GB"/>
               <a:t>Click to edit Master title style</a:t>
             </a:r>
+            <a:endParaRPr lang="en-US"/>
           </a:p>
         </p:txBody>
       </p:sp>
@@ -8703,7 +7124,7 @@
           <p:cNvPr id="3" name="Picture Placeholder 2">
             <a:extLst>
               <a:ext uri="{FF2B5EF4-FFF2-40B4-BE49-F238E27FC236}">
-                <a16:creationId xmlns:a16="http://schemas.microsoft.com/office/drawing/2014/main" id="{A1015248-4C80-3348-A8A9-6C9F5D32FCE3}"/>
+                <a16:creationId xmlns:a16="http://schemas.microsoft.com/office/drawing/2014/main" id="{FCC3A374-B399-4566-ECC8-B7F61B5264A0}"/>
               </a:ext>
             </a:extLst>
           </p:cNvPr>
@@ -8716,12 +7137,9 @@
         </p:nvSpPr>
         <p:spPr>
           <a:xfrm>
-            <a:off x="5631151" y="1096772"/>
-            <a:ext cx="6096270" cy="5761228"/>
+            <a:off x="5183188" y="987425"/>
+            <a:ext cx="6172200" cy="4873625"/>
           </a:xfrm>
-          <a:solidFill>
-            <a:schemeClr val="bg2"/>
-          </a:solidFill>
         </p:spPr>
         <p:txBody>
           <a:bodyPr/>
@@ -8773,7 +7191,7 @@
           <p:cNvPr id="4" name="Text Placeholder 3">
             <a:extLst>
               <a:ext uri="{FF2B5EF4-FFF2-40B4-BE49-F238E27FC236}">
-                <a16:creationId xmlns:a16="http://schemas.microsoft.com/office/drawing/2014/main" id="{D74B3083-CA16-C54A-B130-7BEE6DF9D815}"/>
+                <a16:creationId xmlns:a16="http://schemas.microsoft.com/office/drawing/2014/main" id="{F4DC1705-6ACA-3F65-7B37-3B6D913729A4}"/>
               </a:ext>
             </a:extLst>
           </p:cNvPr>
@@ -8786,8 +7204,8 @@
         </p:nvSpPr>
         <p:spPr>
           <a:xfrm>
-            <a:off x="565149" y="2370666"/>
-            <a:ext cx="4114800" cy="3183467"/>
+            <a:off x="839788" y="2057400"/>
+            <a:ext cx="3932237" cy="3811588"/>
           </a:xfrm>
         </p:spPr>
         <p:txBody>
@@ -8833,7 +7251,7 @@
           <a:p>
             <a:pPr lvl="0"/>
             <a:r>
-              <a:rPr lang="en-US"/>
+              <a:rPr lang="en-GB"/>
               <a:t>Click to edit Master text styles</a:t>
             </a:r>
           </a:p>
@@ -8844,7 +7262,7 @@
           <p:cNvPr id="5" name="Date Placeholder 4">
             <a:extLst>
               <a:ext uri="{FF2B5EF4-FFF2-40B4-BE49-F238E27FC236}">
-                <a16:creationId xmlns:a16="http://schemas.microsoft.com/office/drawing/2014/main" id="{A93C6EB5-D7D1-E247-B9D7-D319E5AAB962}"/>
+                <a16:creationId xmlns:a16="http://schemas.microsoft.com/office/drawing/2014/main" id="{9FD36A80-E4A4-F0E0-BE20-7F7878158A1C}"/>
               </a:ext>
             </a:extLst>
           </p:cNvPr>
@@ -8862,7 +7280,7 @@
           <a:p>
             <a:fld id="{73C3BD54-29B9-3D42-B178-776ED395AA85}" type="datetimeFigureOut">
               <a:rPr lang="en-US" smtClean="0"/>
-              <a:t>9/16/23</a:t>
+              <a:t>1/16/2025</a:t>
             </a:fld>
             <a:endParaRPr lang="en-US"/>
           </a:p>
@@ -8873,7 +7291,7 @@
           <p:cNvPr id="6" name="Footer Placeholder 5">
             <a:extLst>
               <a:ext uri="{FF2B5EF4-FFF2-40B4-BE49-F238E27FC236}">
-                <a16:creationId xmlns:a16="http://schemas.microsoft.com/office/drawing/2014/main" id="{75FBF6CC-F5C4-9847-BADB-8B7441C8F323}"/>
+                <a16:creationId xmlns:a16="http://schemas.microsoft.com/office/drawing/2014/main" id="{957D04FD-3C82-4E0B-E002-BF106CD9B03C}"/>
               </a:ext>
             </a:extLst>
           </p:cNvPr>
@@ -8898,7 +7316,7 @@
           <p:cNvPr id="7" name="Slide Number Placeholder 6">
             <a:extLst>
               <a:ext uri="{FF2B5EF4-FFF2-40B4-BE49-F238E27FC236}">
-                <a16:creationId xmlns:a16="http://schemas.microsoft.com/office/drawing/2014/main" id="{88763FE4-B2F5-7741-B517-533F1C98CE1B}"/>
+                <a16:creationId xmlns:a16="http://schemas.microsoft.com/office/drawing/2014/main" id="{4610652B-118A-06A9-D88D-C5C8E7B6393B}"/>
               </a:ext>
             </a:extLst>
           </p:cNvPr>
@@ -8922,168 +7340,10 @@
           </a:p>
         </p:txBody>
       </p:sp>
-      <p:sp>
-        <p:nvSpPr>
-          <p:cNvPr id="54" name="Rectangle 53">
-            <a:extLst>
-              <a:ext uri="{FF2B5EF4-FFF2-40B4-BE49-F238E27FC236}">
-                <a16:creationId xmlns:a16="http://schemas.microsoft.com/office/drawing/2014/main" id="{AB80A771-7D8E-0F4A-93A3-B977667D338E}"/>
-              </a:ext>
-            </a:extLst>
-          </p:cNvPr>
-          <p:cNvSpPr/>
-          <p:nvPr/>
-        </p:nvSpPr>
-        <p:spPr>
-          <a:xfrm>
-            <a:off x="9881559" y="976630"/>
-            <a:ext cx="1336774" cy="120142"/>
-          </a:xfrm>
-          <a:prstGeom prst="rect">
-            <a:avLst/>
-          </a:prstGeom>
-          <a:solidFill>
-            <a:schemeClr val="tx1"/>
-          </a:solidFill>
-          <a:ln>
-            <a:noFill/>
-          </a:ln>
-        </p:spPr>
-        <p:style>
-          <a:lnRef idx="2">
-            <a:schemeClr val="accent1">
-              <a:shade val="50000"/>
-            </a:schemeClr>
-          </a:lnRef>
-          <a:fillRef idx="1">
-            <a:schemeClr val="accent1"/>
-          </a:fillRef>
-          <a:effectRef idx="0">
-            <a:schemeClr val="accent1"/>
-          </a:effectRef>
-          <a:fontRef idx="minor">
-            <a:schemeClr val="lt1"/>
-          </a:fontRef>
-        </p:style>
-        <p:txBody>
-          <a:bodyPr rtlCol="0" anchor="ctr"/>
-          <a:lstStyle/>
-          <a:p>
-            <a:pPr algn="ctr"/>
-            <a:endParaRPr lang="en-US"/>
-          </a:p>
-        </p:txBody>
-      </p:sp>
-      <p:sp>
-        <p:nvSpPr>
-          <p:cNvPr id="56" name="Rectangle 55">
-            <a:extLst>
-              <a:ext uri="{FF2B5EF4-FFF2-40B4-BE49-F238E27FC236}">
-                <a16:creationId xmlns:a16="http://schemas.microsoft.com/office/drawing/2014/main" id="{2C9320FA-0E3A-2749-9085-DF30FA26F4BD}"/>
-              </a:ext>
-            </a:extLst>
-          </p:cNvPr>
-          <p:cNvSpPr/>
-          <p:nvPr/>
-        </p:nvSpPr>
-        <p:spPr>
-          <a:xfrm>
-            <a:off x="-1" y="1096772"/>
-            <a:ext cx="263565" cy="5761228"/>
-          </a:xfrm>
-          <a:prstGeom prst="rect">
-            <a:avLst/>
-          </a:prstGeom>
-          <a:solidFill>
-            <a:schemeClr val="bg2"/>
-          </a:solidFill>
-          <a:ln>
-            <a:noFill/>
-          </a:ln>
-        </p:spPr>
-        <p:style>
-          <a:lnRef idx="2">
-            <a:schemeClr val="accent1">
-              <a:shade val="50000"/>
-            </a:schemeClr>
-          </a:lnRef>
-          <a:fillRef idx="1">
-            <a:schemeClr val="accent1"/>
-          </a:fillRef>
-          <a:effectRef idx="0">
-            <a:schemeClr val="accent1"/>
-          </a:effectRef>
-          <a:fontRef idx="minor">
-            <a:schemeClr val="lt1"/>
-          </a:fontRef>
-        </p:style>
-        <p:txBody>
-          <a:bodyPr rtlCol="0" anchor="ctr"/>
-          <a:lstStyle/>
-          <a:p>
-            <a:pPr algn="ctr"/>
-            <a:endParaRPr lang="en-US"/>
-          </a:p>
-        </p:txBody>
-      </p:sp>
-      <p:sp>
-        <p:nvSpPr>
-          <p:cNvPr id="11" name="Cross 10">
-            <a:extLst>
-              <a:ext uri="{FF2B5EF4-FFF2-40B4-BE49-F238E27FC236}">
-                <a16:creationId xmlns:a16="http://schemas.microsoft.com/office/drawing/2014/main" id="{5A3DF5D0-8A2C-A049-9132-EE1EF7D014D4}"/>
-              </a:ext>
-            </a:extLst>
-          </p:cNvPr>
-          <p:cNvSpPr/>
-          <p:nvPr/>
-        </p:nvSpPr>
-        <p:spPr>
-          <a:xfrm>
-            <a:off x="58248" y="5618903"/>
-            <a:ext cx="524933" cy="524933"/>
-          </a:xfrm>
-          <a:prstGeom prst="plus">
-            <a:avLst>
-              <a:gd name="adj" fmla="val 39516"/>
-            </a:avLst>
-          </a:prstGeom>
-          <a:solidFill>
-            <a:schemeClr val="tx1"/>
-          </a:solidFill>
-          <a:ln>
-            <a:noFill/>
-          </a:ln>
-        </p:spPr>
-        <p:style>
-          <a:lnRef idx="2">
-            <a:schemeClr val="accent1">
-              <a:shade val="50000"/>
-            </a:schemeClr>
-          </a:lnRef>
-          <a:fillRef idx="1">
-            <a:schemeClr val="accent1"/>
-          </a:fillRef>
-          <a:effectRef idx="0">
-            <a:schemeClr val="accent1"/>
-          </a:effectRef>
-          <a:fontRef idx="minor">
-            <a:schemeClr val="lt1"/>
-          </a:fontRef>
-        </p:style>
-        <p:txBody>
-          <a:bodyPr rtlCol="0" anchor="ctr"/>
-          <a:lstStyle/>
-          <a:p>
-            <a:pPr algn="ctr"/>
-            <a:endParaRPr lang="en-US"/>
-          </a:p>
-        </p:txBody>
-      </p:sp>
     </p:spTree>
     <p:extLst>
       <p:ext uri="{BB962C8B-B14F-4D97-AF65-F5344CB8AC3E}">
-        <p14:creationId xmlns:p14="http://schemas.microsoft.com/office/powerpoint/2010/main" val="2782936572"/>
+        <p14:creationId xmlns:p14="http://schemas.microsoft.com/office/powerpoint/2010/main" val="3851684693"/>
       </p:ext>
     </p:extLst>
   </p:cSld>
@@ -9120,7 +7380,7 @@
           <p:cNvPr id="2" name="Title Placeholder 1">
             <a:extLst>
               <a:ext uri="{FF2B5EF4-FFF2-40B4-BE49-F238E27FC236}">
-                <a16:creationId xmlns:a16="http://schemas.microsoft.com/office/drawing/2014/main" id="{88952BFD-D607-6845-9C7B-1C8D3B4EE760}"/>
+                <a16:creationId xmlns:a16="http://schemas.microsoft.com/office/drawing/2014/main" id="{8E415400-8A57-9075-AC80-A46F76F28765}"/>
               </a:ext>
             </a:extLst>
           </p:cNvPr>
@@ -9133,23 +7393,24 @@
         </p:nvSpPr>
         <p:spPr>
           <a:xfrm>
-            <a:off x="565149" y="1204721"/>
-            <a:ext cx="8267296" cy="1446550"/>
+            <a:off x="838200" y="365125"/>
+            <a:ext cx="10515600" cy="1325563"/>
           </a:xfrm>
           <a:prstGeom prst="rect">
             <a:avLst/>
           </a:prstGeom>
         </p:spPr>
         <p:txBody>
-          <a:bodyPr vert="horz" lIns="91440" tIns="45720" rIns="91440" bIns="45720" rtlCol="0" anchor="t">
+          <a:bodyPr vert="horz" lIns="91440" tIns="45720" rIns="91440" bIns="45720" rtlCol="0" anchor="ctr">
             <a:normAutofit/>
           </a:bodyPr>
           <a:lstStyle/>
           <a:p>
             <a:r>
-              <a:rPr lang="en-US"/>
+              <a:rPr lang="en-GB"/>
               <a:t>Click to edit Master title style</a:t>
             </a:r>
+            <a:endParaRPr lang="en-US"/>
           </a:p>
         </p:txBody>
       </p:sp>
@@ -9158,7 +7419,7 @@
           <p:cNvPr id="3" name="Text Placeholder 2">
             <a:extLst>
               <a:ext uri="{FF2B5EF4-FFF2-40B4-BE49-F238E27FC236}">
-                <a16:creationId xmlns:a16="http://schemas.microsoft.com/office/drawing/2014/main" id="{EEBB52FF-3B04-8245-BF0B-89C9E293362A}"/>
+                <a16:creationId xmlns:a16="http://schemas.microsoft.com/office/drawing/2014/main" id="{57C6F935-AB47-ACD7-D1B3-A96315318145}"/>
               </a:ext>
             </a:extLst>
           </p:cNvPr>
@@ -9171,8 +7432,8 @@
         </p:nvSpPr>
         <p:spPr>
           <a:xfrm>
-            <a:off x="565150" y="2691638"/>
-            <a:ext cx="8267296" cy="3188586"/>
+            <a:off x="838200" y="1825625"/>
+            <a:ext cx="10515600" cy="4351338"/>
           </a:xfrm>
           <a:prstGeom prst="rect">
             <a:avLst/>
@@ -9186,37 +7447,38 @@
           <a:p>
             <a:pPr lvl="0"/>
             <a:r>
-              <a:rPr lang="en-US" dirty="0"/>
+              <a:rPr lang="en-GB"/>
               <a:t>Click to edit Master text styles</a:t>
             </a:r>
           </a:p>
           <a:p>
             <a:pPr lvl="1"/>
             <a:r>
-              <a:rPr lang="en-US" dirty="0"/>
+              <a:rPr lang="en-GB"/>
               <a:t>Second level</a:t>
             </a:r>
           </a:p>
           <a:p>
             <a:pPr lvl="2"/>
             <a:r>
-              <a:rPr lang="en-US" dirty="0"/>
+              <a:rPr lang="en-GB"/>
               <a:t>Third level</a:t>
             </a:r>
           </a:p>
           <a:p>
             <a:pPr lvl="3"/>
             <a:r>
-              <a:rPr lang="en-US" dirty="0"/>
+              <a:rPr lang="en-GB"/>
               <a:t>Fourth level</a:t>
             </a:r>
           </a:p>
           <a:p>
             <a:pPr lvl="4"/>
             <a:r>
-              <a:rPr lang="en-US" dirty="0"/>
+              <a:rPr lang="en-GB"/>
               <a:t>Fifth level</a:t>
             </a:r>
+            <a:endParaRPr lang="en-US"/>
           </a:p>
         </p:txBody>
       </p:sp>
@@ -9225,7 +7487,7 @@
           <p:cNvPr id="4" name="Date Placeholder 3">
             <a:extLst>
               <a:ext uri="{FF2B5EF4-FFF2-40B4-BE49-F238E27FC236}">
-                <a16:creationId xmlns:a16="http://schemas.microsoft.com/office/drawing/2014/main" id="{EDA99BFE-CBDD-C344-A21E-44A52F11B662}"/>
+                <a16:creationId xmlns:a16="http://schemas.microsoft.com/office/drawing/2014/main" id="{BA70AFDA-68BE-0C17-1A8A-F41D3A94F3AE}"/>
               </a:ext>
             </a:extLst>
           </p:cNvPr>
@@ -9238,19 +7500,23 @@
         </p:nvSpPr>
         <p:spPr>
           <a:xfrm>
-            <a:off x="565149" y="5949696"/>
-            <a:ext cx="4114800" cy="365125"/>
+            <a:off x="838200" y="6356350"/>
+            <a:ext cx="2743200" cy="365125"/>
           </a:xfrm>
           <a:prstGeom prst="rect">
             <a:avLst/>
           </a:prstGeom>
         </p:spPr>
         <p:txBody>
-          <a:bodyPr vert="horz" lIns="91440" tIns="45720" rIns="91440" bIns="45720" rtlCol="0" anchor="ctr" anchorCtr="0"/>
+          <a:bodyPr vert="horz" lIns="91440" tIns="45720" rIns="91440" bIns="45720" rtlCol="0" anchor="ctr"/>
           <a:lstStyle>
             <a:lvl1pPr algn="l">
-              <a:defRPr lang="en-US" sz="1050" smtClean="0">
-                <a:latin typeface="+mn-lt"/>
+              <a:defRPr sz="1200">
+                <a:solidFill>
+                  <a:schemeClr val="tx1">
+                    <a:tint val="82000"/>
+                  </a:schemeClr>
+                </a:solidFill>
               </a:defRPr>
             </a:lvl1pPr>
           </a:lstStyle>
@@ -9258,7 +7524,7 @@
             <a:fld id="{73C3BD54-29B9-3D42-B178-776ED395AA85}" type="datetimeFigureOut">
               <a:rPr lang="en-US" smtClean="0"/>
               <a:pPr/>
-              <a:t>9/16/23</a:t>
+              <a:t>1/16/2025</a:t>
             </a:fld>
             <a:endParaRPr lang="en-US" dirty="0"/>
           </a:p>
@@ -9269,7 +7535,7 @@
           <p:cNvPr id="5" name="Footer Placeholder 4">
             <a:extLst>
               <a:ext uri="{FF2B5EF4-FFF2-40B4-BE49-F238E27FC236}">
-                <a16:creationId xmlns:a16="http://schemas.microsoft.com/office/drawing/2014/main" id="{BDC371C0-3DCE-0743-946F-C7540DD7895F}"/>
+                <a16:creationId xmlns:a16="http://schemas.microsoft.com/office/drawing/2014/main" id="{FD8FDC9B-D523-84D2-712A-8FF8A36D9085}"/>
               </a:ext>
             </a:extLst>
           </p:cNvPr>
@@ -9282,19 +7548,23 @@
         </p:nvSpPr>
         <p:spPr>
           <a:xfrm>
-            <a:off x="565150" y="543179"/>
-            <a:ext cx="4114800" cy="246888"/>
+            <a:off x="4038600" y="6356350"/>
+            <a:ext cx="4114800" cy="365125"/>
           </a:xfrm>
           <a:prstGeom prst="rect">
             <a:avLst/>
           </a:prstGeom>
         </p:spPr>
         <p:txBody>
-          <a:bodyPr vert="horz" lIns="91440" tIns="45720" rIns="91440" bIns="45720" rtlCol="0" anchor="ctr" anchorCtr="0"/>
+          <a:bodyPr vert="horz" lIns="91440" tIns="45720" rIns="91440" bIns="45720" rtlCol="0" anchor="ctr"/>
           <a:lstStyle>
-            <a:lvl1pPr algn="l">
-              <a:defRPr lang="en-US" sz="1050">
-                <a:latin typeface="+mn-lt"/>
+            <a:lvl1pPr algn="ctr">
+              <a:defRPr sz="1200">
+                <a:solidFill>
+                  <a:schemeClr val="tx1">
+                    <a:tint val="82000"/>
+                  </a:schemeClr>
+                </a:solidFill>
               </a:defRPr>
             </a:lvl1pPr>
           </a:lstStyle>
@@ -9308,7 +7578,7 @@
           <p:cNvPr id="6" name="Slide Number Placeholder 5">
             <a:extLst>
               <a:ext uri="{FF2B5EF4-FFF2-40B4-BE49-F238E27FC236}">
-                <a16:creationId xmlns:a16="http://schemas.microsoft.com/office/drawing/2014/main" id="{E6E32ADB-4517-194F-8B4B-A9D26B3C02E3}"/>
+                <a16:creationId xmlns:a16="http://schemas.microsoft.com/office/drawing/2014/main" id="{D06A2271-DC85-0993-AAD6-2B1A67D2AAF5}"/>
               </a:ext>
             </a:extLst>
           </p:cNvPr>
@@ -9321,8 +7591,8 @@
         </p:nvSpPr>
         <p:spPr>
           <a:xfrm>
-            <a:off x="10813024" y="511175"/>
-            <a:ext cx="914400" cy="310896"/>
+            <a:off x="8610600" y="6356350"/>
+            <a:ext cx="2743200" cy="365125"/>
           </a:xfrm>
           <a:prstGeom prst="rect">
             <a:avLst/>
@@ -9332,11 +7602,12 @@
           <a:bodyPr vert="horz" lIns="91440" tIns="45720" rIns="91440" bIns="45720" rtlCol="0" anchor="ctr"/>
           <a:lstStyle>
             <a:lvl1pPr algn="r">
-              <a:defRPr sz="1400" b="0" i="0">
+              <a:defRPr sz="1200">
                 <a:solidFill>
-                  <a:schemeClr val="tx1"/>
+                  <a:schemeClr val="tx1">
+                    <a:tint val="82000"/>
+                  </a:schemeClr>
                 </a:solidFill>
-                <a:latin typeface="+mn-lt"/>
               </a:defRPr>
             </a:lvl1pPr>
           </a:lstStyle>
@@ -9353,29 +7624,29 @@
     </p:spTree>
     <p:extLst>
       <p:ext uri="{BB962C8B-B14F-4D97-AF65-F5344CB8AC3E}">
-        <p14:creationId xmlns:p14="http://schemas.microsoft.com/office/powerpoint/2010/main" val="642894264"/>
+        <p14:creationId xmlns:p14="http://schemas.microsoft.com/office/powerpoint/2010/main" val="3783330442"/>
       </p:ext>
     </p:extLst>
   </p:cSld>
   <p:clrMap bg1="lt1" tx1="dk1" bg2="lt2" tx2="dk2" accent1="accent1" accent2="accent2" accent3="accent3" accent4="accent4" accent5="accent5" accent6="accent6" hlink="hlink" folHlink="folHlink"/>
   <p:sldLayoutIdLst>
-    <p:sldLayoutId id="2147483671" r:id="rId1"/>
-    <p:sldLayoutId id="2147483672" r:id="rId2"/>
-    <p:sldLayoutId id="2147483662" r:id="rId3"/>
-    <p:sldLayoutId id="2147483663" r:id="rId4"/>
-    <p:sldLayoutId id="2147483664" r:id="rId5"/>
-    <p:sldLayoutId id="2147483665" r:id="rId6"/>
-    <p:sldLayoutId id="2147483666" r:id="rId7"/>
-    <p:sldLayoutId id="2147483667" r:id="rId8"/>
-    <p:sldLayoutId id="2147483668" r:id="rId9"/>
-    <p:sldLayoutId id="2147483669" r:id="rId10"/>
-    <p:sldLayoutId id="2147483670" r:id="rId11"/>
+    <p:sldLayoutId id="2147483675" r:id="rId1"/>
+    <p:sldLayoutId id="2147483676" r:id="rId2"/>
+    <p:sldLayoutId id="2147483677" r:id="rId3"/>
+    <p:sldLayoutId id="2147483678" r:id="rId4"/>
+    <p:sldLayoutId id="2147483679" r:id="rId5"/>
+    <p:sldLayoutId id="2147483680" r:id="rId6"/>
+    <p:sldLayoutId id="2147483681" r:id="rId7"/>
+    <p:sldLayoutId id="2147483682" r:id="rId8"/>
+    <p:sldLayoutId id="2147483683" r:id="rId9"/>
+    <p:sldLayoutId id="2147483684" r:id="rId10"/>
+    <p:sldLayoutId id="2147483685" r:id="rId11"/>
   </p:sldLayoutIdLst>
   <p:txStyles>
     <p:titleStyle>
       <a:lvl1pPr algn="l" defTabSz="914400" rtl="0" eaLnBrk="1" latinLnBrk="0" hangingPunct="1">
         <a:lnSpc>
-          <a:spcPct val="100000"/>
+          <a:spcPct val="90000"/>
         </a:lnSpc>
         <a:spcBef>
           <a:spcPct val="0"/>
@@ -9394,14 +7665,14 @@
     <p:bodyStyle>
       <a:lvl1pPr marL="228600" indent="-228600" algn="l" defTabSz="914400" rtl="0" eaLnBrk="1" latinLnBrk="0" hangingPunct="1">
         <a:lnSpc>
-          <a:spcPct val="100000"/>
+          <a:spcPct val="90000"/>
         </a:lnSpc>
         <a:spcBef>
           <a:spcPts val="1000"/>
         </a:spcBef>
-        <a:buFont typeface="System Font Regular"/>
-        <a:buChar char="–"/>
-        <a:defRPr sz="2400" b="0" i="0" kern="1200">
+        <a:buFont typeface="Arial" panose="020B0604020202020204" pitchFamily="34" charset="0"/>
+        <a:buChar char="•"/>
+        <a:defRPr sz="2800" kern="1200">
           <a:solidFill>
             <a:schemeClr val="tx1"/>
           </a:solidFill>
@@ -9412,14 +7683,14 @@
       </a:lvl1pPr>
       <a:lvl2pPr marL="685800" indent="-228600" algn="l" defTabSz="914400" rtl="0" eaLnBrk="1" latinLnBrk="0" hangingPunct="1">
         <a:lnSpc>
-          <a:spcPct val="100000"/>
+          <a:spcPct val="90000"/>
         </a:lnSpc>
         <a:spcBef>
           <a:spcPts val="500"/>
         </a:spcBef>
-        <a:buFont typeface="System Font Regular"/>
-        <a:buChar char="–"/>
-        <a:defRPr sz="2000" b="0" i="0" kern="1200">
+        <a:buFont typeface="Arial" panose="020B0604020202020204" pitchFamily="34" charset="0"/>
+        <a:buChar char="•"/>
+        <a:defRPr sz="2400" kern="1200">
           <a:solidFill>
             <a:schemeClr val="tx1"/>
           </a:solidFill>
@@ -9430,14 +7701,14 @@
       </a:lvl2pPr>
       <a:lvl3pPr marL="1143000" indent="-228600" algn="l" defTabSz="914400" rtl="0" eaLnBrk="1" latinLnBrk="0" hangingPunct="1">
         <a:lnSpc>
-          <a:spcPct val="100000"/>
+          <a:spcPct val="90000"/>
         </a:lnSpc>
         <a:spcBef>
           <a:spcPts val="500"/>
         </a:spcBef>
-        <a:buFont typeface="System Font Regular"/>
-        <a:buChar char="–"/>
-        <a:defRPr sz="1800" b="0" i="0" kern="1200">
+        <a:buFont typeface="Arial" panose="020B0604020202020204" pitchFamily="34" charset="0"/>
+        <a:buChar char="•"/>
+        <a:defRPr sz="2000" kern="1200">
           <a:solidFill>
             <a:schemeClr val="tx1"/>
           </a:solidFill>
@@ -9448,14 +7719,14 @@
       </a:lvl3pPr>
       <a:lvl4pPr marL="1600200" indent="-228600" algn="l" defTabSz="914400" rtl="0" eaLnBrk="1" latinLnBrk="0" hangingPunct="1">
         <a:lnSpc>
-          <a:spcPct val="100000"/>
+          <a:spcPct val="90000"/>
         </a:lnSpc>
         <a:spcBef>
           <a:spcPts val="500"/>
         </a:spcBef>
-        <a:buFont typeface="System Font Regular"/>
-        <a:buChar char="–"/>
-        <a:defRPr sz="1600" b="0" i="0" kern="1200">
+        <a:buFont typeface="Arial" panose="020B0604020202020204" pitchFamily="34" charset="0"/>
+        <a:buChar char="•"/>
+        <a:defRPr sz="1800" kern="1200">
           <a:solidFill>
             <a:schemeClr val="tx1"/>
           </a:solidFill>
@@ -9466,14 +7737,14 @@
       </a:lvl4pPr>
       <a:lvl5pPr marL="2057400" indent="-228600" algn="l" defTabSz="914400" rtl="0" eaLnBrk="1" latinLnBrk="0" hangingPunct="1">
         <a:lnSpc>
-          <a:spcPct val="100000"/>
+          <a:spcPct val="90000"/>
         </a:lnSpc>
         <a:spcBef>
           <a:spcPts val="500"/>
         </a:spcBef>
-        <a:buFont typeface="System Font Regular"/>
-        <a:buChar char="–"/>
-        <a:defRPr sz="1600" b="0" i="0" kern="1200">
+        <a:buFont typeface="Arial" panose="020B0604020202020204" pitchFamily="34" charset="0"/>
+        <a:buChar char="•"/>
+        <a:defRPr sz="1800" kern="1200">
           <a:solidFill>
             <a:schemeClr val="tx1"/>
           </a:solidFill>
@@ -9681,10 +7952,10 @@
       </p:grpSpPr>
       <p:sp useBgFill="1">
         <p:nvSpPr>
-          <p:cNvPr id="9" name="Rectangle 8">
+          <p:cNvPr id="24" name="Rectangle 23">
             <a:extLst>
               <a:ext uri="{FF2B5EF4-FFF2-40B4-BE49-F238E27FC236}">
-                <a16:creationId xmlns:a16="http://schemas.microsoft.com/office/drawing/2014/main" id="{14F048CC-17C9-B246-BF2A-29E51AD1C6EA}"/>
+                <a16:creationId xmlns:a16="http://schemas.microsoft.com/office/drawing/2014/main" id="{4D313860-A922-4FA4-B5E2-E8871F105E01}"/>
               </a:ext>
               <a:ext uri="{C183D7F6-B498-43B3-948B-1728B52AA6E4}">
                 <adec:decorative xmlns:adec="http://schemas.microsoft.com/office/drawing/2017/decorative" val="1"/>
@@ -9739,41 +8010,83 @@
           </a:p>
         </p:txBody>
       </p:sp>
-      <p:pic>
-        <p:nvPicPr>
-          <p:cNvPr id="4" name="Picture 3">
+      <p:sp>
+        <p:nvSpPr>
+          <p:cNvPr id="2" name="Title 1">
             <a:extLst>
               <a:ext uri="{FF2B5EF4-FFF2-40B4-BE49-F238E27FC236}">
-                <a16:creationId xmlns:a16="http://schemas.microsoft.com/office/drawing/2014/main" id="{9F37D35D-AB78-9426-2DF9-DDB319982D70}"/>
+                <a16:creationId xmlns:a16="http://schemas.microsoft.com/office/drawing/2014/main" id="{EBE360D6-DFDE-E6F9-F9DE-A3E445A04475}"/>
               </a:ext>
             </a:extLst>
           </p:cNvPr>
-          <p:cNvPicPr>
-            <a:picLocks noChangeAspect="1"/>
-          </p:cNvPicPr>
-          <p:nvPr/>
-        </p:nvPicPr>
-        <p:blipFill rotWithShape="1">
-          <a:blip r:embed="rId2"/>
-          <a:srcRect t="25000"/>
-          <a:stretch/>
-        </p:blipFill>
+          <p:cNvSpPr>
+            <a:spLocks noGrp="1"/>
+          </p:cNvSpPr>
+          <p:nvPr>
+            <p:ph type="ctrTitle"/>
+          </p:nvPr>
+        </p:nvSpPr>
         <p:spPr>
           <a:xfrm>
-            <a:off x="20" y="10"/>
-            <a:ext cx="12191980" cy="6857990"/>
+            <a:off x="643466" y="753626"/>
+            <a:ext cx="5334930" cy="3004145"/>
           </a:xfrm>
-          <a:prstGeom prst="rect">
-            <a:avLst/>
-          </a:prstGeom>
         </p:spPr>
-      </p:pic>
+        <p:txBody>
+          <a:bodyPr>
+            <a:normAutofit/>
+          </a:bodyPr>
+          <a:lstStyle/>
+          <a:p>
+            <a:r>
+              <a:rPr lang="en-KZ" sz="5600"/>
+              <a:t>CYCLISTIC BIKE SHARE ANALYSIS CASE STUDY</a:t>
+            </a:r>
+          </a:p>
+        </p:txBody>
+      </p:sp>
       <p:sp>
         <p:nvSpPr>
-          <p:cNvPr id="11" name="Rectangle">
+          <p:cNvPr id="3" name="Subtitle 2">
             <a:extLst>
               <a:ext uri="{FF2B5EF4-FFF2-40B4-BE49-F238E27FC236}">
-                <a16:creationId xmlns:a16="http://schemas.microsoft.com/office/drawing/2014/main" id="{53C4D10E-16D3-5D49-A995-1FD27619A96C}"/>
+                <a16:creationId xmlns:a16="http://schemas.microsoft.com/office/drawing/2014/main" id="{914DCFEB-0B04-85AC-89BB-96FDBDB492B0}"/>
+              </a:ext>
+            </a:extLst>
+          </p:cNvPr>
+          <p:cNvSpPr>
+            <a:spLocks noGrp="1"/>
+          </p:cNvSpPr>
+          <p:nvPr>
+            <p:ph type="subTitle" idx="1"/>
+          </p:nvPr>
+        </p:nvSpPr>
+        <p:spPr>
+          <a:xfrm>
+            <a:off x="643465" y="3849845"/>
+            <a:ext cx="5334931" cy="2189214"/>
+          </a:xfrm>
+        </p:spPr>
+        <p:txBody>
+          <a:bodyPr>
+            <a:normAutofit/>
+          </a:bodyPr>
+          <a:lstStyle/>
+          <a:p>
+            <a:r>
+              <a:rPr lang="en-US"/>
+              <a:t>Prepared by : Aruzhan Karimzhanova</a:t>
+            </a:r>
+            <a:endParaRPr lang="en-KZ"/>
+          </a:p>
+        </p:txBody>
+      </p:sp>
+      <p:sp>
+        <p:nvSpPr>
+          <p:cNvPr id="26" name="Oval 25">
+            <a:extLst>
+              <a:ext uri="{FF2B5EF4-FFF2-40B4-BE49-F238E27FC236}">
+                <a16:creationId xmlns:a16="http://schemas.microsoft.com/office/drawing/2014/main" id="{6FD0FBFA-B43E-40C1-A6E4-B88234171E7A}"/>
               </a:ext>
               <a:ext uri="{C183D7F6-B498-43B3-948B-1728B52AA6E4}">
                 <adec:decorative xmlns:adec="http://schemas.microsoft.com/office/drawing/2017/decorative" val="1"/>
@@ -9793,59 +8106,50 @@
         </p:nvSpPr>
         <p:spPr>
           <a:xfrm>
-            <a:off x="0" y="-1"/>
-            <a:ext cx="10549940" cy="6858000"/>
+            <a:off x="7954341" y="1164128"/>
+            <a:ext cx="569514" cy="569514"/>
           </a:xfrm>
-          <a:prstGeom prst="rect">
+          <a:prstGeom prst="ellipse">
             <a:avLst/>
           </a:prstGeom>
-          <a:gradFill flip="none" rotWithShape="1">
-            <a:gsLst>
-              <a:gs pos="32000">
-                <a:schemeClr val="bg1">
-                  <a:alpha val="67000"/>
-                </a:schemeClr>
-              </a:gs>
-              <a:gs pos="0">
-                <a:schemeClr val="bg1">
-                  <a:alpha val="55000"/>
-                </a:schemeClr>
-              </a:gs>
-              <a:gs pos="99000">
-                <a:schemeClr val="bg1">
-                  <a:alpha val="55000"/>
-                </a:schemeClr>
-              </a:gs>
-            </a:gsLst>
-            <a:path path="circle">
-              <a:fillToRect r="100000" b="100000"/>
-            </a:path>
-            <a:tileRect l="-100000" t="-100000"/>
-          </a:gradFill>
-          <a:ln w="12700">
-            <a:miter lim="400000"/>
+          <a:noFill/>
+          <a:ln w="101600">
+            <a:solidFill>
+              <a:schemeClr val="accent5"/>
+            </a:solidFill>
           </a:ln>
         </p:spPr>
+        <p:style>
+          <a:lnRef idx="2">
+            <a:schemeClr val="accent1">
+              <a:shade val="50000"/>
+            </a:schemeClr>
+          </a:lnRef>
+          <a:fillRef idx="1">
+            <a:schemeClr val="accent1"/>
+          </a:fillRef>
+          <a:effectRef idx="0">
+            <a:schemeClr val="accent1"/>
+          </a:effectRef>
+          <a:fontRef idx="minor">
+            <a:schemeClr val="lt1"/>
+          </a:fontRef>
+        </p:style>
         <p:txBody>
-          <a:bodyPr lIns="50800" tIns="50800" rIns="50800" bIns="50800" anchor="ctr"/>
+          <a:bodyPr rtlCol="0" anchor="ctr"/>
           <a:lstStyle/>
           <a:p>
             <a:pPr algn="ctr"/>
-            <a:endParaRPr sz="2600" cap="all" dirty="0">
-              <a:solidFill>
-                <a:srgbClr val="FFFFFF"/>
-              </a:solidFill>
-              <a:sym typeface="Avenir Next"/>
-            </a:endParaRPr>
+            <a:endParaRPr lang="en-US"/>
           </a:p>
         </p:txBody>
       </p:sp>
       <p:sp>
         <p:nvSpPr>
-          <p:cNvPr id="13" name="Cross 12">
+          <p:cNvPr id="28" name="Freeform: Shape 27">
             <a:extLst>
               <a:ext uri="{FF2B5EF4-FFF2-40B4-BE49-F238E27FC236}">
-                <a16:creationId xmlns:a16="http://schemas.microsoft.com/office/drawing/2014/main" id="{24124FF1-775D-AC4A-81D0-73FC0F54A682}"/>
+                <a16:creationId xmlns:a16="http://schemas.microsoft.com/office/drawing/2014/main" id="{499ACE06-2742-4366-B8DD-B1D27F4F3E83}"/>
               </a:ext>
               <a:ext uri="{C183D7F6-B498-43B3-948B-1728B52AA6E4}">
                 <adec:decorative xmlns:adec="http://schemas.microsoft.com/office/drawing/2017/decorative" val="1"/>
@@ -9865,16 +8169,672 @@
         </p:nvSpPr>
         <p:spPr>
           <a:xfrm>
-            <a:off x="10342508" y="5618903"/>
-            <a:ext cx="524933" cy="524933"/>
+            <a:off x="6542879" y="0"/>
+            <a:ext cx="2123415" cy="1422481"/>
           </a:xfrm>
-          <a:prstGeom prst="plus">
-            <a:avLst>
-              <a:gd name="adj" fmla="val 39516"/>
-            </a:avLst>
+          <a:custGeom>
+            <a:avLst/>
+            <a:gdLst>
+              <a:gd name="connsiteX0" fmla="*/ 0 w 2315251"/>
+              <a:gd name="connsiteY0" fmla="*/ 0 h 1550992"/>
+              <a:gd name="connsiteX1" fmla="*/ 138700 w 2315251"/>
+              <a:gd name="connsiteY1" fmla="*/ 0 h 1550992"/>
+              <a:gd name="connsiteX2" fmla="*/ 138700 w 2315251"/>
+              <a:gd name="connsiteY2" fmla="*/ 1361400 h 1550992"/>
+              <a:gd name="connsiteX3" fmla="*/ 2107387 w 2315251"/>
+              <a:gd name="connsiteY3" fmla="*/ 222673 h 1550992"/>
+              <a:gd name="connsiteX4" fmla="*/ 1722420 w 2315251"/>
+              <a:gd name="connsiteY4" fmla="*/ 0 h 1550992"/>
+              <a:gd name="connsiteX5" fmla="*/ 1999436 w 2315251"/>
+              <a:gd name="connsiteY5" fmla="*/ 0 h 1550992"/>
+              <a:gd name="connsiteX6" fmla="*/ 2280549 w 2315251"/>
+              <a:gd name="connsiteY6" fmla="*/ 162605 h 1550992"/>
+              <a:gd name="connsiteX7" fmla="*/ 2305953 w 2315251"/>
+              <a:gd name="connsiteY7" fmla="*/ 257336 h 1550992"/>
+              <a:gd name="connsiteX8" fmla="*/ 2280549 w 2315251"/>
+              <a:gd name="connsiteY8" fmla="*/ 282740 h 1550992"/>
+              <a:gd name="connsiteX9" fmla="*/ 104026 w 2315251"/>
+              <a:gd name="connsiteY9" fmla="*/ 1541710 h 1550992"/>
+              <a:gd name="connsiteX10" fmla="*/ 69351 w 2315251"/>
+              <a:gd name="connsiteY10" fmla="*/ 1550992 h 1550992"/>
+              <a:gd name="connsiteX11" fmla="*/ 0 w 2315251"/>
+              <a:gd name="connsiteY11" fmla="*/ 1481643 h 1550992"/>
+            </a:gdLst>
+            <a:ahLst/>
+            <a:cxnLst>
+              <a:cxn ang="0">
+                <a:pos x="connsiteX0" y="connsiteY0"/>
+              </a:cxn>
+              <a:cxn ang="0">
+                <a:pos x="connsiteX1" y="connsiteY1"/>
+              </a:cxn>
+              <a:cxn ang="0">
+                <a:pos x="connsiteX2" y="connsiteY2"/>
+              </a:cxn>
+              <a:cxn ang="0">
+                <a:pos x="connsiteX3" y="connsiteY3"/>
+              </a:cxn>
+              <a:cxn ang="0">
+                <a:pos x="connsiteX4" y="connsiteY4"/>
+              </a:cxn>
+              <a:cxn ang="0">
+                <a:pos x="connsiteX5" y="connsiteY5"/>
+              </a:cxn>
+              <a:cxn ang="0">
+                <a:pos x="connsiteX6" y="connsiteY6"/>
+              </a:cxn>
+              <a:cxn ang="0">
+                <a:pos x="connsiteX7" y="connsiteY7"/>
+              </a:cxn>
+              <a:cxn ang="0">
+                <a:pos x="connsiteX8" y="connsiteY8"/>
+              </a:cxn>
+              <a:cxn ang="0">
+                <a:pos x="connsiteX9" y="connsiteY9"/>
+              </a:cxn>
+              <a:cxn ang="0">
+                <a:pos x="connsiteX10" y="connsiteY10"/>
+              </a:cxn>
+              <a:cxn ang="0">
+                <a:pos x="connsiteX11" y="connsiteY11"/>
+              </a:cxn>
+            </a:cxnLst>
+            <a:rect l="l" t="t" r="r" b="b"/>
+            <a:pathLst>
+              <a:path w="2315251" h="1550992">
+                <a:moveTo>
+                  <a:pt x="0" y="0"/>
+                </a:moveTo>
+                <a:lnTo>
+                  <a:pt x="138700" y="0"/>
+                </a:lnTo>
+                <a:lnTo>
+                  <a:pt x="138700" y="1361400"/>
+                </a:lnTo>
+                <a:lnTo>
+                  <a:pt x="2107387" y="222673"/>
+                </a:lnTo>
+                <a:lnTo>
+                  <a:pt x="1722420" y="0"/>
+                </a:lnTo>
+                <a:lnTo>
+                  <a:pt x="1999436" y="0"/>
+                </a:lnTo>
+                <a:lnTo>
+                  <a:pt x="2280549" y="162605"/>
+                </a:lnTo>
+                <a:cubicBezTo>
+                  <a:pt x="2313720" y="181745"/>
+                  <a:pt x="2325104" y="224155"/>
+                  <a:pt x="2305953" y="257336"/>
+                </a:cubicBezTo>
+                <a:cubicBezTo>
+                  <a:pt x="2299872" y="267889"/>
+                  <a:pt x="2291101" y="276648"/>
+                  <a:pt x="2280549" y="282740"/>
+                </a:cubicBezTo>
+                <a:lnTo>
+                  <a:pt x="104026" y="1541710"/>
+                </a:lnTo>
+                <a:cubicBezTo>
+                  <a:pt x="93484" y="1547802"/>
+                  <a:pt x="81523" y="1551003"/>
+                  <a:pt x="69351" y="1550992"/>
+                </a:cubicBezTo>
+                <a:cubicBezTo>
+                  <a:pt x="31049" y="1550992"/>
+                  <a:pt x="0" y="1519944"/>
+                  <a:pt x="0" y="1481643"/>
+                </a:cubicBezTo>
+                <a:close/>
+              </a:path>
+            </a:pathLst>
+          </a:custGeom>
+          <a:solidFill>
+            <a:schemeClr val="accent6"/>
+          </a:solidFill>
+          <a:ln w="9525" cap="flat">
+            <a:noFill/>
+            <a:prstDash val="solid"/>
+            <a:miter/>
+          </a:ln>
+        </p:spPr>
+        <p:txBody>
+          <a:bodyPr rtlCol="0" anchor="ctr"/>
+          <a:lstStyle/>
+          <a:p>
+            <a:endParaRPr lang="en-US" dirty="0"/>
+          </a:p>
+        </p:txBody>
+      </p:sp>
+      <p:pic>
+        <p:nvPicPr>
+          <p:cNvPr id="4" name="Picture 3" descr="A white and blue room with blue sky&#10;&#10;Description automatically generated">
+            <a:extLst>
+              <a:ext uri="{FF2B5EF4-FFF2-40B4-BE49-F238E27FC236}">
+                <a16:creationId xmlns:a16="http://schemas.microsoft.com/office/drawing/2014/main" id="{9F37D35D-AB78-9426-2DF9-DDB319982D70}"/>
+              </a:ext>
+            </a:extLst>
+          </p:cNvPr>
+          <p:cNvPicPr>
+            <a:picLocks noChangeAspect="1"/>
+          </p:cNvPicPr>
+          <p:nvPr/>
+        </p:nvPicPr>
+        <p:blipFill rotWithShape="1">
+          <a:blip r:embed="rId2"/>
+          <a:srcRect l="14203" r="10797"/>
+          <a:stretch/>
+        </p:blipFill>
+        <p:spPr>
+          <a:xfrm>
+            <a:off x="6610266" y="2150583"/>
+            <a:ext cx="3240592" cy="3240592"/>
+          </a:xfrm>
+          <a:custGeom>
+            <a:avLst/>
+            <a:gdLst/>
+            <a:ahLst/>
+            <a:cxnLst/>
+            <a:rect l="l" t="t" r="r" b="b"/>
+            <a:pathLst>
+              <a:path w="3741748" h="3741748">
+                <a:moveTo>
+                  <a:pt x="1870874" y="0"/>
+                </a:moveTo>
+                <a:cubicBezTo>
+                  <a:pt x="2904129" y="0"/>
+                  <a:pt x="3741748" y="837619"/>
+                  <a:pt x="3741748" y="1870874"/>
+                </a:cubicBezTo>
+                <a:cubicBezTo>
+                  <a:pt x="3741748" y="2904129"/>
+                  <a:pt x="2904129" y="3741748"/>
+                  <a:pt x="1870874" y="3741748"/>
+                </a:cubicBezTo>
+                <a:cubicBezTo>
+                  <a:pt x="837619" y="3741748"/>
+                  <a:pt x="0" y="2904129"/>
+                  <a:pt x="0" y="1870874"/>
+                </a:cubicBezTo>
+                <a:cubicBezTo>
+                  <a:pt x="0" y="837619"/>
+                  <a:pt x="837619" y="0"/>
+                  <a:pt x="1870874" y="0"/>
+                </a:cubicBezTo>
+                <a:close/>
+              </a:path>
+            </a:pathLst>
+          </a:custGeom>
+        </p:spPr>
+      </p:pic>
+      <p:pic>
+        <p:nvPicPr>
+          <p:cNvPr id="5" name="Picture 4" descr="A blue circle with a person on a bicycle&#10;&#10;Description automatically generated">
+            <a:extLst>
+              <a:ext uri="{FF2B5EF4-FFF2-40B4-BE49-F238E27FC236}">
+                <a16:creationId xmlns:a16="http://schemas.microsoft.com/office/drawing/2014/main" id="{8BA98455-A540-65BE-1265-60DB5AA7B556}"/>
+              </a:ext>
+            </a:extLst>
+          </p:cNvPr>
+          <p:cNvPicPr>
+            <a:picLocks noChangeAspect="1"/>
+          </p:cNvPicPr>
+          <p:nvPr/>
+        </p:nvPicPr>
+        <p:blipFill>
+          <a:blip r:embed="rId3"/>
+          <a:srcRect r="4037" b="-1"/>
+          <a:stretch/>
+        </p:blipFill>
+        <p:spPr>
+          <a:xfrm>
+            <a:off x="9490670" y="10"/>
+            <a:ext cx="2701330" cy="2860786"/>
+          </a:xfrm>
+          <a:custGeom>
+            <a:avLst/>
+            <a:gdLst/>
+            <a:ahLst/>
+            <a:cxnLst/>
+            <a:rect l="l" t="t" r="r" b="b"/>
+            <a:pathLst>
+              <a:path w="2701330" h="2860796">
+                <a:moveTo>
+                  <a:pt x="1381637" y="0"/>
+                </a:moveTo>
+                <a:lnTo>
+                  <a:pt x="1481685" y="0"/>
+                </a:lnTo>
+                <a:lnTo>
+                  <a:pt x="1578040" y="4866"/>
+                </a:lnTo>
+                <a:cubicBezTo>
+                  <a:pt x="2059323" y="53742"/>
+                  <a:pt x="2470132" y="341007"/>
+                  <a:pt x="2690528" y="746720"/>
+                </a:cubicBezTo>
+                <a:lnTo>
+                  <a:pt x="2701330" y="769143"/>
+                </a:lnTo>
+                <a:lnTo>
+                  <a:pt x="2701330" y="2089127"/>
+                </a:lnTo>
+                <a:lnTo>
+                  <a:pt x="2690528" y="2111550"/>
+                </a:lnTo>
+                <a:cubicBezTo>
+                  <a:pt x="2448092" y="2557835"/>
+                  <a:pt x="1975257" y="2860796"/>
+                  <a:pt x="1431661" y="2860796"/>
+                </a:cubicBezTo>
+                <a:cubicBezTo>
+                  <a:pt x="640976" y="2860796"/>
+                  <a:pt x="0" y="2219820"/>
+                  <a:pt x="0" y="1429135"/>
+                </a:cubicBezTo>
+                <a:cubicBezTo>
+                  <a:pt x="0" y="687868"/>
+                  <a:pt x="563358" y="78181"/>
+                  <a:pt x="1285282" y="4866"/>
+                </a:cubicBezTo>
+                <a:close/>
+              </a:path>
+            </a:pathLst>
+          </a:custGeom>
+        </p:spPr>
+      </p:pic>
+      <p:cxnSp>
+        <p:nvCxnSpPr>
+          <p:cNvPr id="30" name="Straight Connector 29">
+            <a:extLst>
+              <a:ext uri="{FF2B5EF4-FFF2-40B4-BE49-F238E27FC236}">
+                <a16:creationId xmlns:a16="http://schemas.microsoft.com/office/drawing/2014/main" id="{A054EDF5-7644-4A95-AB88-057FAB414FEE}"/>
+              </a:ext>
+              <a:ext uri="{C183D7F6-B498-43B3-948B-1728B52AA6E4}">
+                <adec:decorative xmlns:adec="http://schemas.microsoft.com/office/drawing/2017/decorative" val="1"/>
+              </a:ext>
+            </a:extLst>
+          </p:cNvPr>
+          <p:cNvCxnSpPr>
+            <a:cxnSpLocks noGrp="1" noRot="1" noChangeAspect="1" noMove="1" noResize="1" noEditPoints="1" noAdjustHandles="1" noChangeArrowheads="1" noChangeShapeType="1"/>
+          </p:cNvCxnSpPr>
+          <p:nvPr>
+            <p:extLst>
+              <p:ext uri="{386F3935-93C4-4BCD-93E2-E3B085C9AB24}">
+                <p16:designElem xmlns:p16="http://schemas.microsoft.com/office/powerpoint/2015/main" val="1"/>
+              </p:ext>
+            </p:extLst>
+          </p:nvPr>
+        </p:nvCxnSpPr>
+        <p:spPr>
+          <a:xfrm>
+            <a:off x="10605035" y="3681981"/>
+            <a:ext cx="0" cy="1597708"/>
+          </a:xfrm>
+          <a:prstGeom prst="line">
+            <a:avLst/>
           </a:prstGeom>
+          <a:ln w="127000" cap="rnd">
+            <a:solidFill>
+              <a:schemeClr val="accent4">
+                <a:alpha val="95000"/>
+              </a:schemeClr>
+            </a:solidFill>
+            <a:prstDash val="dash"/>
+          </a:ln>
+        </p:spPr>
+        <p:style>
+          <a:lnRef idx="1">
+            <a:schemeClr val="accent1"/>
+          </a:lnRef>
+          <a:fillRef idx="0">
+            <a:schemeClr val="accent1"/>
+          </a:fillRef>
+          <a:effectRef idx="0">
+            <a:schemeClr val="accent1"/>
+          </a:effectRef>
+          <a:fontRef idx="minor">
+            <a:schemeClr val="tx1"/>
+          </a:fontRef>
+        </p:style>
+      </p:cxnSp>
+      <p:sp>
+        <p:nvSpPr>
+          <p:cNvPr id="32" name="Freeform: Shape 31">
+            <a:extLst>
+              <a:ext uri="{FF2B5EF4-FFF2-40B4-BE49-F238E27FC236}">
+                <a16:creationId xmlns:a16="http://schemas.microsoft.com/office/drawing/2014/main" id="{6802AE7A-B0C7-496D-940B-0E6C6ECC2B5B}"/>
+              </a:ext>
+              <a:ext uri="{C183D7F6-B498-43B3-948B-1728B52AA6E4}">
+                <adec:decorative xmlns:adec="http://schemas.microsoft.com/office/drawing/2017/decorative" val="1"/>
+              </a:ext>
+            </a:extLst>
+          </p:cNvPr>
+          <p:cNvSpPr>
+            <a:spLocks noGrp="1" noRot="1" noChangeAspect="1" noMove="1" noResize="1" noEditPoints="1" noAdjustHandles="1" noChangeArrowheads="1" noChangeShapeType="1" noTextEdit="1"/>
+          </p:cNvSpPr>
+          <p:nvPr>
+            <p:extLst>
+              <p:ext uri="{386F3935-93C4-4BCD-93E2-E3B085C9AB24}">
+                <p16:designElem xmlns:p16="http://schemas.microsoft.com/office/powerpoint/2015/main" val="1"/>
+              </p:ext>
+            </p:extLst>
+          </p:nvPr>
+        </p:nvSpPr>
+        <p:spPr>
+          <a:xfrm>
+            <a:off x="11529646" y="3416839"/>
+            <a:ext cx="662355" cy="1616463"/>
+          </a:xfrm>
+          <a:custGeom>
+            <a:avLst/>
+            <a:gdLst>
+              <a:gd name="connsiteX0" fmla="*/ 662355 w 662355"/>
+              <a:gd name="connsiteY0" fmla="*/ 0 h 1616463"/>
+              <a:gd name="connsiteX1" fmla="*/ 662355 w 662355"/>
+              <a:gd name="connsiteY1" fmla="*/ 1616463 h 1616463"/>
+              <a:gd name="connsiteX2" fmla="*/ 658212 w 662355"/>
+              <a:gd name="connsiteY2" fmla="*/ 1615830 h 1616463"/>
+              <a:gd name="connsiteX3" fmla="*/ 0 w 662355"/>
+              <a:gd name="connsiteY3" fmla="*/ 808231 h 1616463"/>
+              <a:gd name="connsiteX4" fmla="*/ 658212 w 662355"/>
+              <a:gd name="connsiteY4" fmla="*/ 632 h 1616463"/>
+            </a:gdLst>
+            <a:ahLst/>
+            <a:cxnLst>
+              <a:cxn ang="0">
+                <a:pos x="connsiteX0" y="connsiteY0"/>
+              </a:cxn>
+              <a:cxn ang="0">
+                <a:pos x="connsiteX1" y="connsiteY1"/>
+              </a:cxn>
+              <a:cxn ang="0">
+                <a:pos x="connsiteX2" y="connsiteY2"/>
+              </a:cxn>
+              <a:cxn ang="0">
+                <a:pos x="connsiteX3" y="connsiteY3"/>
+              </a:cxn>
+              <a:cxn ang="0">
+                <a:pos x="connsiteX4" y="connsiteY4"/>
+              </a:cxn>
+            </a:cxnLst>
+            <a:rect l="l" t="t" r="r" b="b"/>
+            <a:pathLst>
+              <a:path w="662355" h="1616463">
+                <a:moveTo>
+                  <a:pt x="662355" y="0"/>
+                </a:moveTo>
+                <a:lnTo>
+                  <a:pt x="662355" y="1616463"/>
+                </a:lnTo>
+                <a:lnTo>
+                  <a:pt x="658212" y="1615830"/>
+                </a:lnTo>
+                <a:cubicBezTo>
+                  <a:pt x="282572" y="1538963"/>
+                  <a:pt x="0" y="1206596"/>
+                  <a:pt x="0" y="808231"/>
+                </a:cubicBezTo>
+                <a:cubicBezTo>
+                  <a:pt x="0" y="409866"/>
+                  <a:pt x="282572" y="77499"/>
+                  <a:pt x="658212" y="632"/>
+                </a:cubicBezTo>
+                <a:close/>
+              </a:path>
+            </a:pathLst>
+          </a:custGeom>
           <a:solidFill>
-            <a:schemeClr val="tx1"/>
+            <a:schemeClr val="accent2"/>
+          </a:solidFill>
+          <a:ln w="127000">
+            <a:noFill/>
+          </a:ln>
+        </p:spPr>
+        <p:style>
+          <a:lnRef idx="2">
+            <a:schemeClr val="accent1">
+              <a:shade val="50000"/>
+            </a:schemeClr>
+          </a:lnRef>
+          <a:fillRef idx="1">
+            <a:schemeClr val="accent1"/>
+          </a:fillRef>
+          <a:effectRef idx="0">
+            <a:schemeClr val="accent1"/>
+          </a:effectRef>
+          <a:fontRef idx="minor">
+            <a:schemeClr val="lt1"/>
+          </a:fontRef>
+        </p:style>
+        <p:txBody>
+          <a:bodyPr wrap="square" rtlCol="0" anchor="ctr">
+            <a:noAutofit/>
+          </a:bodyPr>
+          <a:lstStyle/>
+          <a:p>
+            <a:pPr algn="ctr"/>
+            <a:endParaRPr lang="en-US"/>
+          </a:p>
+        </p:txBody>
+      </p:sp>
+      <p:sp>
+        <p:nvSpPr>
+          <p:cNvPr id="34" name="Freeform: Shape 33">
+            <a:extLst>
+              <a:ext uri="{FF2B5EF4-FFF2-40B4-BE49-F238E27FC236}">
+                <a16:creationId xmlns:a16="http://schemas.microsoft.com/office/drawing/2014/main" id="{22DD1B47-C36B-4A09-A1B5-80A512623C09}"/>
+              </a:ext>
+              <a:ext uri="{C183D7F6-B498-43B3-948B-1728B52AA6E4}">
+                <adec:decorative xmlns:adec="http://schemas.microsoft.com/office/drawing/2017/decorative" val="1"/>
+              </a:ext>
+            </a:extLst>
+          </p:cNvPr>
+          <p:cNvSpPr>
+            <a:spLocks noGrp="1" noRot="1" noChangeAspect="1" noMove="1" noResize="1" noEditPoints="1" noAdjustHandles="1" noChangeArrowheads="1" noChangeShapeType="1" noTextEdit="1"/>
+          </p:cNvSpPr>
+          <p:nvPr>
+            <p:extLst>
+              <p:ext uri="{386F3935-93C4-4BCD-93E2-E3B085C9AB24}">
+                <p16:designElem xmlns:p16="http://schemas.microsoft.com/office/powerpoint/2015/main" val="1"/>
+              </p:ext>
+            </p:extLst>
+          </p:nvPr>
+        </p:nvSpPr>
+        <p:spPr>
+          <a:xfrm>
+            <a:off x="11529646" y="3416839"/>
+            <a:ext cx="662355" cy="1616463"/>
+          </a:xfrm>
+          <a:custGeom>
+            <a:avLst/>
+            <a:gdLst>
+              <a:gd name="connsiteX0" fmla="*/ 662355 w 662355"/>
+              <a:gd name="connsiteY0" fmla="*/ 0 h 1616463"/>
+              <a:gd name="connsiteX1" fmla="*/ 662355 w 662355"/>
+              <a:gd name="connsiteY1" fmla="*/ 1616463 h 1616463"/>
+              <a:gd name="connsiteX2" fmla="*/ 658212 w 662355"/>
+              <a:gd name="connsiteY2" fmla="*/ 1615830 h 1616463"/>
+              <a:gd name="connsiteX3" fmla="*/ 0 w 662355"/>
+              <a:gd name="connsiteY3" fmla="*/ 808231 h 1616463"/>
+              <a:gd name="connsiteX4" fmla="*/ 658212 w 662355"/>
+              <a:gd name="connsiteY4" fmla="*/ 632 h 1616463"/>
+            </a:gdLst>
+            <a:ahLst/>
+            <a:cxnLst>
+              <a:cxn ang="0">
+                <a:pos x="connsiteX0" y="connsiteY0"/>
+              </a:cxn>
+              <a:cxn ang="0">
+                <a:pos x="connsiteX1" y="connsiteY1"/>
+              </a:cxn>
+              <a:cxn ang="0">
+                <a:pos x="connsiteX2" y="connsiteY2"/>
+              </a:cxn>
+              <a:cxn ang="0">
+                <a:pos x="connsiteX3" y="connsiteY3"/>
+              </a:cxn>
+              <a:cxn ang="0">
+                <a:pos x="connsiteX4" y="connsiteY4"/>
+              </a:cxn>
+            </a:cxnLst>
+            <a:rect l="l" t="t" r="r" b="b"/>
+            <a:pathLst>
+              <a:path w="662355" h="1616463">
+                <a:moveTo>
+                  <a:pt x="662355" y="0"/>
+                </a:moveTo>
+                <a:lnTo>
+                  <a:pt x="662355" y="1616463"/>
+                </a:lnTo>
+                <a:lnTo>
+                  <a:pt x="658212" y="1615830"/>
+                </a:lnTo>
+                <a:cubicBezTo>
+                  <a:pt x="282572" y="1538963"/>
+                  <a:pt x="0" y="1206596"/>
+                  <a:pt x="0" y="808231"/>
+                </a:cubicBezTo>
+                <a:cubicBezTo>
+                  <a:pt x="0" y="409866"/>
+                  <a:pt x="282572" y="77499"/>
+                  <a:pt x="658212" y="632"/>
+                </a:cubicBezTo>
+                <a:close/>
+              </a:path>
+            </a:pathLst>
+          </a:custGeom>
+          <a:solidFill>
+            <a:schemeClr val="accent2"/>
+          </a:solidFill>
+          <a:ln w="127000">
+            <a:noFill/>
+          </a:ln>
+        </p:spPr>
+        <p:style>
+          <a:lnRef idx="2">
+            <a:schemeClr val="accent1">
+              <a:shade val="50000"/>
+            </a:schemeClr>
+          </a:lnRef>
+          <a:fillRef idx="1">
+            <a:schemeClr val="accent1"/>
+          </a:fillRef>
+          <a:effectRef idx="0">
+            <a:schemeClr val="accent1"/>
+          </a:effectRef>
+          <a:fontRef idx="minor">
+            <a:schemeClr val="lt1"/>
+          </a:fontRef>
+        </p:style>
+        <p:txBody>
+          <a:bodyPr wrap="square" rtlCol="0" anchor="ctr">
+            <a:noAutofit/>
+          </a:bodyPr>
+          <a:lstStyle/>
+          <a:p>
+            <a:pPr algn="ctr"/>
+            <a:endParaRPr lang="en-US"/>
+          </a:p>
+        </p:txBody>
+      </p:sp>
+      <p:sp>
+        <p:nvSpPr>
+          <p:cNvPr id="36" name="Freeform: Shape 35">
+            <a:extLst>
+              <a:ext uri="{FF2B5EF4-FFF2-40B4-BE49-F238E27FC236}">
+                <a16:creationId xmlns:a16="http://schemas.microsoft.com/office/drawing/2014/main" id="{7ECD5C35-80E8-449F-8C7F-64975DE63EC1}"/>
+              </a:ext>
+              <a:ext uri="{C183D7F6-B498-43B3-948B-1728B52AA6E4}">
+                <adec:decorative xmlns:adec="http://schemas.microsoft.com/office/drawing/2017/decorative" val="1"/>
+              </a:ext>
+            </a:extLst>
+          </p:cNvPr>
+          <p:cNvSpPr>
+            <a:spLocks noGrp="1" noRot="1" noChangeAspect="1" noMove="1" noResize="1" noEditPoints="1" noAdjustHandles="1" noChangeArrowheads="1" noChangeShapeType="1" noTextEdit="1"/>
+          </p:cNvSpPr>
+          <p:nvPr>
+            <p:extLst>
+              <p:ext uri="{386F3935-93C4-4BCD-93E2-E3B085C9AB24}">
+                <p16:designElem xmlns:p16="http://schemas.microsoft.com/office/powerpoint/2015/main" val="1"/>
+              </p:ext>
+            </p:extLst>
+          </p:nvPr>
+        </p:nvSpPr>
+        <p:spPr>
+          <a:xfrm>
+            <a:off x="6542879" y="6306952"/>
+            <a:ext cx="1454378" cy="551049"/>
+          </a:xfrm>
+          <a:custGeom>
+            <a:avLst/>
+            <a:gdLst>
+              <a:gd name="connsiteX0" fmla="*/ 780476 w 1560952"/>
+              <a:gd name="connsiteY0" fmla="*/ 0 h 591429"/>
+              <a:gd name="connsiteX1" fmla="*/ 1525548 w 1560952"/>
+              <a:gd name="connsiteY1" fmla="*/ 480469 h 591429"/>
+              <a:gd name="connsiteX2" fmla="*/ 1560952 w 1560952"/>
+              <a:gd name="connsiteY2" fmla="*/ 591429 h 591429"/>
+              <a:gd name="connsiteX3" fmla="*/ 0 w 1560952"/>
+              <a:gd name="connsiteY3" fmla="*/ 591429 h 591429"/>
+              <a:gd name="connsiteX4" fmla="*/ 35404 w 1560952"/>
+              <a:gd name="connsiteY4" fmla="*/ 480469 h 591429"/>
+              <a:gd name="connsiteX5" fmla="*/ 780476 w 1560952"/>
+              <a:gd name="connsiteY5" fmla="*/ 0 h 591429"/>
+            </a:gdLst>
+            <a:ahLst/>
+            <a:cxnLst>
+              <a:cxn ang="0">
+                <a:pos x="connsiteX0" y="connsiteY0"/>
+              </a:cxn>
+              <a:cxn ang="0">
+                <a:pos x="connsiteX1" y="connsiteY1"/>
+              </a:cxn>
+              <a:cxn ang="0">
+                <a:pos x="connsiteX2" y="connsiteY2"/>
+              </a:cxn>
+              <a:cxn ang="0">
+                <a:pos x="connsiteX3" y="connsiteY3"/>
+              </a:cxn>
+              <a:cxn ang="0">
+                <a:pos x="connsiteX4" y="connsiteY4"/>
+              </a:cxn>
+              <a:cxn ang="0">
+                <a:pos x="connsiteX5" y="connsiteY5"/>
+              </a:cxn>
+            </a:cxnLst>
+            <a:rect l="l" t="t" r="r" b="b"/>
+            <a:pathLst>
+              <a:path w="1560952" h="591429">
+                <a:moveTo>
+                  <a:pt x="780476" y="0"/>
+                </a:moveTo>
+                <a:cubicBezTo>
+                  <a:pt x="1115417" y="0"/>
+                  <a:pt x="1402793" y="198118"/>
+                  <a:pt x="1525548" y="480469"/>
+                </a:cubicBezTo>
+                <a:lnTo>
+                  <a:pt x="1560952" y="591429"/>
+                </a:lnTo>
+                <a:lnTo>
+                  <a:pt x="0" y="591429"/>
+                </a:lnTo>
+                <a:lnTo>
+                  <a:pt x="35404" y="480469"/>
+                </a:lnTo>
+                <a:cubicBezTo>
+                  <a:pt x="158159" y="198118"/>
+                  <a:pt x="445536" y="0"/>
+                  <a:pt x="780476" y="0"/>
+                </a:cubicBezTo>
+                <a:close/>
+              </a:path>
+            </a:pathLst>
+          </a:custGeom>
+          <a:solidFill>
+            <a:schemeClr val="accent2"/>
           </a:solidFill>
           <a:ln>
             <a:noFill/>
@@ -9897,20 +8857,375 @@
           </a:fontRef>
         </p:style>
         <p:txBody>
-          <a:bodyPr rtlCol="0" anchor="ctr"/>
+          <a:bodyPr wrap="square" rtlCol="0" anchor="ctr">
+            <a:noAutofit/>
+          </a:bodyPr>
           <a:lstStyle/>
           <a:p>
             <a:pPr algn="ctr"/>
-            <a:endParaRPr lang="en-US"/>
+            <a:endParaRPr lang="en-US" dirty="0"/>
           </a:p>
         </p:txBody>
       </p:sp>
       <p:sp>
         <p:nvSpPr>
-          <p:cNvPr id="15" name="Rectangle 14">
+          <p:cNvPr id="38" name="Freeform: Shape 37">
             <a:extLst>
               <a:ext uri="{FF2B5EF4-FFF2-40B4-BE49-F238E27FC236}">
-                <a16:creationId xmlns:a16="http://schemas.microsoft.com/office/drawing/2014/main" id="{C53E2C7F-F4FF-A94D-ACAE-82823EC88FEC}"/>
+                <a16:creationId xmlns:a16="http://schemas.microsoft.com/office/drawing/2014/main" id="{B998F233-1684-4EF1-9F9C-0F8EA27B0B7E}"/>
+              </a:ext>
+              <a:ext uri="{C183D7F6-B498-43B3-948B-1728B52AA6E4}">
+                <adec:decorative xmlns:adec="http://schemas.microsoft.com/office/drawing/2017/decorative" val="1"/>
+              </a:ext>
+            </a:extLst>
+          </p:cNvPr>
+          <p:cNvSpPr>
+            <a:spLocks noGrp="1" noRot="1" noChangeAspect="1" noMove="1" noResize="1" noEditPoints="1" noAdjustHandles="1" noChangeArrowheads="1" noChangeShapeType="1" noTextEdit="1"/>
+          </p:cNvSpPr>
+          <p:nvPr>
+            <p:extLst>
+              <p:ext uri="{386F3935-93C4-4BCD-93E2-E3B085C9AB24}">
+                <p16:designElem xmlns:p16="http://schemas.microsoft.com/office/powerpoint/2015/main" val="1"/>
+              </p:ext>
+            </p:extLst>
+          </p:nvPr>
+        </p:nvSpPr>
+        <p:spPr>
+          <a:xfrm rot="21261598">
+            <a:off x="6908614" y="5665643"/>
+            <a:ext cx="1780023" cy="1237913"/>
+          </a:xfrm>
+          <a:custGeom>
+            <a:avLst/>
+            <a:gdLst>
+              <a:gd name="connsiteX0" fmla="*/ 1585229 w 1780023"/>
+              <a:gd name="connsiteY0" fmla="*/ 764759 h 1237913"/>
+              <a:gd name="connsiteX1" fmla="*/ 1623024 w 1780023"/>
+              <a:gd name="connsiteY1" fmla="*/ 792810 h 1237913"/>
+              <a:gd name="connsiteX2" fmla="*/ 1777614 w 1780023"/>
+              <a:gd name="connsiteY2" fmla="*/ 1157141 h 1237913"/>
+              <a:gd name="connsiteX3" fmla="*/ 1733799 w 1780023"/>
+              <a:gd name="connsiteY3" fmla="*/ 1235532 h 1237913"/>
+              <a:gd name="connsiteX4" fmla="*/ 1716464 w 1780023"/>
+              <a:gd name="connsiteY4" fmla="*/ 1237722 h 1237913"/>
+              <a:gd name="connsiteX5" fmla="*/ 1716464 w 1780023"/>
+              <a:gd name="connsiteY5" fmla="*/ 1237913 h 1237913"/>
+              <a:gd name="connsiteX6" fmla="*/ 1655409 w 1780023"/>
+              <a:gd name="connsiteY6" fmla="*/ 1191717 h 1237913"/>
+              <a:gd name="connsiteX7" fmla="*/ 1513200 w 1780023"/>
+              <a:gd name="connsiteY7" fmla="*/ 856627 h 1237913"/>
+              <a:gd name="connsiteX8" fmla="*/ 1538499 w 1780023"/>
+              <a:gd name="connsiteY8" fmla="*/ 770415 h 1237913"/>
+              <a:gd name="connsiteX9" fmla="*/ 1585229 w 1780023"/>
+              <a:gd name="connsiteY9" fmla="*/ 764759 h 1237913"/>
+              <a:gd name="connsiteX10" fmla="*/ 933455 w 1780023"/>
+              <a:gd name="connsiteY10" fmla="*/ 161308 h 1237913"/>
+              <a:gd name="connsiteX11" fmla="*/ 957797 w 1780023"/>
+              <a:gd name="connsiteY11" fmla="*/ 167970 h 1237913"/>
+              <a:gd name="connsiteX12" fmla="*/ 1286982 w 1780023"/>
+              <a:gd name="connsiteY12" fmla="*/ 387616 h 1237913"/>
+              <a:gd name="connsiteX13" fmla="*/ 1293725 w 1780023"/>
+              <a:gd name="connsiteY13" fmla="*/ 477075 h 1237913"/>
+              <a:gd name="connsiteX14" fmla="*/ 1245453 w 1780023"/>
+              <a:gd name="connsiteY14" fmla="*/ 499154 h 1237913"/>
+              <a:gd name="connsiteX15" fmla="*/ 1245167 w 1780023"/>
+              <a:gd name="connsiteY15" fmla="*/ 499154 h 1237913"/>
+              <a:gd name="connsiteX16" fmla="*/ 1203638 w 1780023"/>
+              <a:gd name="connsiteY16" fmla="*/ 484104 h 1237913"/>
+              <a:gd name="connsiteX17" fmla="*/ 900647 w 1780023"/>
+              <a:gd name="connsiteY17" fmla="*/ 281508 h 1237913"/>
+              <a:gd name="connsiteX18" fmla="*/ 872454 w 1780023"/>
+              <a:gd name="connsiteY18" fmla="*/ 196164 h 1237913"/>
+              <a:gd name="connsiteX19" fmla="*/ 933455 w 1780023"/>
+              <a:gd name="connsiteY19" fmla="*/ 161308 h 1237913"/>
+              <a:gd name="connsiteX20" fmla="*/ 454020 w 1780023"/>
+              <a:gd name="connsiteY20" fmla="*/ 13474 h 1237913"/>
+              <a:gd name="connsiteX21" fmla="*/ 477919 w 1780023"/>
+              <a:gd name="connsiteY21" fmla="*/ 21437 h 1237913"/>
+              <a:gd name="connsiteX22" fmla="*/ 509236 w 1780023"/>
+              <a:gd name="connsiteY22" fmla="*/ 84182 h 1237913"/>
+              <a:gd name="connsiteX23" fmla="*/ 445829 w 1780023"/>
+              <a:gd name="connsiteY23" fmla="*/ 139871 h 1237913"/>
+              <a:gd name="connsiteX24" fmla="*/ 437447 w 1780023"/>
+              <a:gd name="connsiteY24" fmla="*/ 139395 h 1237913"/>
+              <a:gd name="connsiteX25" fmla="*/ 73211 w 1780023"/>
+              <a:gd name="connsiteY25" fmla="*/ 137204 h 1237913"/>
+              <a:gd name="connsiteX26" fmla="*/ 749 w 1780023"/>
+              <a:gd name="connsiteY26" fmla="*/ 84082 h 1237913"/>
+              <a:gd name="connsiteX27" fmla="*/ 53871 w 1780023"/>
+              <a:gd name="connsiteY27" fmla="*/ 11621 h 1237913"/>
+              <a:gd name="connsiteX28" fmla="*/ 58352 w 1780023"/>
+              <a:gd name="connsiteY28" fmla="*/ 11093 h 1237913"/>
+              <a:gd name="connsiteX29" fmla="*/ 454020 w 1780023"/>
+              <a:gd name="connsiteY29" fmla="*/ 13474 h 1237913"/>
+            </a:gdLst>
+            <a:ahLst/>
+            <a:cxnLst>
+              <a:cxn ang="0">
+                <a:pos x="connsiteX0" y="connsiteY0"/>
+              </a:cxn>
+              <a:cxn ang="0">
+                <a:pos x="connsiteX1" y="connsiteY1"/>
+              </a:cxn>
+              <a:cxn ang="0">
+                <a:pos x="connsiteX2" y="connsiteY2"/>
+              </a:cxn>
+              <a:cxn ang="0">
+                <a:pos x="connsiteX3" y="connsiteY3"/>
+              </a:cxn>
+              <a:cxn ang="0">
+                <a:pos x="connsiteX4" y="connsiteY4"/>
+              </a:cxn>
+              <a:cxn ang="0">
+                <a:pos x="connsiteX5" y="connsiteY5"/>
+              </a:cxn>
+              <a:cxn ang="0">
+                <a:pos x="connsiteX6" y="connsiteY6"/>
+              </a:cxn>
+              <a:cxn ang="0">
+                <a:pos x="connsiteX7" y="connsiteY7"/>
+              </a:cxn>
+              <a:cxn ang="0">
+                <a:pos x="connsiteX8" y="connsiteY8"/>
+              </a:cxn>
+              <a:cxn ang="0">
+                <a:pos x="connsiteX9" y="connsiteY9"/>
+              </a:cxn>
+              <a:cxn ang="0">
+                <a:pos x="connsiteX10" y="connsiteY10"/>
+              </a:cxn>
+              <a:cxn ang="0">
+                <a:pos x="connsiteX11" y="connsiteY11"/>
+              </a:cxn>
+              <a:cxn ang="0">
+                <a:pos x="connsiteX12" y="connsiteY12"/>
+              </a:cxn>
+              <a:cxn ang="0">
+                <a:pos x="connsiteX13" y="connsiteY13"/>
+              </a:cxn>
+              <a:cxn ang="0">
+                <a:pos x="connsiteX14" y="connsiteY14"/>
+              </a:cxn>
+              <a:cxn ang="0">
+                <a:pos x="connsiteX15" y="connsiteY15"/>
+              </a:cxn>
+              <a:cxn ang="0">
+                <a:pos x="connsiteX16" y="connsiteY16"/>
+              </a:cxn>
+              <a:cxn ang="0">
+                <a:pos x="connsiteX17" y="connsiteY17"/>
+              </a:cxn>
+              <a:cxn ang="0">
+                <a:pos x="connsiteX18" y="connsiteY18"/>
+              </a:cxn>
+              <a:cxn ang="0">
+                <a:pos x="connsiteX19" y="connsiteY19"/>
+              </a:cxn>
+              <a:cxn ang="0">
+                <a:pos x="connsiteX20" y="connsiteY20"/>
+              </a:cxn>
+              <a:cxn ang="0">
+                <a:pos x="connsiteX21" y="connsiteY21"/>
+              </a:cxn>
+              <a:cxn ang="0">
+                <a:pos x="connsiteX22" y="connsiteY22"/>
+              </a:cxn>
+              <a:cxn ang="0">
+                <a:pos x="connsiteX23" y="connsiteY23"/>
+              </a:cxn>
+              <a:cxn ang="0">
+                <a:pos x="connsiteX24" y="connsiteY24"/>
+              </a:cxn>
+              <a:cxn ang="0">
+                <a:pos x="connsiteX25" y="connsiteY25"/>
+              </a:cxn>
+              <a:cxn ang="0">
+                <a:pos x="connsiteX26" y="connsiteY26"/>
+              </a:cxn>
+              <a:cxn ang="0">
+                <a:pos x="connsiteX27" y="connsiteY27"/>
+              </a:cxn>
+              <a:cxn ang="0">
+                <a:pos x="connsiteX28" y="connsiteY28"/>
+              </a:cxn>
+              <a:cxn ang="0">
+                <a:pos x="connsiteX29" y="connsiteY29"/>
+              </a:cxn>
+            </a:cxnLst>
+            <a:rect l="l" t="t" r="r" b="b"/>
+            <a:pathLst>
+              <a:path w="1780023" h="1237913">
+                <a:moveTo>
+                  <a:pt x="1585229" y="764759"/>
+                </a:moveTo>
+                <a:cubicBezTo>
+                  <a:pt x="1600438" y="768789"/>
+                  <a:pt x="1614156" y="778436"/>
+                  <a:pt x="1623024" y="792810"/>
+                </a:cubicBezTo>
+                <a:cubicBezTo>
+                  <a:pt x="1689575" y="907319"/>
+                  <a:pt x="1741505" y="1029715"/>
+                  <a:pt x="1777614" y="1157141"/>
+                </a:cubicBezTo>
+                <a:cubicBezTo>
+                  <a:pt x="1787149" y="1190888"/>
+                  <a:pt x="1767537" y="1225969"/>
+                  <a:pt x="1733799" y="1235532"/>
+                </a:cubicBezTo>
+                <a:cubicBezTo>
+                  <a:pt x="1728151" y="1237046"/>
+                  <a:pt x="1722312" y="1237780"/>
+                  <a:pt x="1716464" y="1237722"/>
+                </a:cubicBezTo>
+                <a:lnTo>
+                  <a:pt x="1716464" y="1237913"/>
+                </a:lnTo>
+                <a:cubicBezTo>
+                  <a:pt x="1688070" y="1237913"/>
+                  <a:pt x="1663124" y="1219044"/>
+                  <a:pt x="1655409" y="1191717"/>
+                </a:cubicBezTo>
+                <a:cubicBezTo>
+                  <a:pt x="1622214" y="1074512"/>
+                  <a:pt x="1574437" y="961936"/>
+                  <a:pt x="1513200" y="856627"/>
+                </a:cubicBezTo>
+                <a:cubicBezTo>
+                  <a:pt x="1496379" y="825834"/>
+                  <a:pt x="1507704" y="787236"/>
+                  <a:pt x="1538499" y="770415"/>
+                </a:cubicBezTo>
+                <a:cubicBezTo>
+                  <a:pt x="1553325" y="762319"/>
+                  <a:pt x="1570022" y="760730"/>
+                  <a:pt x="1585229" y="764759"/>
+                </a:cubicBezTo>
+                <a:close/>
+                <a:moveTo>
+                  <a:pt x="933455" y="161308"/>
+                </a:moveTo>
+                <a:cubicBezTo>
+                  <a:pt x="941692" y="161854"/>
+                  <a:pt x="949959" y="164024"/>
+                  <a:pt x="957797" y="167970"/>
+                </a:cubicBezTo>
+                <a:cubicBezTo>
+                  <a:pt x="1076184" y="227289"/>
+                  <a:pt x="1186759" y="301068"/>
+                  <a:pt x="1286982" y="387616"/>
+                </a:cubicBezTo>
+                <a:cubicBezTo>
+                  <a:pt x="1313547" y="410457"/>
+                  <a:pt x="1316566" y="450510"/>
+                  <a:pt x="1293725" y="477075"/>
+                </a:cubicBezTo>
+                <a:cubicBezTo>
+                  <a:pt x="1281638" y="491137"/>
+                  <a:pt x="1263998" y="499204"/>
+                  <a:pt x="1245453" y="499154"/>
+                </a:cubicBezTo>
+                <a:lnTo>
+                  <a:pt x="1245167" y="499154"/>
+                </a:lnTo>
+                <a:cubicBezTo>
+                  <a:pt x="1229965" y="499301"/>
+                  <a:pt x="1215220" y="493956"/>
+                  <a:pt x="1203638" y="484104"/>
+                </a:cubicBezTo>
+                <a:cubicBezTo>
+                  <a:pt x="1111407" y="404300"/>
+                  <a:pt x="1009633" y="336248"/>
+                  <a:pt x="900647" y="281508"/>
+                </a:cubicBezTo>
+                <a:cubicBezTo>
+                  <a:pt x="869295" y="265726"/>
+                  <a:pt x="856672" y="227516"/>
+                  <a:pt x="872454" y="196164"/>
+                </a:cubicBezTo>
+                <a:cubicBezTo>
+                  <a:pt x="884290" y="172649"/>
+                  <a:pt x="908742" y="159670"/>
+                  <a:pt x="933455" y="161308"/>
+                </a:cubicBezTo>
+                <a:close/>
+                <a:moveTo>
+                  <a:pt x="454020" y="13474"/>
+                </a:moveTo>
+                <a:cubicBezTo>
+                  <a:pt x="462713" y="14543"/>
+                  <a:pt x="470778" y="17324"/>
+                  <a:pt x="477919" y="21437"/>
+                </a:cubicBezTo>
+                <a:cubicBezTo>
+                  <a:pt x="499341" y="33775"/>
+                  <a:pt x="512445" y="58102"/>
+                  <a:pt x="509236" y="84182"/>
+                </a:cubicBezTo>
+                <a:cubicBezTo>
+                  <a:pt x="505303" y="116151"/>
+                  <a:pt x="478038" y="140098"/>
+                  <a:pt x="445829" y="139871"/>
+                </a:cubicBezTo>
+                <a:cubicBezTo>
+                  <a:pt x="443027" y="139899"/>
+                  <a:pt x="440227" y="139740"/>
+                  <a:pt x="437447" y="139395"/>
+                </a:cubicBezTo>
+                <a:cubicBezTo>
+                  <a:pt x="316592" y="123615"/>
+                  <a:pt x="194247" y="122878"/>
+                  <a:pt x="73211" y="137204"/>
+                </a:cubicBezTo>
+                <a:cubicBezTo>
+                  <a:pt x="38532" y="142545"/>
+                  <a:pt x="6090" y="118762"/>
+                  <a:pt x="749" y="84082"/>
+                </a:cubicBezTo>
+                <a:cubicBezTo>
+                  <a:pt x="-4591" y="49403"/>
+                  <a:pt x="19192" y="16961"/>
+                  <a:pt x="53871" y="11621"/>
+                </a:cubicBezTo>
+                <a:cubicBezTo>
+                  <a:pt x="55358" y="11392"/>
+                  <a:pt x="56852" y="11216"/>
+                  <a:pt x="58352" y="11093"/>
+                </a:cubicBezTo>
+                <a:cubicBezTo>
+                  <a:pt x="189834" y="-4456"/>
+                  <a:pt x="322735" y="-3656"/>
+                  <a:pt x="454020" y="13474"/>
+                </a:cubicBezTo>
+                <a:close/>
+              </a:path>
+            </a:pathLst>
+          </a:custGeom>
+          <a:solidFill>
+            <a:schemeClr val="accent4"/>
+          </a:solidFill>
+          <a:ln w="9525" cap="flat">
+            <a:noFill/>
+            <a:prstDash val="solid"/>
+            <a:miter/>
+          </a:ln>
+        </p:spPr>
+        <p:txBody>
+          <a:bodyPr wrap="square" rtlCol="0" anchor="ctr">
+            <a:noAutofit/>
+          </a:bodyPr>
+          <a:lstStyle/>
+          <a:p>
+            <a:endParaRPr lang="en-US"/>
+          </a:p>
+        </p:txBody>
+      </p:sp>
+      <p:sp>
+        <p:nvSpPr>
+          <p:cNvPr id="40" name="Freeform: Shape 39">
+            <a:extLst>
+              <a:ext uri="{FF2B5EF4-FFF2-40B4-BE49-F238E27FC236}">
+                <a16:creationId xmlns:a16="http://schemas.microsoft.com/office/drawing/2014/main" id="{1A4A4089-D056-4220-9E48-9C1A6B506789}"/>
               </a:ext>
               <a:ext uri="{C183D7F6-B498-43B3-948B-1728B52AA6E4}">
                 <adec:decorative xmlns:adec="http://schemas.microsoft.com/office/drawing/2017/decorative" val="1"/>
@@ -9930,111 +9245,103 @@
         </p:nvSpPr>
         <p:spPr>
           <a:xfrm>
-            <a:off x="9881559" y="976630"/>
-            <a:ext cx="1336774" cy="120142"/>
+            <a:off x="9833358" y="5835650"/>
+            <a:ext cx="2358642" cy="1022351"/>
           </a:xfrm>
-          <a:prstGeom prst="rect">
+          <a:custGeom>
             <a:avLst/>
-          </a:prstGeom>
+            <a:gdLst>
+              <a:gd name="connsiteX0" fmla="*/ 61913 w 2358642"/>
+              <a:gd name="connsiteY0" fmla="*/ 0 h 1022351"/>
+              <a:gd name="connsiteX1" fmla="*/ 2358642 w 2358642"/>
+              <a:gd name="connsiteY1" fmla="*/ 0 h 1022351"/>
+              <a:gd name="connsiteX2" fmla="*/ 2358642 w 2358642"/>
+              <a:gd name="connsiteY2" fmla="*/ 123825 h 1022351"/>
+              <a:gd name="connsiteX3" fmla="*/ 123825 w 2358642"/>
+              <a:gd name="connsiteY3" fmla="*/ 123825 h 1022351"/>
+              <a:gd name="connsiteX4" fmla="*/ 123825 w 2358642"/>
+              <a:gd name="connsiteY4" fmla="*/ 1022351 h 1022351"/>
+              <a:gd name="connsiteX5" fmla="*/ 0 w 2358642"/>
+              <a:gd name="connsiteY5" fmla="*/ 1022351 h 1022351"/>
+              <a:gd name="connsiteX6" fmla="*/ 0 w 2358642"/>
+              <a:gd name="connsiteY6" fmla="*/ 61913 h 1022351"/>
+              <a:gd name="connsiteX7" fmla="*/ 61913 w 2358642"/>
+              <a:gd name="connsiteY7" fmla="*/ 0 h 1022351"/>
+            </a:gdLst>
+            <a:ahLst/>
+            <a:cxnLst>
+              <a:cxn ang="0">
+                <a:pos x="connsiteX0" y="connsiteY0"/>
+              </a:cxn>
+              <a:cxn ang="0">
+                <a:pos x="connsiteX1" y="connsiteY1"/>
+              </a:cxn>
+              <a:cxn ang="0">
+                <a:pos x="connsiteX2" y="connsiteY2"/>
+              </a:cxn>
+              <a:cxn ang="0">
+                <a:pos x="connsiteX3" y="connsiteY3"/>
+              </a:cxn>
+              <a:cxn ang="0">
+                <a:pos x="connsiteX4" y="connsiteY4"/>
+              </a:cxn>
+              <a:cxn ang="0">
+                <a:pos x="connsiteX5" y="connsiteY5"/>
+              </a:cxn>
+              <a:cxn ang="0">
+                <a:pos x="connsiteX6" y="connsiteY6"/>
+              </a:cxn>
+              <a:cxn ang="0">
+                <a:pos x="connsiteX7" y="connsiteY7"/>
+              </a:cxn>
+            </a:cxnLst>
+            <a:rect l="l" t="t" r="r" b="b"/>
+            <a:pathLst>
+              <a:path w="2358642" h="1022351">
+                <a:moveTo>
+                  <a:pt x="61913" y="0"/>
+                </a:moveTo>
+                <a:lnTo>
+                  <a:pt x="2358642" y="0"/>
+                </a:lnTo>
+                <a:lnTo>
+                  <a:pt x="2358642" y="123825"/>
+                </a:lnTo>
+                <a:lnTo>
+                  <a:pt x="123825" y="123825"/>
+                </a:lnTo>
+                <a:lnTo>
+                  <a:pt x="123825" y="1022351"/>
+                </a:lnTo>
+                <a:lnTo>
+                  <a:pt x="0" y="1022351"/>
+                </a:lnTo>
+                <a:lnTo>
+                  <a:pt x="0" y="61913"/>
+                </a:lnTo>
+                <a:cubicBezTo>
+                  <a:pt x="0" y="27719"/>
+                  <a:pt x="27719" y="0"/>
+                  <a:pt x="61913" y="0"/>
+                </a:cubicBezTo>
+                <a:close/>
+              </a:path>
+            </a:pathLst>
+          </a:custGeom>
           <a:solidFill>
-            <a:schemeClr val="tx1"/>
+            <a:schemeClr val="accent6"/>
           </a:solidFill>
-          <a:ln>
+          <a:ln w="9525" cap="flat">
             <a:noFill/>
+            <a:prstDash val="solid"/>
+            <a:miter/>
           </a:ln>
         </p:spPr>
-        <p:style>
-          <a:lnRef idx="2">
-            <a:schemeClr val="accent1">
-              <a:shade val="50000"/>
-            </a:schemeClr>
-          </a:lnRef>
-          <a:fillRef idx="1">
-            <a:schemeClr val="accent1"/>
-          </a:fillRef>
-          <a:effectRef idx="0">
-            <a:schemeClr val="accent1"/>
-          </a:effectRef>
-          <a:fontRef idx="minor">
-            <a:schemeClr val="lt1"/>
-          </a:fontRef>
-        </p:style>
         <p:txBody>
           <a:bodyPr rtlCol="0" anchor="ctr"/>
           <a:lstStyle/>
           <a:p>
-            <a:pPr algn="ctr"/>
             <a:endParaRPr lang="en-US"/>
-          </a:p>
-        </p:txBody>
-      </p:sp>
-      <p:sp>
-        <p:nvSpPr>
-          <p:cNvPr id="2" name="Title 1">
-            <a:extLst>
-              <a:ext uri="{FF2B5EF4-FFF2-40B4-BE49-F238E27FC236}">
-                <a16:creationId xmlns:a16="http://schemas.microsoft.com/office/drawing/2014/main" id="{EBE360D6-DFDE-E6F9-F9DE-A3E445A04475}"/>
-              </a:ext>
-            </a:extLst>
-          </p:cNvPr>
-          <p:cNvSpPr>
-            <a:spLocks noGrp="1"/>
-          </p:cNvSpPr>
-          <p:nvPr>
-            <p:ph type="ctrTitle"/>
-          </p:nvPr>
-        </p:nvSpPr>
-        <p:spPr>
-          <a:xfrm>
-            <a:off x="797105" y="1625608"/>
-            <a:ext cx="9545403" cy="2722164"/>
-          </a:xfrm>
-        </p:spPr>
-        <p:txBody>
-          <a:bodyPr>
-            <a:normAutofit fontScale="90000"/>
-          </a:bodyPr>
-          <a:lstStyle/>
-          <a:p>
-            <a:r>
-              <a:rPr lang="en-KZ" dirty="0"/>
-              <a:t>CYCLISTIC BIKE SHARE ANALYSIS CASE STUDY</a:t>
-            </a:r>
-          </a:p>
-        </p:txBody>
-      </p:sp>
-      <p:sp>
-        <p:nvSpPr>
-          <p:cNvPr id="3" name="Subtitle 2">
-            <a:extLst>
-              <a:ext uri="{FF2B5EF4-FFF2-40B4-BE49-F238E27FC236}">
-                <a16:creationId xmlns:a16="http://schemas.microsoft.com/office/drawing/2014/main" id="{914DCFEB-0B04-85AC-89BB-96FDBDB492B0}"/>
-              </a:ext>
-            </a:extLst>
-          </p:cNvPr>
-          <p:cNvSpPr>
-            <a:spLocks noGrp="1"/>
-          </p:cNvSpPr>
-          <p:nvPr>
-            <p:ph type="subTitle" idx="1"/>
-          </p:nvPr>
-        </p:nvSpPr>
-        <p:spPr>
-          <a:xfrm>
-            <a:off x="797105" y="4466845"/>
-            <a:ext cx="6696951" cy="882904"/>
-          </a:xfrm>
-        </p:spPr>
-        <p:txBody>
-          <a:bodyPr>
-            <a:normAutofit/>
-          </a:bodyPr>
-          <a:lstStyle/>
-          <a:p>
-            <a:r>
-              <a:rPr lang="en-KZ" dirty="0"/>
-              <a:t>SHARE AND ACT PHASE</a:t>
-            </a:r>
           </a:p>
         </p:txBody>
       </p:sp>
@@ -10046,7 +9353,7 @@
     </p:extLst>
   </p:cSld>
   <p:clrMapOvr>
-    <a:overrideClrMapping bg1="dk1" tx1="lt1" bg2="dk2" tx2="lt2" accent1="accent1" accent2="accent2" accent3="accent3" accent4="accent4" accent5="accent5" accent6="accent6" hlink="hlink" folHlink="folHlink"/>
+    <a:masterClrMapping/>
   </p:clrMapOvr>
 </p:sld>
 </file>
@@ -10497,7 +9804,7 @@
           <a:lstStyle/>
           <a:p>
             <a:r>
-              <a:rPr lang="en-US" sz="4000" b="1" dirty="0"/>
+              <a:rPr lang="en-US" sz="3600" b="1" dirty="0"/>
               <a:t>Share:</a:t>
             </a:r>
           </a:p>
@@ -10511,7 +9818,7 @@
             <a:endParaRPr lang="en-US" b="1" dirty="0"/>
           </a:p>
           <a:p>
-            <a:pPr>
+            <a:pPr marL="285750" indent="-285750">
               <a:lnSpc>
                 <a:spcPct val="150000"/>
               </a:lnSpc>
@@ -10520,11 +9827,11 @@
             </a:pPr>
             <a:r>
               <a:rPr lang="en-US" dirty="0"/>
-              <a:t>In general, 59.7% of riders are members, and 40.3% of riders are casual users.</a:t>
-            </a:r>
-          </a:p>
-          <a:p>
-            <a:pPr>
+              <a:t> In general, 59.7% of riders are members, and 40.3% of riders are casual users.</a:t>
+            </a:r>
+          </a:p>
+          <a:p>
+            <a:pPr marL="285750" indent="-285750">
               <a:lnSpc>
                 <a:spcPct val="150000"/>
               </a:lnSpc>
@@ -10537,7 +9844,7 @@
             </a:r>
           </a:p>
           <a:p>
-            <a:pPr>
+            <a:pPr marL="285750" indent="-285750">
               <a:lnSpc>
                 <a:spcPct val="150000"/>
               </a:lnSpc>
@@ -10546,11 +9853,11 @@
             </a:pPr>
             <a:r>
               <a:rPr lang="en-US" dirty="0"/>
-              <a:t>For both user types the majority of rides fall into first two categories: "&lt;12 min" and "12-20 min"</a:t>
-            </a:r>
-          </a:p>
-          <a:p>
-            <a:pPr>
+              <a:t>For both user types the majority of rides fall into first two categories: "&lt;12 min" and "12-20 min“</a:t>
+            </a:r>
+          </a:p>
+          <a:p>
+            <a:pPr marL="285750" indent="-285750">
               <a:lnSpc>
                 <a:spcPct val="150000"/>
               </a:lnSpc>
@@ -10563,7 +9870,7 @@
             </a:r>
           </a:p>
           <a:p>
-            <a:pPr>
+            <a:pPr marL="285750" indent="-285750">
               <a:lnSpc>
                 <a:spcPct val="150000"/>
               </a:lnSpc>
@@ -10576,7 +9883,7 @@
             </a:r>
           </a:p>
           <a:p>
-            <a:pPr>
+            <a:pPr marL="285750" indent="-285750">
               <a:lnSpc>
                 <a:spcPct val="150000"/>
               </a:lnSpc>
@@ -10589,7 +9896,7 @@
             </a:r>
           </a:p>
           <a:p>
-            <a:pPr>
+            <a:pPr marL="285750" indent="-285750">
               <a:lnSpc>
                 <a:spcPct val="150000"/>
               </a:lnSpc>
@@ -10651,7 +9958,7 @@
         <p:spPr>
           <a:xfrm>
             <a:off x="667264" y="797510"/>
-            <a:ext cx="10614454" cy="5539978"/>
+            <a:ext cx="10614454" cy="5816977"/>
           </a:xfrm>
           <a:prstGeom prst="rect">
             <a:avLst/>
@@ -10682,7 +9989,7 @@
             <a:endParaRPr lang="en-US" dirty="0"/>
           </a:p>
           <a:p>
-            <a:pPr>
+            <a:pPr marL="285750" indent="-285750">
               <a:buFont typeface="Arial" panose="020B0604020202020204" pitchFamily="34" charset="0"/>
               <a:buChar char="•"/>
             </a:pPr>
@@ -10692,7 +9999,7 @@
             </a:r>
           </a:p>
           <a:p>
-            <a:pPr>
+            <a:pPr marL="285750" indent="-285750">
               <a:buFont typeface="Arial" panose="020B0604020202020204" pitchFamily="34" charset="0"/>
               <a:buChar char="•"/>
             </a:pPr>
@@ -10702,7 +10009,7 @@
             </a:r>
           </a:p>
           <a:p>
-            <a:pPr>
+            <a:pPr marL="285750" indent="-285750">
               <a:buFont typeface="Arial" panose="020B0604020202020204" pitchFamily="34" charset="0"/>
               <a:buChar char="•"/>
             </a:pPr>
@@ -10712,7 +10019,7 @@
             </a:r>
           </a:p>
           <a:p>
-            <a:pPr>
+            <a:pPr marL="285750" indent="-285750">
               <a:buFont typeface="Arial" panose="020B0604020202020204" pitchFamily="34" charset="0"/>
               <a:buChar char="•"/>
             </a:pPr>
@@ -10722,7 +10029,7 @@
             </a:r>
           </a:p>
           <a:p>
-            <a:pPr>
+            <a:pPr marL="285750" indent="-285750">
               <a:buFont typeface="Arial" panose="020B0604020202020204" pitchFamily="34" charset="0"/>
               <a:buChar char="•"/>
             </a:pPr>
@@ -10742,7 +10049,10 @@
             </a:r>
           </a:p>
           <a:p>
-            <a:pPr>
+            <a:endParaRPr lang="en-US" dirty="0"/>
+          </a:p>
+          <a:p>
+            <a:pPr marL="285750" indent="-285750">
               <a:buFont typeface="Arial" panose="020B0604020202020204" pitchFamily="34" charset="0"/>
               <a:buChar char="•"/>
             </a:pPr>
@@ -10840,8 +10150,8 @@
         </p:nvSpPr>
         <p:spPr>
           <a:xfrm>
-            <a:off x="488091" y="234054"/>
-            <a:ext cx="11215817" cy="6740307"/>
+            <a:off x="488091" y="0"/>
+            <a:ext cx="11215817" cy="7048083"/>
           </a:xfrm>
           <a:prstGeom prst="rect">
             <a:avLst/>
@@ -10875,72 +10185,113 @@
             </a:r>
           </a:p>
           <a:p>
-            <a:pPr>
+            <a:endParaRPr lang="en-US" dirty="0"/>
+          </a:p>
+          <a:p>
+            <a:pPr marL="285750" indent="-285750">
               <a:buFont typeface="Arial" panose="020B0604020202020204" pitchFamily="34" charset="0"/>
               <a:buChar char="•"/>
             </a:pPr>
             <a:r>
               <a:rPr lang="en-US" dirty="0"/>
-              <a:t> Market around pricing for the peak hours, days of the week and season:</a:t>
-            </a:r>
-          </a:p>
-          <a:p>
-            <a:pPr lvl="1"/>
+              <a:t> </a:t>
+            </a:r>
+            <a:r>
+              <a:rPr lang="en-US" dirty="0">
+                <a:highlight>
+                  <a:srgbClr val="FFFF00"/>
+                </a:highlight>
+              </a:rPr>
+              <a:t>Market around pricing for the peak hours, days of the week and season</a:t>
+            </a:r>
             <a:r>
               <a:rPr lang="en-US" dirty="0"/>
-              <a:t>Offer special rates, membership subscriptions, or loyalty program for mid morning through afternoon     hours (peak hours for casual riders), weekends (Saturday and Sunday), and for the summer months.</a:t>
-            </a:r>
-          </a:p>
-          <a:p>
-            <a:pPr>
+              <a:t>:</a:t>
+            </a:r>
+          </a:p>
+          <a:p>
+            <a:pPr marL="742950" lvl="1" indent="-285750">
               <a:buFont typeface="Arial" panose="020B0604020202020204" pitchFamily="34" charset="0"/>
               <a:buChar char="•"/>
             </a:pPr>
             <a:r>
               <a:rPr lang="en-US" dirty="0"/>
-              <a:t> Consider which bike stations are used the most and in what areas are they situated:</a:t>
-            </a:r>
-          </a:p>
-          <a:p>
-            <a:pPr lvl="1"/>
-            <a:r>
-              <a:rPr lang="en-US" dirty="0"/>
-              <a:t>Members take the most rides during morning and evening hours, and the most popular start station is        situated near the University of Chicago, which suggest that membership is used the most by university students and staff. It would be beneficial to start a marketing campaign targeting this area. For example, offer a reward for recruiting a friend to ride to work or school.</a:t>
-            </a:r>
-          </a:p>
-          <a:p>
-            <a:pPr lvl="1"/>
-            <a:r>
-              <a:rPr lang="en-US" dirty="0"/>
-              <a:t>Market to people whose home area and daily travel needs likely align well with your bike system. Focusing on dense and walkable areas, partnering with schools and companies.</a:t>
-            </a:r>
-          </a:p>
-          <a:p>
-            <a:pPr lvl="1"/>
-            <a:r>
-              <a:rPr lang="en-US" dirty="0"/>
-              <a:t>Offer special discounts, day passes around the places of leisure, nature and tourist attractions, as the analysis suggests that casual users are more prone to take a bike near parks, lakes, beaches etc.</a:t>
-            </a:r>
-          </a:p>
-          <a:p>
-            <a:pPr>
+              <a:t>Offer special rates, membership subscriptions, or loyalty program for mid morning through afternoon     hours (peak hours for casual riders), weekends (Saturday and Sunday), and for the summer months.</a:t>
+            </a:r>
+          </a:p>
+          <a:p>
+            <a:pPr marL="285750" indent="-285750">
               <a:buFont typeface="Arial" panose="020B0604020202020204" pitchFamily="34" charset="0"/>
               <a:buChar char="•"/>
             </a:pPr>
             <a:r>
+              <a:rPr lang="en-US" dirty="0">
+                <a:highlight>
+                  <a:srgbClr val="FFFF00"/>
+                </a:highlight>
+              </a:rPr>
+              <a:t> Consider which bike stations are used the most and in what areas are they situated:</a:t>
+            </a:r>
+          </a:p>
+          <a:p>
+            <a:pPr marL="742950" lvl="1" indent="-285750">
+              <a:buFont typeface="Arial" panose="020B0604020202020204" pitchFamily="34" charset="0"/>
+              <a:buChar char="•"/>
+            </a:pPr>
+            <a:r>
               <a:rPr lang="en-US" dirty="0"/>
+              <a:t>Members take the most rides during morning and evening hours, and the most popular start station is        situated near the University of Chicago, which suggest that membership is used the most by university students and staff. It would be beneficial to start a marketing campaign targeting this area. For example, offer a reward for recruiting a friend to ride to work or school.</a:t>
+            </a:r>
+          </a:p>
+          <a:p>
+            <a:pPr marL="742950" lvl="1" indent="-285750">
+              <a:buFont typeface="Arial" panose="020B0604020202020204" pitchFamily="34" charset="0"/>
+              <a:buChar char="•"/>
+            </a:pPr>
+            <a:r>
+              <a:rPr lang="en-US" dirty="0"/>
+              <a:t>Market to people whose home area and daily travel needs likely align well with your bike system. Focusing on dense and walkable areas, partnering with schools and companies.</a:t>
+            </a:r>
+          </a:p>
+          <a:p>
+            <a:pPr marL="742950" lvl="1" indent="-285750">
+              <a:buFont typeface="Arial" panose="020B0604020202020204" pitchFamily="34" charset="0"/>
+              <a:buChar char="•"/>
+            </a:pPr>
+            <a:r>
+              <a:rPr lang="en-US" dirty="0"/>
+              <a:t>Offer special discounts, day passes around the places of leisure, nature and tourist attractions, as the analysis suggests that casual users are more prone to take a bike near parks, lakes, beaches etc.</a:t>
+            </a:r>
+          </a:p>
+          <a:p>
+            <a:pPr marL="285750" indent="-285750">
+              <a:buFont typeface="Arial" panose="020B0604020202020204" pitchFamily="34" charset="0"/>
+              <a:buChar char="•"/>
+            </a:pPr>
+            <a:r>
+              <a:rPr lang="en-US" dirty="0">
+                <a:highlight>
+                  <a:srgbClr val="FFFF00"/>
+                </a:highlight>
+              </a:rPr>
               <a:t> Use digital media and smart advertisements:</a:t>
             </a:r>
           </a:p>
           <a:p>
-            <a:pPr lvl="1"/>
+            <a:pPr marL="742950" lvl="1" indent="-285750">
+              <a:buFont typeface="Arial" panose="020B0604020202020204" pitchFamily="34" charset="0"/>
+              <a:buChar char="•"/>
+            </a:pPr>
             <a:r>
               <a:rPr lang="en-US" dirty="0"/>
               <a:t>Use social media to showcase member riders who are already using bikes to go to work, school, the gym,  	  to meet friends.</a:t>
             </a:r>
           </a:p>
           <a:p>
-            <a:pPr lvl="1"/>
+            <a:pPr marL="742950" lvl="1" indent="-285750">
+              <a:buFont typeface="Arial" panose="020B0604020202020204" pitchFamily="34" charset="0"/>
+              <a:buChar char="•"/>
+            </a:pPr>
             <a:r>
               <a:rPr lang="en-US" dirty="0"/>
               <a:t>Raise awareness of the ease of use, affordability, accessibility, green options and common uses for bikes rides.</a:t>
@@ -11034,7 +10385,7 @@
         </p:blipFill>
         <p:spPr>
           <a:xfrm>
-            <a:off x="7029450" y="1974947"/>
+            <a:off x="6947154" y="1392521"/>
             <a:ext cx="3886200" cy="3949390"/>
           </a:xfrm>
           <a:prstGeom prst="rect">
@@ -11080,66 +10431,6 @@
           <a:chExt cx="0" cy="0"/>
         </a:xfrm>
       </p:grpSpPr>
-      <p:sp useBgFill="1">
-        <p:nvSpPr>
-          <p:cNvPr id="18" name="Rectangle 17">
-            <a:extLst>
-              <a:ext uri="{FF2B5EF4-FFF2-40B4-BE49-F238E27FC236}">
-                <a16:creationId xmlns:a16="http://schemas.microsoft.com/office/drawing/2014/main" id="{579E3846-8D0B-B14A-817A-7FAC9DDAB4D8}"/>
-              </a:ext>
-              <a:ext uri="{C183D7F6-B498-43B3-948B-1728B52AA6E4}">
-                <adec:decorative xmlns:adec="http://schemas.microsoft.com/office/drawing/2017/decorative" val="1"/>
-              </a:ext>
-            </a:extLst>
-          </p:cNvPr>
-          <p:cNvSpPr>
-            <a:spLocks noGrp="1" noRot="1" noChangeAspect="1" noMove="1" noResize="1" noEditPoints="1" noAdjustHandles="1" noChangeArrowheads="1" noChangeShapeType="1" noTextEdit="1"/>
-          </p:cNvSpPr>
-          <p:nvPr>
-            <p:extLst>
-              <p:ext uri="{386F3935-93C4-4BCD-93E2-E3B085C9AB24}">
-                <p16:designElem xmlns:p16="http://schemas.microsoft.com/office/powerpoint/2015/main" val="1"/>
-              </p:ext>
-            </p:extLst>
-          </p:nvPr>
-        </p:nvSpPr>
-        <p:spPr>
-          <a:xfrm>
-            <a:off x="0" y="0"/>
-            <a:ext cx="12192000" cy="6858000"/>
-          </a:xfrm>
-          <a:prstGeom prst="rect">
-            <a:avLst/>
-          </a:prstGeom>
-          <a:ln>
-            <a:noFill/>
-          </a:ln>
-        </p:spPr>
-        <p:style>
-          <a:lnRef idx="2">
-            <a:schemeClr val="accent1">
-              <a:shade val="50000"/>
-            </a:schemeClr>
-          </a:lnRef>
-          <a:fillRef idx="1">
-            <a:schemeClr val="accent1"/>
-          </a:fillRef>
-          <a:effectRef idx="0">
-            <a:schemeClr val="accent1"/>
-          </a:effectRef>
-          <a:fontRef idx="minor">
-            <a:schemeClr val="lt1"/>
-          </a:fontRef>
-        </p:style>
-        <p:txBody>
-          <a:bodyPr rtlCol="0" anchor="ctr"/>
-          <a:lstStyle/>
-          <a:p>
-            <a:pPr algn="ctr"/>
-            <a:endParaRPr lang="en-US"/>
-          </a:p>
-        </p:txBody>
-      </p:sp>
       <p:sp>
         <p:nvSpPr>
           <p:cNvPr id="19" name="Content Placeholder 8">
@@ -11172,8 +10463,8 @@
               <a:buNone/>
             </a:pPr>
             <a:r>
-              <a:rPr lang="en-US" sz="2800" b="1" dirty="0"/>
-              <a:t>“Bike Ride Distribution by User Type”</a:t>
+              <a:rPr lang="en-US" sz="2400" b="1" dirty="0"/>
+              <a:t>Bike Ride Distribution by User Type</a:t>
             </a:r>
           </a:p>
           <a:p>
@@ -11198,7 +10489,36 @@
             </a:pPr>
             <a:r>
               <a:rPr lang="en-US" sz="2000" dirty="0"/>
-              <a:t>59.7% of riders are members, and 40.3% of riders are casual users.</a:t>
+              <a:t>59.7% of riders are </a:t>
+            </a:r>
+            <a:r>
+              <a:rPr lang="en-US" sz="2000" dirty="0">
+                <a:solidFill>
+                  <a:schemeClr val="accent1">
+                    <a:lumMod val="60000"/>
+                    <a:lumOff val="40000"/>
+                  </a:schemeClr>
+                </a:solidFill>
+              </a:rPr>
+              <a:t>members</a:t>
+            </a:r>
+            <a:r>
+              <a:rPr lang="en-US" sz="2000" dirty="0"/>
+              <a:t>, and 40.3% of riders are </a:t>
+            </a:r>
+            <a:r>
+              <a:rPr lang="en-US" sz="2000" dirty="0">
+                <a:solidFill>
+                  <a:schemeClr val="accent2">
+                    <a:lumMod val="75000"/>
+                  </a:schemeClr>
+                </a:solidFill>
+              </a:rPr>
+              <a:t>casual</a:t>
+            </a:r>
+            <a:r>
+              <a:rPr lang="en-US" sz="2000" dirty="0"/>
+              <a:t> users.</a:t>
             </a:r>
           </a:p>
           <a:p>
@@ -11228,7 +10548,7 @@
         </p:blipFill>
         <p:spPr>
           <a:xfrm>
-            <a:off x="4061478" y="1446923"/>
+            <a:off x="4089370" y="1446923"/>
             <a:ext cx="7878155" cy="4966234"/>
           </a:xfrm>
           <a:prstGeom prst="rect">
@@ -11236,134 +10556,6 @@
           </a:prstGeom>
         </p:spPr>
       </p:pic>
-      <p:sp>
-        <p:nvSpPr>
-          <p:cNvPr id="20" name="Cross 19">
-            <a:extLst>
-              <a:ext uri="{FF2B5EF4-FFF2-40B4-BE49-F238E27FC236}">
-                <a16:creationId xmlns:a16="http://schemas.microsoft.com/office/drawing/2014/main" id="{BE50E7BE-734F-224D-B03E-074DE1D12480}"/>
-              </a:ext>
-              <a:ext uri="{C183D7F6-B498-43B3-948B-1728B52AA6E4}">
-                <adec:decorative xmlns:adec="http://schemas.microsoft.com/office/drawing/2017/decorative" val="1"/>
-              </a:ext>
-            </a:extLst>
-          </p:cNvPr>
-          <p:cNvSpPr>
-            <a:spLocks noGrp="1" noRot="1" noChangeAspect="1" noMove="1" noResize="1" noEditPoints="1" noAdjustHandles="1" noChangeArrowheads="1" noChangeShapeType="1" noTextEdit="1"/>
-          </p:cNvSpPr>
-          <p:nvPr>
-            <p:extLst>
-              <p:ext uri="{386F3935-93C4-4BCD-93E2-E3B085C9AB24}">
-                <p16:designElem xmlns:p16="http://schemas.microsoft.com/office/powerpoint/2015/main" val="1"/>
-              </p:ext>
-            </p:extLst>
-          </p:nvPr>
-        </p:nvSpPr>
-        <p:spPr>
-          <a:xfrm>
-            <a:off x="11217667" y="5618903"/>
-            <a:ext cx="524933" cy="524933"/>
-          </a:xfrm>
-          <a:prstGeom prst="plus">
-            <a:avLst>
-              <a:gd name="adj" fmla="val 39516"/>
-            </a:avLst>
-          </a:prstGeom>
-          <a:solidFill>
-            <a:schemeClr val="tx1"/>
-          </a:solidFill>
-          <a:ln>
-            <a:noFill/>
-          </a:ln>
-        </p:spPr>
-        <p:style>
-          <a:lnRef idx="2">
-            <a:schemeClr val="accent1">
-              <a:shade val="50000"/>
-            </a:schemeClr>
-          </a:lnRef>
-          <a:fillRef idx="1">
-            <a:schemeClr val="accent1"/>
-          </a:fillRef>
-          <a:effectRef idx="0">
-            <a:schemeClr val="accent1"/>
-          </a:effectRef>
-          <a:fontRef idx="minor">
-            <a:schemeClr val="lt1"/>
-          </a:fontRef>
-        </p:style>
-        <p:txBody>
-          <a:bodyPr rtlCol="0" anchor="ctr"/>
-          <a:lstStyle/>
-          <a:p>
-            <a:pPr algn="ctr"/>
-            <a:endParaRPr lang="en-US"/>
-          </a:p>
-        </p:txBody>
-      </p:sp>
-      <p:sp>
-        <p:nvSpPr>
-          <p:cNvPr id="21" name="Rectangle 20">
-            <a:extLst>
-              <a:ext uri="{FF2B5EF4-FFF2-40B4-BE49-F238E27FC236}">
-                <a16:creationId xmlns:a16="http://schemas.microsoft.com/office/drawing/2014/main" id="{DCA5172B-100A-154D-8648-280629D67DD0}"/>
-              </a:ext>
-              <a:ext uri="{C183D7F6-B498-43B3-948B-1728B52AA6E4}">
-                <adec:decorative xmlns:adec="http://schemas.microsoft.com/office/drawing/2017/decorative" val="1"/>
-              </a:ext>
-            </a:extLst>
-          </p:cNvPr>
-          <p:cNvSpPr>
-            <a:spLocks noGrp="1" noRot="1" noChangeAspect="1" noMove="1" noResize="1" noEditPoints="1" noAdjustHandles="1" noChangeArrowheads="1" noChangeShapeType="1" noTextEdit="1"/>
-          </p:cNvSpPr>
-          <p:nvPr>
-            <p:extLst>
-              <p:ext uri="{386F3935-93C4-4BCD-93E2-E3B085C9AB24}">
-                <p16:designElem xmlns:p16="http://schemas.microsoft.com/office/powerpoint/2015/main" val="1"/>
-              </p:ext>
-            </p:extLst>
-          </p:nvPr>
-        </p:nvSpPr>
-        <p:spPr>
-          <a:xfrm>
-            <a:off x="9881559" y="976630"/>
-            <a:ext cx="1336774" cy="120142"/>
-          </a:xfrm>
-          <a:prstGeom prst="rect">
-            <a:avLst/>
-          </a:prstGeom>
-          <a:solidFill>
-            <a:schemeClr val="tx1"/>
-          </a:solidFill>
-          <a:ln>
-            <a:noFill/>
-          </a:ln>
-        </p:spPr>
-        <p:style>
-          <a:lnRef idx="2">
-            <a:schemeClr val="accent1">
-              <a:shade val="50000"/>
-            </a:schemeClr>
-          </a:lnRef>
-          <a:fillRef idx="1">
-            <a:schemeClr val="accent1"/>
-          </a:fillRef>
-          <a:effectRef idx="0">
-            <a:schemeClr val="accent1"/>
-          </a:effectRef>
-          <a:fontRef idx="minor">
-            <a:schemeClr val="lt1"/>
-          </a:fontRef>
-        </p:style>
-        <p:txBody>
-          <a:bodyPr rtlCol="0" anchor="ctr"/>
-          <a:lstStyle/>
-          <a:p>
-            <a:pPr algn="ctr"/>
-            <a:endParaRPr lang="en-US"/>
-          </a:p>
-        </p:txBody>
-      </p:sp>
     </p:spTree>
     <p:extLst>
       <p:ext uri="{BB962C8B-B14F-4D97-AF65-F5344CB8AC3E}">
@@ -11402,66 +10594,6 @@
           <a:chExt cx="0" cy="0"/>
         </a:xfrm>
       </p:grpSpPr>
-      <p:sp useBgFill="1">
-        <p:nvSpPr>
-          <p:cNvPr id="12" name="Rectangle 11">
-            <a:extLst>
-              <a:ext uri="{FF2B5EF4-FFF2-40B4-BE49-F238E27FC236}">
-                <a16:creationId xmlns:a16="http://schemas.microsoft.com/office/drawing/2014/main" id="{579E3846-8D0B-B14A-817A-7FAC9DDAB4D8}"/>
-              </a:ext>
-              <a:ext uri="{C183D7F6-B498-43B3-948B-1728B52AA6E4}">
-                <adec:decorative xmlns:adec="http://schemas.microsoft.com/office/drawing/2017/decorative" val="1"/>
-              </a:ext>
-            </a:extLst>
-          </p:cNvPr>
-          <p:cNvSpPr>
-            <a:spLocks noGrp="1" noRot="1" noChangeAspect="1" noMove="1" noResize="1" noEditPoints="1" noAdjustHandles="1" noChangeArrowheads="1" noChangeShapeType="1" noTextEdit="1"/>
-          </p:cNvSpPr>
-          <p:nvPr>
-            <p:extLst>
-              <p:ext uri="{386F3935-93C4-4BCD-93E2-E3B085C9AB24}">
-                <p16:designElem xmlns:p16="http://schemas.microsoft.com/office/powerpoint/2015/main" val="1"/>
-              </p:ext>
-            </p:extLst>
-          </p:nvPr>
-        </p:nvSpPr>
-        <p:spPr>
-          <a:xfrm>
-            <a:off x="0" y="0"/>
-            <a:ext cx="12192000" cy="6858000"/>
-          </a:xfrm>
-          <a:prstGeom prst="rect">
-            <a:avLst/>
-          </a:prstGeom>
-          <a:ln>
-            <a:noFill/>
-          </a:ln>
-        </p:spPr>
-        <p:style>
-          <a:lnRef idx="2">
-            <a:schemeClr val="accent1">
-              <a:shade val="50000"/>
-            </a:schemeClr>
-          </a:lnRef>
-          <a:fillRef idx="1">
-            <a:schemeClr val="accent1"/>
-          </a:fillRef>
-          <a:effectRef idx="0">
-            <a:schemeClr val="accent1"/>
-          </a:effectRef>
-          <a:fontRef idx="minor">
-            <a:schemeClr val="lt1"/>
-          </a:fontRef>
-        </p:style>
-        <p:txBody>
-          <a:bodyPr rtlCol="0" anchor="ctr"/>
-          <a:lstStyle/>
-          <a:p>
-            <a:pPr algn="ctr"/>
-            <a:endParaRPr lang="en-US"/>
-          </a:p>
-        </p:txBody>
-      </p:sp>
       <p:sp>
         <p:nvSpPr>
           <p:cNvPr id="2" name="Title 1">
@@ -11480,7 +10612,7 @@
         </p:nvSpPr>
         <p:spPr>
           <a:xfrm>
-            <a:off x="7493001" y="1211487"/>
+            <a:off x="7493001" y="967808"/>
             <a:ext cx="4662927" cy="1723830"/>
           </a:xfrm>
         </p:spPr>
@@ -11492,7 +10624,7 @@
           <a:p>
             <a:r>
               <a:rPr lang="en-KZ" sz="2400" b="1" dirty="0"/>
-              <a:t>”Percentage distribution of rides for each User Type within each Ride Length Category”</a:t>
+              <a:t>Percentage distribution of rides for each User Type within each Ride Length Category</a:t>
             </a:r>
           </a:p>
         </p:txBody>
@@ -11540,7 +10672,11 @@
             </a:pPr>
             <a:r>
               <a:rPr lang="en-US" dirty="0"/>
-              <a:t>For both user types the majority of rides fall into first two categories: "&lt;12 min" and "12-20 min".</a:t>
+              <a:t>For both user types the majority of rides fall into first two categories: </a:t>
+            </a:r>
+            <a:r>
+              <a:rPr lang="en-US" b="1" dirty="0"/>
+              <a:t>"&lt;12 min" and "12-20 min".</a:t>
             </a:r>
           </a:p>
           <a:p>
@@ -11598,134 +10734,6 @@
           </a:prstGeom>
         </p:spPr>
       </p:pic>
-      <p:sp>
-        <p:nvSpPr>
-          <p:cNvPr id="14" name="Cross 13">
-            <a:extLst>
-              <a:ext uri="{FF2B5EF4-FFF2-40B4-BE49-F238E27FC236}">
-                <a16:creationId xmlns:a16="http://schemas.microsoft.com/office/drawing/2014/main" id="{7B768144-4A9A-EF4F-89C6-859C48A1ADB8}"/>
-              </a:ext>
-              <a:ext uri="{C183D7F6-B498-43B3-948B-1728B52AA6E4}">
-                <adec:decorative xmlns:adec="http://schemas.microsoft.com/office/drawing/2017/decorative" val="1"/>
-              </a:ext>
-            </a:extLst>
-          </p:cNvPr>
-          <p:cNvSpPr>
-            <a:spLocks noGrp="1" noRot="1" noChangeAspect="1" noMove="1" noResize="1" noEditPoints="1" noAdjustHandles="1" noChangeArrowheads="1" noChangeShapeType="1" noTextEdit="1"/>
-          </p:cNvSpPr>
-          <p:nvPr>
-            <p:extLst>
-              <p:ext uri="{386F3935-93C4-4BCD-93E2-E3B085C9AB24}">
-                <p16:designElem xmlns:p16="http://schemas.microsoft.com/office/powerpoint/2015/main" val="1"/>
-              </p:ext>
-            </p:extLst>
-          </p:nvPr>
-        </p:nvSpPr>
-        <p:spPr>
-          <a:xfrm>
-            <a:off x="6705290" y="5618903"/>
-            <a:ext cx="524933" cy="524933"/>
-          </a:xfrm>
-          <a:prstGeom prst="plus">
-            <a:avLst>
-              <a:gd name="adj" fmla="val 39516"/>
-            </a:avLst>
-          </a:prstGeom>
-          <a:solidFill>
-            <a:schemeClr val="tx1"/>
-          </a:solidFill>
-          <a:ln>
-            <a:noFill/>
-          </a:ln>
-        </p:spPr>
-        <p:style>
-          <a:lnRef idx="2">
-            <a:schemeClr val="accent1">
-              <a:shade val="50000"/>
-            </a:schemeClr>
-          </a:lnRef>
-          <a:fillRef idx="1">
-            <a:schemeClr val="accent1"/>
-          </a:fillRef>
-          <a:effectRef idx="0">
-            <a:schemeClr val="accent1"/>
-          </a:effectRef>
-          <a:fontRef idx="minor">
-            <a:schemeClr val="lt1"/>
-          </a:fontRef>
-        </p:style>
-        <p:txBody>
-          <a:bodyPr rtlCol="0" anchor="ctr"/>
-          <a:lstStyle/>
-          <a:p>
-            <a:pPr algn="ctr"/>
-            <a:endParaRPr lang="en-US"/>
-          </a:p>
-        </p:txBody>
-      </p:sp>
-      <p:sp>
-        <p:nvSpPr>
-          <p:cNvPr id="16" name="Rectangle 15">
-            <a:extLst>
-              <a:ext uri="{FF2B5EF4-FFF2-40B4-BE49-F238E27FC236}">
-                <a16:creationId xmlns:a16="http://schemas.microsoft.com/office/drawing/2014/main" id="{233F0DEE-0C91-A94B-BED4-444EDE341B03}"/>
-              </a:ext>
-              <a:ext uri="{C183D7F6-B498-43B3-948B-1728B52AA6E4}">
-                <adec:decorative xmlns:adec="http://schemas.microsoft.com/office/drawing/2017/decorative" val="1"/>
-              </a:ext>
-            </a:extLst>
-          </p:cNvPr>
-          <p:cNvSpPr>
-            <a:spLocks noGrp="1" noRot="1" noChangeAspect="1" noMove="1" noResize="1" noEditPoints="1" noAdjustHandles="1" noChangeArrowheads="1" noChangeShapeType="1" noTextEdit="1"/>
-          </p:cNvSpPr>
-          <p:nvPr>
-            <p:extLst>
-              <p:ext uri="{386F3935-93C4-4BCD-93E2-E3B085C9AB24}">
-                <p16:designElem xmlns:p16="http://schemas.microsoft.com/office/powerpoint/2015/main" val="1"/>
-              </p:ext>
-            </p:extLst>
-          </p:nvPr>
-        </p:nvSpPr>
-        <p:spPr>
-          <a:xfrm>
-            <a:off x="9881559" y="976630"/>
-            <a:ext cx="1336774" cy="120142"/>
-          </a:xfrm>
-          <a:prstGeom prst="rect">
-            <a:avLst/>
-          </a:prstGeom>
-          <a:solidFill>
-            <a:schemeClr val="tx1"/>
-          </a:solidFill>
-          <a:ln>
-            <a:noFill/>
-          </a:ln>
-        </p:spPr>
-        <p:style>
-          <a:lnRef idx="2">
-            <a:schemeClr val="accent1">
-              <a:shade val="50000"/>
-            </a:schemeClr>
-          </a:lnRef>
-          <a:fillRef idx="1">
-            <a:schemeClr val="accent1"/>
-          </a:fillRef>
-          <a:effectRef idx="0">
-            <a:schemeClr val="accent1"/>
-          </a:effectRef>
-          <a:fontRef idx="minor">
-            <a:schemeClr val="lt1"/>
-          </a:fontRef>
-        </p:style>
-        <p:txBody>
-          <a:bodyPr rtlCol="0" anchor="ctr"/>
-          <a:lstStyle/>
-          <a:p>
-            <a:pPr algn="ctr"/>
-            <a:endParaRPr lang="en-US"/>
-          </a:p>
-        </p:txBody>
-      </p:sp>
     </p:spTree>
     <p:extLst>
       <p:ext uri="{BB962C8B-B14F-4D97-AF65-F5344CB8AC3E}">
@@ -11764,66 +10772,6 @@
           <a:chExt cx="0" cy="0"/>
         </a:xfrm>
       </p:grpSpPr>
-      <p:sp useBgFill="1">
-        <p:nvSpPr>
-          <p:cNvPr id="12" name="Rectangle 11">
-            <a:extLst>
-              <a:ext uri="{FF2B5EF4-FFF2-40B4-BE49-F238E27FC236}">
-                <a16:creationId xmlns:a16="http://schemas.microsoft.com/office/drawing/2014/main" id="{579E3846-8D0B-B14A-817A-7FAC9DDAB4D8}"/>
-              </a:ext>
-              <a:ext uri="{C183D7F6-B498-43B3-948B-1728B52AA6E4}">
-                <adec:decorative xmlns:adec="http://schemas.microsoft.com/office/drawing/2017/decorative" val="1"/>
-              </a:ext>
-            </a:extLst>
-          </p:cNvPr>
-          <p:cNvSpPr>
-            <a:spLocks noGrp="1" noRot="1" noChangeAspect="1" noMove="1" noResize="1" noEditPoints="1" noAdjustHandles="1" noChangeArrowheads="1" noChangeShapeType="1" noTextEdit="1"/>
-          </p:cNvSpPr>
-          <p:nvPr>
-            <p:extLst>
-              <p:ext uri="{386F3935-93C4-4BCD-93E2-E3B085C9AB24}">
-                <p16:designElem xmlns:p16="http://schemas.microsoft.com/office/powerpoint/2015/main" val="1"/>
-              </p:ext>
-            </p:extLst>
-          </p:nvPr>
-        </p:nvSpPr>
-        <p:spPr>
-          <a:xfrm>
-            <a:off x="0" y="0"/>
-            <a:ext cx="12192000" cy="6858000"/>
-          </a:xfrm>
-          <a:prstGeom prst="rect">
-            <a:avLst/>
-          </a:prstGeom>
-          <a:ln>
-            <a:noFill/>
-          </a:ln>
-        </p:spPr>
-        <p:style>
-          <a:lnRef idx="2">
-            <a:schemeClr val="accent1">
-              <a:shade val="50000"/>
-            </a:schemeClr>
-          </a:lnRef>
-          <a:fillRef idx="1">
-            <a:schemeClr val="accent1"/>
-          </a:fillRef>
-          <a:effectRef idx="0">
-            <a:schemeClr val="accent1"/>
-          </a:effectRef>
-          <a:fontRef idx="minor">
-            <a:schemeClr val="lt1"/>
-          </a:fontRef>
-        </p:style>
-        <p:txBody>
-          <a:bodyPr rtlCol="0" anchor="ctr"/>
-          <a:lstStyle/>
-          <a:p>
-            <a:pPr algn="ctr"/>
-            <a:endParaRPr lang="en-US"/>
-          </a:p>
-        </p:txBody>
-      </p:sp>
       <p:sp>
         <p:nvSpPr>
           <p:cNvPr id="2" name="Title 1">
@@ -11842,7 +10790,7 @@
         </p:nvSpPr>
         <p:spPr>
           <a:xfrm>
-            <a:off x="207793" y="853063"/>
+            <a:off x="282575" y="843919"/>
             <a:ext cx="4175131" cy="1446550"/>
           </a:xfrm>
         </p:spPr>
@@ -11853,8 +10801,8 @@
           <a:lstStyle/>
           <a:p>
             <a:r>
-              <a:rPr lang="en-KZ" sz="3200" b="1" dirty="0"/>
-              <a:t>“Average ride length by user type and time of day”</a:t>
+              <a:rPr lang="en-KZ" sz="2400" b="1" dirty="0"/>
+              <a:t>Average ride length by user type and time of day</a:t>
             </a:r>
           </a:p>
         </p:txBody>
@@ -11877,13 +10825,13 @@
         </p:nvSpPr>
         <p:spPr>
           <a:xfrm>
-            <a:off x="565150" y="2691638"/>
-            <a:ext cx="3609983" cy="3188586"/>
+            <a:off x="282575" y="2290469"/>
+            <a:ext cx="3759073" cy="3188586"/>
           </a:xfrm>
         </p:spPr>
         <p:txBody>
           <a:bodyPr>
-            <a:normAutofit fontScale="92500"/>
+            <a:normAutofit/>
           </a:bodyPr>
           <a:lstStyle/>
           <a:p>
@@ -11891,7 +10839,7 @@
               <a:buNone/>
             </a:pPr>
             <a:r>
-              <a:rPr lang="en-US" dirty="0"/>
+              <a:rPr lang="en-US" sz="2000" dirty="0"/>
               <a:t>Key insights:</a:t>
             </a:r>
           </a:p>
@@ -11901,8 +10849,22 @@
               <a:buChar char="•"/>
             </a:pPr>
             <a:r>
-              <a:rPr lang="en-US" dirty="0"/>
-              <a:t>Ride length for casual riders peaks mid morning through afternoon</a:t>
+              <a:rPr lang="en-US" sz="2000" dirty="0"/>
+              <a:t>Ride length for </a:t>
+            </a:r>
+            <a:r>
+              <a:rPr lang="en-US" sz="2000" dirty="0">
+                <a:solidFill>
+                  <a:schemeClr val="accent2">
+                    <a:lumMod val="75000"/>
+                  </a:schemeClr>
+                </a:solidFill>
+              </a:rPr>
+              <a:t>casual steadier </a:t>
+            </a:r>
+            <a:r>
+              <a:rPr lang="en-US" sz="2000" dirty="0"/>
+              <a:t>peaks mid morning through afternoon</a:t>
             </a:r>
           </a:p>
           <a:p>
@@ -11911,12 +10873,27 @@
               <a:buChar char="•"/>
             </a:pPr>
             <a:r>
-              <a:rPr lang="en-US" dirty="0"/>
-              <a:t>Ride length for member riders remains more steady throughout the day</a:t>
-            </a:r>
-          </a:p>
-          <a:p>
-            <a:endParaRPr lang="en-US" dirty="0"/>
+              <a:rPr lang="en-US" sz="2000" dirty="0"/>
+              <a:t>Ride length for </a:t>
+            </a:r>
+            <a:r>
+              <a:rPr lang="en-US" sz="2000" dirty="0">
+                <a:solidFill>
+                  <a:schemeClr val="accent1">
+                    <a:lumMod val="60000"/>
+                    <a:lumOff val="40000"/>
+                  </a:schemeClr>
+                </a:solidFill>
+              </a:rPr>
+              <a:t>member riders </a:t>
+            </a:r>
+            <a:r>
+              <a:rPr lang="en-US" sz="2000" dirty="0"/>
+              <a:t>remains steadier throughout the day</a:t>
+            </a:r>
+          </a:p>
+          <a:p>
+            <a:endParaRPr lang="en-US" sz="2000" dirty="0"/>
           </a:p>
         </p:txBody>
       </p:sp>
@@ -11950,134 +10927,6 @@
           </a:prstGeom>
         </p:spPr>
       </p:pic>
-      <p:sp>
-        <p:nvSpPr>
-          <p:cNvPr id="14" name="Cross 13">
-            <a:extLst>
-              <a:ext uri="{FF2B5EF4-FFF2-40B4-BE49-F238E27FC236}">
-                <a16:creationId xmlns:a16="http://schemas.microsoft.com/office/drawing/2014/main" id="{BE50E7BE-734F-224D-B03E-074DE1D12480}"/>
-              </a:ext>
-              <a:ext uri="{C183D7F6-B498-43B3-948B-1728B52AA6E4}">
-                <adec:decorative xmlns:adec="http://schemas.microsoft.com/office/drawing/2017/decorative" val="1"/>
-              </a:ext>
-            </a:extLst>
-          </p:cNvPr>
-          <p:cNvSpPr>
-            <a:spLocks noGrp="1" noRot="1" noChangeAspect="1" noMove="1" noResize="1" noEditPoints="1" noAdjustHandles="1" noChangeArrowheads="1" noChangeShapeType="1" noTextEdit="1"/>
-          </p:cNvSpPr>
-          <p:nvPr>
-            <p:extLst>
-              <p:ext uri="{386F3935-93C4-4BCD-93E2-E3B085C9AB24}">
-                <p16:designElem xmlns:p16="http://schemas.microsoft.com/office/powerpoint/2015/main" val="1"/>
-              </p:ext>
-            </p:extLst>
-          </p:nvPr>
-        </p:nvSpPr>
-        <p:spPr>
-          <a:xfrm>
-            <a:off x="11217667" y="5618903"/>
-            <a:ext cx="524933" cy="524933"/>
-          </a:xfrm>
-          <a:prstGeom prst="plus">
-            <a:avLst>
-              <a:gd name="adj" fmla="val 39516"/>
-            </a:avLst>
-          </a:prstGeom>
-          <a:solidFill>
-            <a:schemeClr val="tx1"/>
-          </a:solidFill>
-          <a:ln>
-            <a:noFill/>
-          </a:ln>
-        </p:spPr>
-        <p:style>
-          <a:lnRef idx="2">
-            <a:schemeClr val="accent1">
-              <a:shade val="50000"/>
-            </a:schemeClr>
-          </a:lnRef>
-          <a:fillRef idx="1">
-            <a:schemeClr val="accent1"/>
-          </a:fillRef>
-          <a:effectRef idx="0">
-            <a:schemeClr val="accent1"/>
-          </a:effectRef>
-          <a:fontRef idx="minor">
-            <a:schemeClr val="lt1"/>
-          </a:fontRef>
-        </p:style>
-        <p:txBody>
-          <a:bodyPr rtlCol="0" anchor="ctr"/>
-          <a:lstStyle/>
-          <a:p>
-            <a:pPr algn="ctr"/>
-            <a:endParaRPr lang="en-US"/>
-          </a:p>
-        </p:txBody>
-      </p:sp>
-      <p:sp>
-        <p:nvSpPr>
-          <p:cNvPr id="16" name="Rectangle 15">
-            <a:extLst>
-              <a:ext uri="{FF2B5EF4-FFF2-40B4-BE49-F238E27FC236}">
-                <a16:creationId xmlns:a16="http://schemas.microsoft.com/office/drawing/2014/main" id="{DCA5172B-100A-154D-8648-280629D67DD0}"/>
-              </a:ext>
-              <a:ext uri="{C183D7F6-B498-43B3-948B-1728B52AA6E4}">
-                <adec:decorative xmlns:adec="http://schemas.microsoft.com/office/drawing/2017/decorative" val="1"/>
-              </a:ext>
-            </a:extLst>
-          </p:cNvPr>
-          <p:cNvSpPr>
-            <a:spLocks noGrp="1" noRot="1" noChangeAspect="1" noMove="1" noResize="1" noEditPoints="1" noAdjustHandles="1" noChangeArrowheads="1" noChangeShapeType="1" noTextEdit="1"/>
-          </p:cNvSpPr>
-          <p:nvPr>
-            <p:extLst>
-              <p:ext uri="{386F3935-93C4-4BCD-93E2-E3B085C9AB24}">
-                <p16:designElem xmlns:p16="http://schemas.microsoft.com/office/powerpoint/2015/main" val="1"/>
-              </p:ext>
-            </p:extLst>
-          </p:nvPr>
-        </p:nvSpPr>
-        <p:spPr>
-          <a:xfrm>
-            <a:off x="9881559" y="976630"/>
-            <a:ext cx="1336774" cy="120142"/>
-          </a:xfrm>
-          <a:prstGeom prst="rect">
-            <a:avLst/>
-          </a:prstGeom>
-          <a:solidFill>
-            <a:schemeClr val="tx1"/>
-          </a:solidFill>
-          <a:ln>
-            <a:noFill/>
-          </a:ln>
-        </p:spPr>
-        <p:style>
-          <a:lnRef idx="2">
-            <a:schemeClr val="accent1">
-              <a:shade val="50000"/>
-            </a:schemeClr>
-          </a:lnRef>
-          <a:fillRef idx="1">
-            <a:schemeClr val="accent1"/>
-          </a:fillRef>
-          <a:effectRef idx="0">
-            <a:schemeClr val="accent1"/>
-          </a:effectRef>
-          <a:fontRef idx="minor">
-            <a:schemeClr val="lt1"/>
-          </a:fontRef>
-        </p:style>
-        <p:txBody>
-          <a:bodyPr rtlCol="0" anchor="ctr"/>
-          <a:lstStyle/>
-          <a:p>
-            <a:pPr algn="ctr"/>
-            <a:endParaRPr lang="en-US"/>
-          </a:p>
-        </p:txBody>
-      </p:sp>
     </p:spTree>
     <p:extLst>
       <p:ext uri="{BB962C8B-B14F-4D97-AF65-F5344CB8AC3E}">
@@ -12116,66 +10965,6 @@
           <a:chExt cx="0" cy="0"/>
         </a:xfrm>
       </p:grpSpPr>
-      <p:sp useBgFill="1">
-        <p:nvSpPr>
-          <p:cNvPr id="12" name="Rectangle 11">
-            <a:extLst>
-              <a:ext uri="{FF2B5EF4-FFF2-40B4-BE49-F238E27FC236}">
-                <a16:creationId xmlns:a16="http://schemas.microsoft.com/office/drawing/2014/main" id="{579E3846-8D0B-B14A-817A-7FAC9DDAB4D8}"/>
-              </a:ext>
-              <a:ext uri="{C183D7F6-B498-43B3-948B-1728B52AA6E4}">
-                <adec:decorative xmlns:adec="http://schemas.microsoft.com/office/drawing/2017/decorative" val="1"/>
-              </a:ext>
-            </a:extLst>
-          </p:cNvPr>
-          <p:cNvSpPr>
-            <a:spLocks noGrp="1" noRot="1" noChangeAspect="1" noMove="1" noResize="1" noEditPoints="1" noAdjustHandles="1" noChangeArrowheads="1" noChangeShapeType="1" noTextEdit="1"/>
-          </p:cNvSpPr>
-          <p:nvPr>
-            <p:extLst>
-              <p:ext uri="{386F3935-93C4-4BCD-93E2-E3B085C9AB24}">
-                <p16:designElem xmlns:p16="http://schemas.microsoft.com/office/powerpoint/2015/main" val="1"/>
-              </p:ext>
-            </p:extLst>
-          </p:nvPr>
-        </p:nvSpPr>
-        <p:spPr>
-          <a:xfrm>
-            <a:off x="0" y="0"/>
-            <a:ext cx="12192000" cy="6858000"/>
-          </a:xfrm>
-          <a:prstGeom prst="rect">
-            <a:avLst/>
-          </a:prstGeom>
-          <a:ln>
-            <a:noFill/>
-          </a:ln>
-        </p:spPr>
-        <p:style>
-          <a:lnRef idx="2">
-            <a:schemeClr val="accent1">
-              <a:shade val="50000"/>
-            </a:schemeClr>
-          </a:lnRef>
-          <a:fillRef idx="1">
-            <a:schemeClr val="accent1"/>
-          </a:fillRef>
-          <a:effectRef idx="0">
-            <a:schemeClr val="accent1"/>
-          </a:effectRef>
-          <a:fontRef idx="minor">
-            <a:schemeClr val="lt1"/>
-          </a:fontRef>
-        </p:style>
-        <p:txBody>
-          <a:bodyPr rtlCol="0" anchor="ctr"/>
-          <a:lstStyle/>
-          <a:p>
-            <a:pPr algn="ctr"/>
-            <a:endParaRPr lang="en-US"/>
-          </a:p>
-        </p:txBody>
-      </p:sp>
       <p:sp>
         <p:nvSpPr>
           <p:cNvPr id="2" name="Title 1">
@@ -12194,7 +10983,7 @@
         </p:nvSpPr>
         <p:spPr>
           <a:xfrm>
-            <a:off x="8016857" y="1213756"/>
+            <a:off x="8016857" y="1021732"/>
             <a:ext cx="4311788" cy="1446550"/>
           </a:xfrm>
         </p:spPr>
@@ -12205,8 +10994,8 @@
           <a:lstStyle/>
           <a:p>
             <a:r>
-              <a:rPr lang="en-KZ" sz="3000" dirty="0"/>
-              <a:t>“Average ride length by user type and hour of day”</a:t>
+              <a:rPr lang="en-KZ" sz="2400" b="1" dirty="0"/>
+              <a:t>Average ride length by user type and hour of day</a:t>
             </a:r>
           </a:p>
         </p:txBody>
@@ -12243,7 +11032,7 @@
               <a:buNone/>
             </a:pPr>
             <a:r>
-              <a:rPr lang="en-US" dirty="0"/>
+              <a:rPr lang="en-US" sz="2000" dirty="0"/>
               <a:t>Key insight:</a:t>
             </a:r>
           </a:p>
@@ -12253,12 +11042,37 @@
               <a:buChar char="•"/>
             </a:pPr>
             <a:r>
-              <a:rPr lang="en-US" dirty="0"/>
-              <a:t>Casual riders on average ride longer than member riders (between 25 and 30 min), peaking between 10AM - 2PM</a:t>
-            </a:r>
-          </a:p>
-          <a:p>
-            <a:endParaRPr lang="en-US" dirty="0"/>
+              <a:rPr lang="en-US" sz="2000" dirty="0">
+                <a:solidFill>
+                  <a:schemeClr val="accent2">
+                    <a:lumMod val="75000"/>
+                  </a:schemeClr>
+                </a:solidFill>
+              </a:rPr>
+              <a:t>Casual riders </a:t>
+            </a:r>
+            <a:r>
+              <a:rPr lang="en-US" sz="2000" dirty="0"/>
+              <a:t>on average ride longer than </a:t>
+            </a:r>
+            <a:r>
+              <a:rPr lang="en-US" sz="2000" dirty="0">
+                <a:solidFill>
+                  <a:schemeClr val="tx2">
+                    <a:lumMod val="50000"/>
+                    <a:lumOff val="50000"/>
+                  </a:schemeClr>
+                </a:solidFill>
+              </a:rPr>
+              <a:t>member riders </a:t>
+            </a:r>
+            <a:r>
+              <a:rPr lang="en-US" sz="2000" dirty="0"/>
+              <a:t>(between 25 and 30 min), peaking between 10AM - 2PM</a:t>
+            </a:r>
+          </a:p>
+          <a:p>
+            <a:endParaRPr lang="en-US" sz="2000" dirty="0"/>
           </a:p>
         </p:txBody>
       </p:sp>
@@ -12292,134 +11106,6 @@
           </a:prstGeom>
         </p:spPr>
       </p:pic>
-      <p:sp>
-        <p:nvSpPr>
-          <p:cNvPr id="14" name="Cross 13">
-            <a:extLst>
-              <a:ext uri="{FF2B5EF4-FFF2-40B4-BE49-F238E27FC236}">
-                <a16:creationId xmlns:a16="http://schemas.microsoft.com/office/drawing/2014/main" id="{7B768144-4A9A-EF4F-89C6-859C48A1ADB8}"/>
-              </a:ext>
-              <a:ext uri="{C183D7F6-B498-43B3-948B-1728B52AA6E4}">
-                <adec:decorative xmlns:adec="http://schemas.microsoft.com/office/drawing/2017/decorative" val="1"/>
-              </a:ext>
-            </a:extLst>
-          </p:cNvPr>
-          <p:cNvSpPr>
-            <a:spLocks noGrp="1" noRot="1" noChangeAspect="1" noMove="1" noResize="1" noEditPoints="1" noAdjustHandles="1" noChangeArrowheads="1" noChangeShapeType="1" noTextEdit="1"/>
-          </p:cNvSpPr>
-          <p:nvPr>
-            <p:extLst>
-              <p:ext uri="{386F3935-93C4-4BCD-93E2-E3B085C9AB24}">
-                <p16:designElem xmlns:p16="http://schemas.microsoft.com/office/powerpoint/2015/main" val="1"/>
-              </p:ext>
-            </p:extLst>
-          </p:nvPr>
-        </p:nvSpPr>
-        <p:spPr>
-          <a:xfrm>
-            <a:off x="7228576" y="5618903"/>
-            <a:ext cx="524933" cy="524933"/>
-          </a:xfrm>
-          <a:prstGeom prst="plus">
-            <a:avLst>
-              <a:gd name="adj" fmla="val 39516"/>
-            </a:avLst>
-          </a:prstGeom>
-          <a:solidFill>
-            <a:schemeClr val="tx1"/>
-          </a:solidFill>
-          <a:ln>
-            <a:noFill/>
-          </a:ln>
-        </p:spPr>
-        <p:style>
-          <a:lnRef idx="2">
-            <a:schemeClr val="accent1">
-              <a:shade val="50000"/>
-            </a:schemeClr>
-          </a:lnRef>
-          <a:fillRef idx="1">
-            <a:schemeClr val="accent1"/>
-          </a:fillRef>
-          <a:effectRef idx="0">
-            <a:schemeClr val="accent1"/>
-          </a:effectRef>
-          <a:fontRef idx="minor">
-            <a:schemeClr val="lt1"/>
-          </a:fontRef>
-        </p:style>
-        <p:txBody>
-          <a:bodyPr rtlCol="0" anchor="ctr"/>
-          <a:lstStyle/>
-          <a:p>
-            <a:pPr algn="ctr"/>
-            <a:endParaRPr lang="en-US"/>
-          </a:p>
-        </p:txBody>
-      </p:sp>
-      <p:sp>
-        <p:nvSpPr>
-          <p:cNvPr id="16" name="Rectangle 15">
-            <a:extLst>
-              <a:ext uri="{FF2B5EF4-FFF2-40B4-BE49-F238E27FC236}">
-                <a16:creationId xmlns:a16="http://schemas.microsoft.com/office/drawing/2014/main" id="{233F0DEE-0C91-A94B-BED4-444EDE341B03}"/>
-              </a:ext>
-              <a:ext uri="{C183D7F6-B498-43B3-948B-1728B52AA6E4}">
-                <adec:decorative xmlns:adec="http://schemas.microsoft.com/office/drawing/2017/decorative" val="1"/>
-              </a:ext>
-            </a:extLst>
-          </p:cNvPr>
-          <p:cNvSpPr>
-            <a:spLocks noGrp="1" noRot="1" noChangeAspect="1" noMove="1" noResize="1" noEditPoints="1" noAdjustHandles="1" noChangeArrowheads="1" noChangeShapeType="1" noTextEdit="1"/>
-          </p:cNvSpPr>
-          <p:nvPr>
-            <p:extLst>
-              <p:ext uri="{386F3935-93C4-4BCD-93E2-E3B085C9AB24}">
-                <p16:designElem xmlns:p16="http://schemas.microsoft.com/office/powerpoint/2015/main" val="1"/>
-              </p:ext>
-            </p:extLst>
-          </p:nvPr>
-        </p:nvSpPr>
-        <p:spPr>
-          <a:xfrm>
-            <a:off x="9881559" y="976630"/>
-            <a:ext cx="1336774" cy="120142"/>
-          </a:xfrm>
-          <a:prstGeom prst="rect">
-            <a:avLst/>
-          </a:prstGeom>
-          <a:solidFill>
-            <a:schemeClr val="tx1"/>
-          </a:solidFill>
-          <a:ln>
-            <a:noFill/>
-          </a:ln>
-        </p:spPr>
-        <p:style>
-          <a:lnRef idx="2">
-            <a:schemeClr val="accent1">
-              <a:shade val="50000"/>
-            </a:schemeClr>
-          </a:lnRef>
-          <a:fillRef idx="1">
-            <a:schemeClr val="accent1"/>
-          </a:fillRef>
-          <a:effectRef idx="0">
-            <a:schemeClr val="accent1"/>
-          </a:effectRef>
-          <a:fontRef idx="minor">
-            <a:schemeClr val="lt1"/>
-          </a:fontRef>
-        </p:style>
-        <p:txBody>
-          <a:bodyPr rtlCol="0" anchor="ctr"/>
-          <a:lstStyle/>
-          <a:p>
-            <a:pPr algn="ctr"/>
-            <a:endParaRPr lang="en-US"/>
-          </a:p>
-        </p:txBody>
-      </p:sp>
     </p:spTree>
     <p:extLst>
       <p:ext uri="{BB962C8B-B14F-4D97-AF65-F5344CB8AC3E}">
@@ -12458,194 +11144,6 @@
           <a:chExt cx="0" cy="0"/>
         </a:xfrm>
       </p:grpSpPr>
-      <p:sp useBgFill="1">
-        <p:nvSpPr>
-          <p:cNvPr id="12" name="Rectangle 11">
-            <a:extLst>
-              <a:ext uri="{FF2B5EF4-FFF2-40B4-BE49-F238E27FC236}">
-                <a16:creationId xmlns:a16="http://schemas.microsoft.com/office/drawing/2014/main" id="{579E3846-8D0B-B14A-817A-7FAC9DDAB4D8}"/>
-              </a:ext>
-              <a:ext uri="{C183D7F6-B498-43B3-948B-1728B52AA6E4}">
-                <adec:decorative xmlns:adec="http://schemas.microsoft.com/office/drawing/2017/decorative" val="1"/>
-              </a:ext>
-            </a:extLst>
-          </p:cNvPr>
-          <p:cNvSpPr>
-            <a:spLocks noGrp="1" noRot="1" noChangeAspect="1" noMove="1" noResize="1" noEditPoints="1" noAdjustHandles="1" noChangeArrowheads="1" noChangeShapeType="1" noTextEdit="1"/>
-          </p:cNvSpPr>
-          <p:nvPr>
-            <p:extLst>
-              <p:ext uri="{386F3935-93C4-4BCD-93E2-E3B085C9AB24}">
-                <p16:designElem xmlns:p16="http://schemas.microsoft.com/office/powerpoint/2015/main" val="1"/>
-              </p:ext>
-            </p:extLst>
-          </p:nvPr>
-        </p:nvSpPr>
-        <p:spPr>
-          <a:xfrm>
-            <a:off x="0" y="0"/>
-            <a:ext cx="12192000" cy="6858000"/>
-          </a:xfrm>
-          <a:prstGeom prst="rect">
-            <a:avLst/>
-          </a:prstGeom>
-          <a:ln>
-            <a:noFill/>
-          </a:ln>
-        </p:spPr>
-        <p:style>
-          <a:lnRef idx="2">
-            <a:schemeClr val="accent1">
-              <a:shade val="50000"/>
-            </a:schemeClr>
-          </a:lnRef>
-          <a:fillRef idx="1">
-            <a:schemeClr val="accent1"/>
-          </a:fillRef>
-          <a:effectRef idx="0">
-            <a:schemeClr val="accent1"/>
-          </a:effectRef>
-          <a:fontRef idx="minor">
-            <a:schemeClr val="lt1"/>
-          </a:fontRef>
-        </p:style>
-        <p:txBody>
-          <a:bodyPr rtlCol="0" anchor="ctr"/>
-          <a:lstStyle/>
-          <a:p>
-            <a:pPr algn="ctr"/>
-            <a:endParaRPr lang="en-US"/>
-          </a:p>
-        </p:txBody>
-      </p:sp>
-      <p:sp>
-        <p:nvSpPr>
-          <p:cNvPr id="14" name="Cross 13">
-            <a:extLst>
-              <a:ext uri="{FF2B5EF4-FFF2-40B4-BE49-F238E27FC236}">
-                <a16:creationId xmlns:a16="http://schemas.microsoft.com/office/drawing/2014/main" id="{BE50E7BE-734F-224D-B03E-074DE1D12480}"/>
-              </a:ext>
-              <a:ext uri="{C183D7F6-B498-43B3-948B-1728B52AA6E4}">
-                <adec:decorative xmlns:adec="http://schemas.microsoft.com/office/drawing/2017/decorative" val="1"/>
-              </a:ext>
-            </a:extLst>
-          </p:cNvPr>
-          <p:cNvSpPr>
-            <a:spLocks noGrp="1" noRot="1" noChangeAspect="1" noMove="1" noResize="1" noEditPoints="1" noAdjustHandles="1" noChangeArrowheads="1" noChangeShapeType="1" noTextEdit="1"/>
-          </p:cNvSpPr>
-          <p:nvPr>
-            <p:extLst>
-              <p:ext uri="{386F3935-93C4-4BCD-93E2-E3B085C9AB24}">
-                <p16:designElem xmlns:p16="http://schemas.microsoft.com/office/powerpoint/2015/main" val="1"/>
-              </p:ext>
-            </p:extLst>
-          </p:nvPr>
-        </p:nvSpPr>
-        <p:spPr>
-          <a:xfrm>
-            <a:off x="11217667" y="5618903"/>
-            <a:ext cx="524933" cy="524933"/>
-          </a:xfrm>
-          <a:prstGeom prst="plus">
-            <a:avLst>
-              <a:gd name="adj" fmla="val 39516"/>
-            </a:avLst>
-          </a:prstGeom>
-          <a:solidFill>
-            <a:schemeClr val="tx1"/>
-          </a:solidFill>
-          <a:ln>
-            <a:noFill/>
-          </a:ln>
-        </p:spPr>
-        <p:style>
-          <a:lnRef idx="2">
-            <a:schemeClr val="accent1">
-              <a:shade val="50000"/>
-            </a:schemeClr>
-          </a:lnRef>
-          <a:fillRef idx="1">
-            <a:schemeClr val="accent1"/>
-          </a:fillRef>
-          <a:effectRef idx="0">
-            <a:schemeClr val="accent1"/>
-          </a:effectRef>
-          <a:fontRef idx="minor">
-            <a:schemeClr val="lt1"/>
-          </a:fontRef>
-        </p:style>
-        <p:txBody>
-          <a:bodyPr rtlCol="0" anchor="ctr"/>
-          <a:lstStyle/>
-          <a:p>
-            <a:pPr algn="ctr"/>
-            <a:endParaRPr lang="en-US"/>
-          </a:p>
-        </p:txBody>
-      </p:sp>
-      <p:sp>
-        <p:nvSpPr>
-          <p:cNvPr id="16" name="Rectangle 15">
-            <a:extLst>
-              <a:ext uri="{FF2B5EF4-FFF2-40B4-BE49-F238E27FC236}">
-                <a16:creationId xmlns:a16="http://schemas.microsoft.com/office/drawing/2014/main" id="{DCA5172B-100A-154D-8648-280629D67DD0}"/>
-              </a:ext>
-              <a:ext uri="{C183D7F6-B498-43B3-948B-1728B52AA6E4}">
-                <adec:decorative xmlns:adec="http://schemas.microsoft.com/office/drawing/2017/decorative" val="1"/>
-              </a:ext>
-            </a:extLst>
-          </p:cNvPr>
-          <p:cNvSpPr>
-            <a:spLocks noGrp="1" noRot="1" noChangeAspect="1" noMove="1" noResize="1" noEditPoints="1" noAdjustHandles="1" noChangeArrowheads="1" noChangeShapeType="1" noTextEdit="1"/>
-          </p:cNvSpPr>
-          <p:nvPr>
-            <p:extLst>
-              <p:ext uri="{386F3935-93C4-4BCD-93E2-E3B085C9AB24}">
-                <p16:designElem xmlns:p16="http://schemas.microsoft.com/office/powerpoint/2015/main" val="1"/>
-              </p:ext>
-            </p:extLst>
-          </p:nvPr>
-        </p:nvSpPr>
-        <p:spPr>
-          <a:xfrm>
-            <a:off x="9881559" y="976630"/>
-            <a:ext cx="1336774" cy="120142"/>
-          </a:xfrm>
-          <a:prstGeom prst="rect">
-            <a:avLst/>
-          </a:prstGeom>
-          <a:solidFill>
-            <a:schemeClr val="tx1"/>
-          </a:solidFill>
-          <a:ln>
-            <a:noFill/>
-          </a:ln>
-        </p:spPr>
-        <p:style>
-          <a:lnRef idx="2">
-            <a:schemeClr val="accent1">
-              <a:shade val="50000"/>
-            </a:schemeClr>
-          </a:lnRef>
-          <a:fillRef idx="1">
-            <a:schemeClr val="accent1"/>
-          </a:fillRef>
-          <a:effectRef idx="0">
-            <a:schemeClr val="accent1"/>
-          </a:effectRef>
-          <a:fontRef idx="minor">
-            <a:schemeClr val="lt1"/>
-          </a:fontRef>
-        </p:style>
-        <p:txBody>
-          <a:bodyPr rtlCol="0" anchor="ctr"/>
-          <a:lstStyle/>
-          <a:p>
-            <a:pPr algn="ctr"/>
-            <a:endParaRPr lang="en-US"/>
-          </a:p>
-        </p:txBody>
-      </p:sp>
       <p:sp>
         <p:nvSpPr>
           <p:cNvPr id="2" name="Title 1">
@@ -12675,8 +11173,8 @@
           <a:lstStyle/>
           <a:p>
             <a:r>
-              <a:rPr lang="en-KZ" sz="3600" dirty="0"/>
-              <a:t>“Total rides by user type and hour of day”</a:t>
+              <a:rPr lang="en-KZ" sz="2400" b="1" dirty="0"/>
+              <a:t>Total rides by user type and hour of day</a:t>
             </a:r>
           </a:p>
         </p:txBody>
@@ -12713,7 +11211,7 @@
               <a:buNone/>
             </a:pPr>
             <a:r>
-              <a:rPr lang="en-US" dirty="0"/>
+              <a:rPr lang="en-US" sz="2000" dirty="0"/>
               <a:t>Key insights:</a:t>
             </a:r>
           </a:p>
@@ -12723,8 +11221,23 @@
               <a:buChar char="•"/>
             </a:pPr>
             <a:r>
-              <a:rPr lang="en-US" dirty="0"/>
-              <a:t>For members total rides peak during morning (7-8am) and evening (4-6 pm)</a:t>
+              <a:rPr lang="en-US" sz="2000" dirty="0"/>
+              <a:t>For </a:t>
+            </a:r>
+            <a:r>
+              <a:rPr lang="en-US" sz="2000" dirty="0">
+                <a:solidFill>
+                  <a:schemeClr val="tx2">
+                    <a:lumMod val="50000"/>
+                    <a:lumOff val="50000"/>
+                  </a:schemeClr>
+                </a:solidFill>
+              </a:rPr>
+              <a:t>members</a:t>
+            </a:r>
+            <a:r>
+              <a:rPr lang="en-US" sz="2000" dirty="0"/>
+              <a:t> total rides peak during morning (7-8am) and evening (4-6 pm)</a:t>
             </a:r>
           </a:p>
           <a:p>
@@ -12733,12 +11246,22 @@
               <a:buChar char="•"/>
             </a:pPr>
             <a:r>
-              <a:rPr lang="en-US" dirty="0"/>
-              <a:t>Casual rides also peak from 4pm to 6pm</a:t>
-            </a:r>
-          </a:p>
-          <a:p>
-            <a:endParaRPr lang="en-US" dirty="0"/>
+              <a:rPr lang="en-US" sz="2000" dirty="0">
+                <a:solidFill>
+                  <a:schemeClr val="accent2">
+                    <a:lumMod val="75000"/>
+                  </a:schemeClr>
+                </a:solidFill>
+              </a:rPr>
+              <a:t>Casual</a:t>
+            </a:r>
+            <a:r>
+              <a:rPr lang="en-US" sz="2000" dirty="0"/>
+              <a:t> rides also peak from 4pm to 6pm</a:t>
+            </a:r>
+          </a:p>
+          <a:p>
+            <a:endParaRPr lang="en-US" sz="2000" dirty="0"/>
           </a:p>
         </p:txBody>
       </p:sp>
@@ -12810,66 +11333,6 @@
           <a:chExt cx="0" cy="0"/>
         </a:xfrm>
       </p:grpSpPr>
-      <p:sp useBgFill="1">
-        <p:nvSpPr>
-          <p:cNvPr id="12" name="Rectangle 11">
-            <a:extLst>
-              <a:ext uri="{FF2B5EF4-FFF2-40B4-BE49-F238E27FC236}">
-                <a16:creationId xmlns:a16="http://schemas.microsoft.com/office/drawing/2014/main" id="{579E3846-8D0B-B14A-817A-7FAC9DDAB4D8}"/>
-              </a:ext>
-              <a:ext uri="{C183D7F6-B498-43B3-948B-1728B52AA6E4}">
-                <adec:decorative xmlns:adec="http://schemas.microsoft.com/office/drawing/2017/decorative" val="1"/>
-              </a:ext>
-            </a:extLst>
-          </p:cNvPr>
-          <p:cNvSpPr>
-            <a:spLocks noGrp="1" noRot="1" noChangeAspect="1" noMove="1" noResize="1" noEditPoints="1" noAdjustHandles="1" noChangeArrowheads="1" noChangeShapeType="1" noTextEdit="1"/>
-          </p:cNvSpPr>
-          <p:nvPr>
-            <p:extLst>
-              <p:ext uri="{386F3935-93C4-4BCD-93E2-E3B085C9AB24}">
-                <p16:designElem xmlns:p16="http://schemas.microsoft.com/office/powerpoint/2015/main" val="1"/>
-              </p:ext>
-            </p:extLst>
-          </p:nvPr>
-        </p:nvSpPr>
-        <p:spPr>
-          <a:xfrm>
-            <a:off x="0" y="0"/>
-            <a:ext cx="12192000" cy="6858000"/>
-          </a:xfrm>
-          <a:prstGeom prst="rect">
-            <a:avLst/>
-          </a:prstGeom>
-          <a:ln>
-            <a:noFill/>
-          </a:ln>
-        </p:spPr>
-        <p:style>
-          <a:lnRef idx="2">
-            <a:schemeClr val="accent1">
-              <a:shade val="50000"/>
-            </a:schemeClr>
-          </a:lnRef>
-          <a:fillRef idx="1">
-            <a:schemeClr val="accent1"/>
-          </a:fillRef>
-          <a:effectRef idx="0">
-            <a:schemeClr val="accent1"/>
-          </a:effectRef>
-          <a:fontRef idx="minor">
-            <a:schemeClr val="lt1"/>
-          </a:fontRef>
-        </p:style>
-        <p:txBody>
-          <a:bodyPr rtlCol="0" anchor="ctr"/>
-          <a:lstStyle/>
-          <a:p>
-            <a:pPr algn="ctr"/>
-            <a:endParaRPr lang="en-US"/>
-          </a:p>
-        </p:txBody>
-      </p:sp>
       <p:sp>
         <p:nvSpPr>
           <p:cNvPr id="2" name="Title 1">
@@ -12899,8 +11362,8 @@
           <a:lstStyle/>
           <a:p>
             <a:r>
-              <a:rPr lang="en-KZ" sz="3200" dirty="0"/>
-              <a:t>“Average ride length by user type and day of the week”</a:t>
+              <a:rPr lang="en-KZ" sz="2400" b="1" dirty="0"/>
+              <a:t>Average ride length by user type and day of the week</a:t>
             </a:r>
           </a:p>
         </p:txBody>
@@ -12923,7 +11386,7 @@
         </p:nvSpPr>
         <p:spPr>
           <a:xfrm>
-            <a:off x="7644191" y="2436495"/>
+            <a:off x="7765393" y="2689069"/>
             <a:ext cx="4133840" cy="3188586"/>
           </a:xfrm>
         </p:spPr>
@@ -12937,7 +11400,7 @@
               <a:buNone/>
             </a:pPr>
             <a:r>
-              <a:rPr lang="en-US" dirty="0"/>
+              <a:rPr lang="en-US" sz="2000" dirty="0"/>
               <a:t>Key insight:</a:t>
             </a:r>
           </a:p>
@@ -12947,12 +11410,16 @@
               <a:buChar char="•"/>
             </a:pPr>
             <a:r>
-              <a:rPr lang="en-US" dirty="0"/>
-              <a:t>Both users take longer rides on weekend</a:t>
-            </a:r>
-          </a:p>
-          <a:p>
-            <a:endParaRPr lang="en-US" dirty="0"/>
+              <a:rPr lang="en-US" sz="2000" dirty="0"/>
+              <a:t>Both users take longer rides on the </a:t>
+            </a:r>
+            <a:r>
+              <a:rPr lang="en-US" sz="2000" b="1" dirty="0"/>
+              <a:t>weekend (Saturday, Sunday)</a:t>
+            </a:r>
+          </a:p>
+          <a:p>
+            <a:endParaRPr lang="en-US" sz="2000" dirty="0"/>
           </a:p>
         </p:txBody>
       </p:sp>
@@ -12986,134 +11453,6 @@
           </a:prstGeom>
         </p:spPr>
       </p:pic>
-      <p:sp>
-        <p:nvSpPr>
-          <p:cNvPr id="14" name="Cross 13">
-            <a:extLst>
-              <a:ext uri="{FF2B5EF4-FFF2-40B4-BE49-F238E27FC236}">
-                <a16:creationId xmlns:a16="http://schemas.microsoft.com/office/drawing/2014/main" id="{7B768144-4A9A-EF4F-89C6-859C48A1ADB8}"/>
-              </a:ext>
-              <a:ext uri="{C183D7F6-B498-43B3-948B-1728B52AA6E4}">
-                <adec:decorative xmlns:adec="http://schemas.microsoft.com/office/drawing/2017/decorative" val="1"/>
-              </a:ext>
-            </a:extLst>
-          </p:cNvPr>
-          <p:cNvSpPr>
-            <a:spLocks noGrp="1" noRot="1" noChangeAspect="1" noMove="1" noResize="1" noEditPoints="1" noAdjustHandles="1" noChangeArrowheads="1" noChangeShapeType="1" noTextEdit="1"/>
-          </p:cNvSpPr>
-          <p:nvPr>
-            <p:extLst>
-              <p:ext uri="{386F3935-93C4-4BCD-93E2-E3B085C9AB24}">
-                <p16:designElem xmlns:p16="http://schemas.microsoft.com/office/powerpoint/2015/main" val="1"/>
-              </p:ext>
-            </p:extLst>
-          </p:nvPr>
-        </p:nvSpPr>
-        <p:spPr>
-          <a:xfrm>
-            <a:off x="6705290" y="5618903"/>
-            <a:ext cx="524933" cy="524933"/>
-          </a:xfrm>
-          <a:prstGeom prst="plus">
-            <a:avLst>
-              <a:gd name="adj" fmla="val 39516"/>
-            </a:avLst>
-          </a:prstGeom>
-          <a:solidFill>
-            <a:schemeClr val="tx1"/>
-          </a:solidFill>
-          <a:ln>
-            <a:noFill/>
-          </a:ln>
-        </p:spPr>
-        <p:style>
-          <a:lnRef idx="2">
-            <a:schemeClr val="accent1">
-              <a:shade val="50000"/>
-            </a:schemeClr>
-          </a:lnRef>
-          <a:fillRef idx="1">
-            <a:schemeClr val="accent1"/>
-          </a:fillRef>
-          <a:effectRef idx="0">
-            <a:schemeClr val="accent1"/>
-          </a:effectRef>
-          <a:fontRef idx="minor">
-            <a:schemeClr val="lt1"/>
-          </a:fontRef>
-        </p:style>
-        <p:txBody>
-          <a:bodyPr rtlCol="0" anchor="ctr"/>
-          <a:lstStyle/>
-          <a:p>
-            <a:pPr algn="ctr"/>
-            <a:endParaRPr lang="en-US"/>
-          </a:p>
-        </p:txBody>
-      </p:sp>
-      <p:sp>
-        <p:nvSpPr>
-          <p:cNvPr id="16" name="Rectangle 15">
-            <a:extLst>
-              <a:ext uri="{FF2B5EF4-FFF2-40B4-BE49-F238E27FC236}">
-                <a16:creationId xmlns:a16="http://schemas.microsoft.com/office/drawing/2014/main" id="{233F0DEE-0C91-A94B-BED4-444EDE341B03}"/>
-              </a:ext>
-              <a:ext uri="{C183D7F6-B498-43B3-948B-1728B52AA6E4}">
-                <adec:decorative xmlns:adec="http://schemas.microsoft.com/office/drawing/2017/decorative" val="1"/>
-              </a:ext>
-            </a:extLst>
-          </p:cNvPr>
-          <p:cNvSpPr>
-            <a:spLocks noGrp="1" noRot="1" noChangeAspect="1" noMove="1" noResize="1" noEditPoints="1" noAdjustHandles="1" noChangeArrowheads="1" noChangeShapeType="1" noTextEdit="1"/>
-          </p:cNvSpPr>
-          <p:nvPr>
-            <p:extLst>
-              <p:ext uri="{386F3935-93C4-4BCD-93E2-E3B085C9AB24}">
-                <p16:designElem xmlns:p16="http://schemas.microsoft.com/office/powerpoint/2015/main" val="1"/>
-              </p:ext>
-            </p:extLst>
-          </p:nvPr>
-        </p:nvSpPr>
-        <p:spPr>
-          <a:xfrm>
-            <a:off x="9881559" y="976630"/>
-            <a:ext cx="1336774" cy="120142"/>
-          </a:xfrm>
-          <a:prstGeom prst="rect">
-            <a:avLst/>
-          </a:prstGeom>
-          <a:solidFill>
-            <a:schemeClr val="tx1"/>
-          </a:solidFill>
-          <a:ln>
-            <a:noFill/>
-          </a:ln>
-        </p:spPr>
-        <p:style>
-          <a:lnRef idx="2">
-            <a:schemeClr val="accent1">
-              <a:shade val="50000"/>
-            </a:schemeClr>
-          </a:lnRef>
-          <a:fillRef idx="1">
-            <a:schemeClr val="accent1"/>
-          </a:fillRef>
-          <a:effectRef idx="0">
-            <a:schemeClr val="accent1"/>
-          </a:effectRef>
-          <a:fontRef idx="minor">
-            <a:schemeClr val="lt1"/>
-          </a:fontRef>
-        </p:style>
-        <p:txBody>
-          <a:bodyPr rtlCol="0" anchor="ctr"/>
-          <a:lstStyle/>
-          <a:p>
-            <a:pPr algn="ctr"/>
-            <a:endParaRPr lang="en-US"/>
-          </a:p>
-        </p:txBody>
-      </p:sp>
     </p:spTree>
     <p:extLst>
       <p:ext uri="{BB962C8B-B14F-4D97-AF65-F5344CB8AC3E}">
@@ -13152,66 +11491,6 @@
           <a:chExt cx="0" cy="0"/>
         </a:xfrm>
       </p:grpSpPr>
-      <p:sp useBgFill="1">
-        <p:nvSpPr>
-          <p:cNvPr id="12" name="Rectangle 11">
-            <a:extLst>
-              <a:ext uri="{FF2B5EF4-FFF2-40B4-BE49-F238E27FC236}">
-                <a16:creationId xmlns:a16="http://schemas.microsoft.com/office/drawing/2014/main" id="{579E3846-8D0B-B14A-817A-7FAC9DDAB4D8}"/>
-              </a:ext>
-              <a:ext uri="{C183D7F6-B498-43B3-948B-1728B52AA6E4}">
-                <adec:decorative xmlns:adec="http://schemas.microsoft.com/office/drawing/2017/decorative" val="1"/>
-              </a:ext>
-            </a:extLst>
-          </p:cNvPr>
-          <p:cNvSpPr>
-            <a:spLocks noGrp="1" noRot="1" noChangeAspect="1" noMove="1" noResize="1" noEditPoints="1" noAdjustHandles="1" noChangeArrowheads="1" noChangeShapeType="1" noTextEdit="1"/>
-          </p:cNvSpPr>
-          <p:nvPr>
-            <p:extLst>
-              <p:ext uri="{386F3935-93C4-4BCD-93E2-E3B085C9AB24}">
-                <p16:designElem xmlns:p16="http://schemas.microsoft.com/office/powerpoint/2015/main" val="1"/>
-              </p:ext>
-            </p:extLst>
-          </p:nvPr>
-        </p:nvSpPr>
-        <p:spPr>
-          <a:xfrm>
-            <a:off x="0" y="0"/>
-            <a:ext cx="12192000" cy="6858000"/>
-          </a:xfrm>
-          <a:prstGeom prst="rect">
-            <a:avLst/>
-          </a:prstGeom>
-          <a:ln>
-            <a:noFill/>
-          </a:ln>
-        </p:spPr>
-        <p:style>
-          <a:lnRef idx="2">
-            <a:schemeClr val="accent1">
-              <a:shade val="50000"/>
-            </a:schemeClr>
-          </a:lnRef>
-          <a:fillRef idx="1">
-            <a:schemeClr val="accent1"/>
-          </a:fillRef>
-          <a:effectRef idx="0">
-            <a:schemeClr val="accent1"/>
-          </a:effectRef>
-          <a:fontRef idx="minor">
-            <a:schemeClr val="lt1"/>
-          </a:fontRef>
-        </p:style>
-        <p:txBody>
-          <a:bodyPr rtlCol="0" anchor="ctr"/>
-          <a:lstStyle/>
-          <a:p>
-            <a:pPr algn="ctr"/>
-            <a:endParaRPr lang="en-US"/>
-          </a:p>
-        </p:txBody>
-      </p:sp>
       <p:sp>
         <p:nvSpPr>
           <p:cNvPr id="2" name="Title 1">
@@ -13241,8 +11520,8 @@
           <a:lstStyle/>
           <a:p>
             <a:r>
-              <a:rPr lang="en-KZ" sz="3200" dirty="0"/>
-              <a:t>“Total Rides by user type and season”</a:t>
+              <a:rPr lang="en-KZ" sz="2400" b="1" dirty="0"/>
+              <a:t>Total Rides by user type and season</a:t>
             </a:r>
           </a:p>
         </p:txBody>
@@ -13279,7 +11558,7 @@
               <a:buNone/>
             </a:pPr>
             <a:r>
-              <a:rPr lang="en-US" dirty="0"/>
+              <a:rPr lang="en-US" sz="2000" dirty="0"/>
               <a:t>Key insights:</a:t>
             </a:r>
           </a:p>
@@ -13289,7 +11568,7 @@
               <a:buChar char="•"/>
             </a:pPr>
             <a:r>
-              <a:rPr lang="en-US" dirty="0"/>
+              <a:rPr lang="en-US" sz="2000" dirty="0"/>
               <a:t>In each season we see more member rides.</a:t>
             </a:r>
           </a:p>
@@ -13299,15 +11578,27 @@
               <a:buChar char="•"/>
             </a:pPr>
             <a:r>
-              <a:rPr lang="en-US" dirty="0"/>
-              <a:t>Both riders peak in summer and decline in winter</a:t>
+              <a:rPr lang="en-US" sz="2000" dirty="0"/>
+              <a:t>Both riders </a:t>
+            </a:r>
+            <a:r>
+              <a:rPr lang="en-US" sz="2000" b="1" dirty="0"/>
+              <a:t>peak in summer </a:t>
+            </a:r>
+            <a:r>
+              <a:rPr lang="en-US" sz="2000" dirty="0"/>
+              <a:t>and </a:t>
+            </a:r>
+            <a:r>
+              <a:rPr lang="en-US" sz="2000" b="1" dirty="0"/>
+              <a:t>decline in winter</a:t>
             </a:r>
           </a:p>
           <a:p>
             <a:pPr marL="0" indent="0">
               <a:buNone/>
             </a:pPr>
-            <a:endParaRPr lang="en-US" dirty="0"/>
+            <a:endParaRPr lang="en-US" sz="2000" dirty="0"/>
           </a:p>
         </p:txBody>
       </p:sp>
@@ -13341,134 +11632,6 @@
           </a:prstGeom>
         </p:spPr>
       </p:pic>
-      <p:sp>
-        <p:nvSpPr>
-          <p:cNvPr id="14" name="Cross 13">
-            <a:extLst>
-              <a:ext uri="{FF2B5EF4-FFF2-40B4-BE49-F238E27FC236}">
-                <a16:creationId xmlns:a16="http://schemas.microsoft.com/office/drawing/2014/main" id="{BE50E7BE-734F-224D-B03E-074DE1D12480}"/>
-              </a:ext>
-              <a:ext uri="{C183D7F6-B498-43B3-948B-1728B52AA6E4}">
-                <adec:decorative xmlns:adec="http://schemas.microsoft.com/office/drawing/2017/decorative" val="1"/>
-              </a:ext>
-            </a:extLst>
-          </p:cNvPr>
-          <p:cNvSpPr>
-            <a:spLocks noGrp="1" noRot="1" noChangeAspect="1" noMove="1" noResize="1" noEditPoints="1" noAdjustHandles="1" noChangeArrowheads="1" noChangeShapeType="1" noTextEdit="1"/>
-          </p:cNvSpPr>
-          <p:nvPr>
-            <p:extLst>
-              <p:ext uri="{386F3935-93C4-4BCD-93E2-E3B085C9AB24}">
-                <p16:designElem xmlns:p16="http://schemas.microsoft.com/office/powerpoint/2015/main" val="1"/>
-              </p:ext>
-            </p:extLst>
-          </p:nvPr>
-        </p:nvSpPr>
-        <p:spPr>
-          <a:xfrm>
-            <a:off x="11217667" y="5618903"/>
-            <a:ext cx="524933" cy="524933"/>
-          </a:xfrm>
-          <a:prstGeom prst="plus">
-            <a:avLst>
-              <a:gd name="adj" fmla="val 39516"/>
-            </a:avLst>
-          </a:prstGeom>
-          <a:solidFill>
-            <a:schemeClr val="tx1"/>
-          </a:solidFill>
-          <a:ln>
-            <a:noFill/>
-          </a:ln>
-        </p:spPr>
-        <p:style>
-          <a:lnRef idx="2">
-            <a:schemeClr val="accent1">
-              <a:shade val="50000"/>
-            </a:schemeClr>
-          </a:lnRef>
-          <a:fillRef idx="1">
-            <a:schemeClr val="accent1"/>
-          </a:fillRef>
-          <a:effectRef idx="0">
-            <a:schemeClr val="accent1"/>
-          </a:effectRef>
-          <a:fontRef idx="minor">
-            <a:schemeClr val="lt1"/>
-          </a:fontRef>
-        </p:style>
-        <p:txBody>
-          <a:bodyPr rtlCol="0" anchor="ctr"/>
-          <a:lstStyle/>
-          <a:p>
-            <a:pPr algn="ctr"/>
-            <a:endParaRPr lang="en-US"/>
-          </a:p>
-        </p:txBody>
-      </p:sp>
-      <p:sp>
-        <p:nvSpPr>
-          <p:cNvPr id="16" name="Rectangle 15">
-            <a:extLst>
-              <a:ext uri="{FF2B5EF4-FFF2-40B4-BE49-F238E27FC236}">
-                <a16:creationId xmlns:a16="http://schemas.microsoft.com/office/drawing/2014/main" id="{DCA5172B-100A-154D-8648-280629D67DD0}"/>
-              </a:ext>
-              <a:ext uri="{C183D7F6-B498-43B3-948B-1728B52AA6E4}">
-                <adec:decorative xmlns:adec="http://schemas.microsoft.com/office/drawing/2017/decorative" val="1"/>
-              </a:ext>
-            </a:extLst>
-          </p:cNvPr>
-          <p:cNvSpPr>
-            <a:spLocks noGrp="1" noRot="1" noChangeAspect="1" noMove="1" noResize="1" noEditPoints="1" noAdjustHandles="1" noChangeArrowheads="1" noChangeShapeType="1" noTextEdit="1"/>
-          </p:cNvSpPr>
-          <p:nvPr>
-            <p:extLst>
-              <p:ext uri="{386F3935-93C4-4BCD-93E2-E3B085C9AB24}">
-                <p16:designElem xmlns:p16="http://schemas.microsoft.com/office/powerpoint/2015/main" val="1"/>
-              </p:ext>
-            </p:extLst>
-          </p:nvPr>
-        </p:nvSpPr>
-        <p:spPr>
-          <a:xfrm>
-            <a:off x="9881559" y="976630"/>
-            <a:ext cx="1336774" cy="120142"/>
-          </a:xfrm>
-          <a:prstGeom prst="rect">
-            <a:avLst/>
-          </a:prstGeom>
-          <a:solidFill>
-            <a:schemeClr val="tx1"/>
-          </a:solidFill>
-          <a:ln>
-            <a:noFill/>
-          </a:ln>
-        </p:spPr>
-        <p:style>
-          <a:lnRef idx="2">
-            <a:schemeClr val="accent1">
-              <a:shade val="50000"/>
-            </a:schemeClr>
-          </a:lnRef>
-          <a:fillRef idx="1">
-            <a:schemeClr val="accent1"/>
-          </a:fillRef>
-          <a:effectRef idx="0">
-            <a:schemeClr val="accent1"/>
-          </a:effectRef>
-          <a:fontRef idx="minor">
-            <a:schemeClr val="lt1"/>
-          </a:fontRef>
-        </p:style>
-        <p:txBody>
-          <a:bodyPr rtlCol="0" anchor="ctr"/>
-          <a:lstStyle/>
-          <a:p>
-            <a:pPr algn="ctr"/>
-            <a:endParaRPr lang="en-US"/>
-          </a:p>
-        </p:txBody>
-      </p:sp>
     </p:spTree>
     <p:extLst>
       <p:ext uri="{BB962C8B-B14F-4D97-AF65-F5344CB8AC3E}">
@@ -13483,56 +11646,150 @@
 </file>
 
 <file path=ppt/theme/theme1.xml><?xml version="1.0" encoding="utf-8"?>
-<a:theme xmlns:a="http://schemas.openxmlformats.org/drawingml/2006/main" name="MadridVTI">
+<a:theme xmlns:a="http://schemas.openxmlformats.org/drawingml/2006/main" name="Office Theme">
   <a:themeElements>
-    <a:clrScheme name="AnalogousFromLightSeedRightStep">
+    <a:clrScheme name="Office">
       <a:dk1>
-        <a:srgbClr val="000000"/>
+        <a:sysClr val="windowText" lastClr="000000"/>
       </a:dk1>
       <a:lt1>
-        <a:srgbClr val="FFFFFF"/>
+        <a:sysClr val="window" lastClr="FFFFFF"/>
       </a:lt1>
       <a:dk2>
-        <a:srgbClr val="243141"/>
+        <a:srgbClr val="0E2841"/>
       </a:dk2>
       <a:lt2>
-        <a:srgbClr val="E2E3E8"/>
+        <a:srgbClr val="E8E8E8"/>
       </a:lt2>
       <a:accent1>
-        <a:srgbClr val="AAA180"/>
+        <a:srgbClr val="156082"/>
       </a:accent1>
       <a:accent2>
-        <a:srgbClr val="9CA671"/>
+        <a:srgbClr val="E97132"/>
       </a:accent2>
       <a:accent3>
-        <a:srgbClr val="8FA880"/>
+        <a:srgbClr val="196B24"/>
       </a:accent3>
       <a:accent4>
-        <a:srgbClr val="76AD78"/>
+        <a:srgbClr val="0F9ED5"/>
       </a:accent4>
       <a:accent5>
-        <a:srgbClr val="81AB94"/>
+        <a:srgbClr val="A02B93"/>
       </a:accent5>
       <a:accent6>
-        <a:srgbClr val="74AAA2"/>
+        <a:srgbClr val="4EA72E"/>
       </a:accent6>
       <a:hlink>
-        <a:srgbClr val="6978AE"/>
+        <a:srgbClr val="467886"/>
       </a:hlink>
       <a:folHlink>
-        <a:srgbClr val="7F7F7F"/>
+        <a:srgbClr val="96607D"/>
       </a:folHlink>
     </a:clrScheme>
-    <a:fontScheme name="Madrid">
+    <a:fontScheme name="Office">
       <a:majorFont>
-        <a:latin typeface="Seaford Display"/>
+        <a:latin typeface="Aptos Display" panose="02110004020202020204"/>
         <a:ea typeface=""/>
         <a:cs typeface=""/>
+        <a:font script="Jpan" typeface="游ゴシック Light"/>
+        <a:font script="Hang" typeface="맑은 고딕"/>
+        <a:font script="Hans" typeface="等线 Light"/>
+        <a:font script="Hant" typeface="新細明體"/>
+        <a:font script="Arab" typeface="Times New Roman"/>
+        <a:font script="Hebr" typeface="Times New Roman"/>
+        <a:font script="Thai" typeface="Angsana New"/>
+        <a:font script="Ethi" typeface="Nyala"/>
+        <a:font script="Beng" typeface="Vrinda"/>
+        <a:font script="Gujr" typeface="Shruti"/>
+        <a:font script="Khmr" typeface="MoolBoran"/>
+        <a:font script="Knda" typeface="Tunga"/>
+        <a:font script="Guru" typeface="Raavi"/>
+        <a:font script="Cans" typeface="Euphemia"/>
+        <a:font script="Cher" typeface="Plantagenet Cherokee"/>
+        <a:font script="Yiii" typeface="Microsoft Yi Baiti"/>
+        <a:font script="Tibt" typeface="Microsoft Himalaya"/>
+        <a:font script="Thaa" typeface="MV Boli"/>
+        <a:font script="Deva" typeface="Mangal"/>
+        <a:font script="Telu" typeface="Gautami"/>
+        <a:font script="Taml" typeface="Latha"/>
+        <a:font script="Syrc" typeface="Estrangelo Edessa"/>
+        <a:font script="Orya" typeface="Kalinga"/>
+        <a:font script="Mlym" typeface="Kartika"/>
+        <a:font script="Laoo" typeface="DokChampa"/>
+        <a:font script="Sinh" typeface="Iskoola Pota"/>
+        <a:font script="Mong" typeface="Mongolian Baiti"/>
+        <a:font script="Viet" typeface="Times New Roman"/>
+        <a:font script="Uigh" typeface="Microsoft Uighur"/>
+        <a:font script="Geor" typeface="Sylfaen"/>
+        <a:font script="Armn" typeface="Arial"/>
+        <a:font script="Bugi" typeface="Leelawadee UI"/>
+        <a:font script="Bopo" typeface="Microsoft JhengHei"/>
+        <a:font script="Java" typeface="Javanese Text"/>
+        <a:font script="Lisu" typeface="Segoe UI"/>
+        <a:font script="Mymr" typeface="Myanmar Text"/>
+        <a:font script="Nkoo" typeface="Ebrima"/>
+        <a:font script="Olck" typeface="Nirmala UI"/>
+        <a:font script="Osma" typeface="Ebrima"/>
+        <a:font script="Phag" typeface="Phagspa"/>
+        <a:font script="Syrn" typeface="Estrangelo Edessa"/>
+        <a:font script="Syrj" typeface="Estrangelo Edessa"/>
+        <a:font script="Syre" typeface="Estrangelo Edessa"/>
+        <a:font script="Sora" typeface="Nirmala UI"/>
+        <a:font script="Tale" typeface="Microsoft Tai Le"/>
+        <a:font script="Talu" typeface="Microsoft New Tai Lue"/>
+        <a:font script="Tfng" typeface="Ebrima"/>
       </a:majorFont>
       <a:minorFont>
-        <a:latin typeface="Tenorite"/>
+        <a:latin typeface="Aptos" panose="02110004020202020204"/>
         <a:ea typeface=""/>
         <a:cs typeface=""/>
+        <a:font script="Jpan" typeface="游ゴシック"/>
+        <a:font script="Hang" typeface="맑은 고딕"/>
+        <a:font script="Hans" typeface="等线"/>
+        <a:font script="Hant" typeface="新細明體"/>
+        <a:font script="Arab" typeface="Arial"/>
+        <a:font script="Hebr" typeface="Arial"/>
+        <a:font script="Thai" typeface="Cordia New"/>
+        <a:font script="Ethi" typeface="Nyala"/>
+        <a:font script="Beng" typeface="Vrinda"/>
+        <a:font script="Gujr" typeface="Shruti"/>
+        <a:font script="Khmr" typeface="DaunPenh"/>
+        <a:font script="Knda" typeface="Tunga"/>
+        <a:font script="Guru" typeface="Raavi"/>
+        <a:font script="Cans" typeface="Euphemia"/>
+        <a:font script="Cher" typeface="Plantagenet Cherokee"/>
+        <a:font script="Yiii" typeface="Microsoft Yi Baiti"/>
+        <a:font script="Tibt" typeface="Microsoft Himalaya"/>
+        <a:font script="Thaa" typeface="MV Boli"/>
+        <a:font script="Deva" typeface="Mangal"/>
+        <a:font script="Telu" typeface="Gautami"/>
+        <a:font script="Taml" typeface="Latha"/>
+        <a:font script="Syrc" typeface="Estrangelo Edessa"/>
+        <a:font script="Orya" typeface="Kalinga"/>
+        <a:font script="Mlym" typeface="Kartika"/>
+        <a:font script="Laoo" typeface="DokChampa"/>
+        <a:font script="Sinh" typeface="Iskoola Pota"/>
+        <a:font script="Mong" typeface="Mongolian Baiti"/>
+        <a:font script="Viet" typeface="Arial"/>
+        <a:font script="Uigh" typeface="Microsoft Uighur"/>
+        <a:font script="Geor" typeface="Sylfaen"/>
+        <a:font script="Armn" typeface="Arial"/>
+        <a:font script="Bugi" typeface="Leelawadee UI"/>
+        <a:font script="Bopo" typeface="Microsoft JhengHei"/>
+        <a:font script="Java" typeface="Javanese Text"/>
+        <a:font script="Lisu" typeface="Segoe UI"/>
+        <a:font script="Mymr" typeface="Myanmar Text"/>
+        <a:font script="Nkoo" typeface="Ebrima"/>
+        <a:font script="Olck" typeface="Nirmala UI"/>
+        <a:font script="Osma" typeface="Ebrima"/>
+        <a:font script="Phag" typeface="Phagspa"/>
+        <a:font script="Syrn" typeface="Estrangelo Edessa"/>
+        <a:font script="Syrj" typeface="Estrangelo Edessa"/>
+        <a:font script="Syre" typeface="Estrangelo Edessa"/>
+        <a:font script="Sora" typeface="Nirmala UI"/>
+        <a:font script="Tale" typeface="Microsoft Tai Le"/>
+        <a:font script="Talu" typeface="Microsoft New Tai Lue"/>
+        <a:font script="Tfng" typeface="Ebrima"/>
       </a:minorFont>
     </a:fontScheme>
     <a:fmtScheme name="Office">
@@ -13594,13 +11851,6 @@
         </a:gradFill>
       </a:fillStyleLst>
       <a:lnStyleLst>
-        <a:ln w="6350" cap="flat" cmpd="sng" algn="ctr">
-          <a:solidFill>
-            <a:schemeClr val="phClr"/>
-          </a:solidFill>
-          <a:prstDash val="solid"/>
-          <a:miter lim="800000"/>
-        </a:ln>
         <a:ln w="12700" cap="flat" cmpd="sng" algn="ctr">
           <a:solidFill>
             <a:schemeClr val="phClr"/>
@@ -13609,6 +11859,13 @@
           <a:miter lim="800000"/>
         </a:ln>
         <a:ln w="19050" cap="flat" cmpd="sng" algn="ctr">
+          <a:solidFill>
+            <a:schemeClr val="phClr"/>
+          </a:solidFill>
+          <a:prstDash val="solid"/>
+          <a:miter lim="800000"/>
+        </a:ln>
+        <a:ln w="25400" cap="flat" cmpd="sng" algn="ctr">
           <a:solidFill>
             <a:schemeClr val="phClr"/>
           </a:solidFill>
@@ -13673,11 +11930,31 @@
       </a:bgFillStyleLst>
     </a:fmtScheme>
   </a:themeElements>
-  <a:objectDefaults/>
+  <a:objectDefaults>
+    <a:lnDef>
+      <a:spPr/>
+      <a:bodyPr/>
+      <a:lstStyle/>
+      <a:style>
+        <a:lnRef idx="2">
+          <a:schemeClr val="accent1"/>
+        </a:lnRef>
+        <a:fillRef idx="0">
+          <a:schemeClr val="accent1"/>
+        </a:fillRef>
+        <a:effectRef idx="1">
+          <a:schemeClr val="accent1"/>
+        </a:effectRef>
+        <a:fontRef idx="minor">
+          <a:schemeClr val="tx1"/>
+        </a:fontRef>
+      </a:style>
+    </a:lnDef>
+  </a:objectDefaults>
   <a:extraClrSchemeLst/>
   <a:extLst>
     <a:ext uri="{05A4C25C-085E-4340-85A3-A5531E510DB2}">
-      <thm15:themeFamily xmlns:thm15="http://schemas.microsoft.com/office/thememl/2012/main" name="MadridVTI" id="{5F675924-ADDD-6B4C-A2D4-69150D1F0C16}" vid="{BEA84270-19BD-7342-8ABF-EFF1668AF117}"/>
+      <thm15:themeFamily xmlns:thm15="http://schemas.microsoft.com/office/thememl/2012/main" name="Office Theme" id="{2E142A2C-CD16-42D6-873A-C26D2A0506FA}" vid="{1BDDFF52-6CD6-40A5-AB3C-68EB2F1E4D0A}"/>
     </a:ext>
   </a:extLst>
 </a:theme>
